--- a/2023 весна/лекции/лекция 9_2 нов.pptx
+++ b/2023 весна/лекции/лекция 9_2 нов.pptx
@@ -252,7 +252,7 @@
           <a:p>
             <a:fld id="{29642B24-77BB-4BC1-9DF3-4A3F237C5B04}" type="datetimeFigureOut">
               <a:rPr lang="ru-RU" smtClean="0"/>
-              <a:t>15.11.2021</a:t>
+              <a:t>17.04.2023</a:t>
             </a:fld>
             <a:endParaRPr lang="ru-RU"/>
           </a:p>
@@ -316,38 +316,37 @@
           <a:p>
             <a:pPr lvl="0"/>
             <a:r>
-              <a:rPr lang="ru-RU" smtClean="0"/>
+              <a:rPr lang="ru-RU"/>
               <a:t>Образец текста</a:t>
             </a:r>
           </a:p>
           <a:p>
             <a:pPr lvl="1"/>
             <a:r>
-              <a:rPr lang="ru-RU" smtClean="0"/>
+              <a:rPr lang="ru-RU"/>
               <a:t>Второй уровень</a:t>
             </a:r>
           </a:p>
           <a:p>
             <a:pPr lvl="2"/>
             <a:r>
-              <a:rPr lang="ru-RU" smtClean="0"/>
+              <a:rPr lang="ru-RU"/>
               <a:t>Третий уровень</a:t>
             </a:r>
           </a:p>
           <a:p>
             <a:pPr lvl="3"/>
             <a:r>
-              <a:rPr lang="ru-RU" smtClean="0"/>
+              <a:rPr lang="ru-RU"/>
               <a:t>Четвертый уровень</a:t>
             </a:r>
           </a:p>
           <a:p>
             <a:pPr lvl="4"/>
             <a:r>
-              <a:rPr lang="ru-RU" smtClean="0"/>
+              <a:rPr lang="ru-RU"/>
               <a:t>Пятый уровень</a:t>
             </a:r>
-            <a:endParaRPr lang="ru-RU"/>
           </a:p>
         </p:txBody>
       </p:sp>
@@ -940,6 +939,90 @@
 </p:notes>
 </file>
 
+<file path=ppt/notesSlides/notesSlide6.xml><?xml version="1.0" encoding="utf-8"?>
+<p:notes xmlns:a="http://schemas.openxmlformats.org/drawingml/2006/main" xmlns:r="http://schemas.openxmlformats.org/officeDocument/2006/relationships" xmlns:p="http://schemas.openxmlformats.org/presentationml/2006/main">
+  <p:cSld>
+    <p:spTree>
+      <p:nvGrpSpPr>
+        <p:cNvPr id="1" name=""/>
+        <p:cNvGrpSpPr/>
+        <p:nvPr/>
+      </p:nvGrpSpPr>
+      <p:grpSpPr>
+        <a:xfrm>
+          <a:off x="0" y="0"/>
+          <a:ext cx="0" cy="0"/>
+          <a:chOff x="0" y="0"/>
+          <a:chExt cx="0" cy="0"/>
+        </a:xfrm>
+      </p:grpSpPr>
+      <p:sp>
+        <p:nvSpPr>
+          <p:cNvPr id="2" name="Образ слайда 1"/>
+          <p:cNvSpPr>
+            <a:spLocks noGrp="1" noRot="1" noChangeAspect="1"/>
+          </p:cNvSpPr>
+          <p:nvPr>
+            <p:ph type="sldImg"/>
+          </p:nvPr>
+        </p:nvSpPr>
+        <p:spPr/>
+      </p:sp>
+      <p:sp>
+        <p:nvSpPr>
+          <p:cNvPr id="3" name="Заметки 2"/>
+          <p:cNvSpPr>
+            <a:spLocks noGrp="1"/>
+          </p:cNvSpPr>
+          <p:nvPr>
+            <p:ph type="body" idx="1"/>
+          </p:nvPr>
+        </p:nvSpPr>
+        <p:spPr/>
+        <p:txBody>
+          <a:bodyPr/>
+          <a:lstStyle/>
+          <a:p>
+            <a:endParaRPr lang="ru-RU" dirty="0"/>
+          </a:p>
+        </p:txBody>
+      </p:sp>
+      <p:sp>
+        <p:nvSpPr>
+          <p:cNvPr id="4" name="Номер слайда 3"/>
+          <p:cNvSpPr>
+            <a:spLocks noGrp="1"/>
+          </p:cNvSpPr>
+          <p:nvPr>
+            <p:ph type="sldNum" sz="quarter" idx="5"/>
+          </p:nvPr>
+        </p:nvSpPr>
+        <p:spPr/>
+        <p:txBody>
+          <a:bodyPr/>
+          <a:lstStyle/>
+          <a:p>
+            <a:fld id="{0A77CB4E-080A-4F74-BEB9-FA60D00F2E29}" type="slidenum">
+              <a:rPr lang="ru-RU" smtClean="0"/>
+              <a:t>33</a:t>
+            </a:fld>
+            <a:endParaRPr lang="ru-RU"/>
+          </a:p>
+        </p:txBody>
+      </p:sp>
+    </p:spTree>
+    <p:extLst>
+      <p:ext uri="{BB962C8B-B14F-4D97-AF65-F5344CB8AC3E}">
+        <p14:creationId xmlns:p14="http://schemas.microsoft.com/office/powerpoint/2010/main" val="452164380"/>
+      </p:ext>
+    </p:extLst>
+  </p:cSld>
+  <p:clrMapOvr>
+    <a:masterClrMapping/>
+  </p:clrMapOvr>
+</p:notes>
+</file>
+
 <file path=ppt/slideLayouts/slideLayout1.xml><?xml version="1.0" encoding="utf-8"?>
 <p:sldLayout xmlns:a="http://schemas.openxmlformats.org/drawingml/2006/main" xmlns:r="http://schemas.openxmlformats.org/officeDocument/2006/relationships" xmlns:p="http://schemas.openxmlformats.org/presentationml/2006/main" type="title" preserve="1">
   <p:cSld name="Титульный слайд">
@@ -978,10 +1061,9 @@
           <a:lstStyle/>
           <a:p>
             <a:r>
-              <a:rPr lang="ru-RU" smtClean="0"/>
+              <a:rPr lang="ru-RU"/>
               <a:t>Образец заголовка</a:t>
             </a:r>
-            <a:endParaRPr lang="ru-RU"/>
           </a:p>
         </p:txBody>
       </p:sp>
@@ -1097,10 +1179,9 @@
           </a:lstStyle>
           <a:p>
             <a:r>
-              <a:rPr lang="ru-RU" smtClean="0"/>
+              <a:rPr lang="ru-RU"/>
               <a:t>Образец подзаголовка</a:t>
             </a:r>
-            <a:endParaRPr lang="ru-RU"/>
           </a:p>
         </p:txBody>
       </p:sp>
@@ -1121,7 +1202,7 @@
           <a:p>
             <a:fld id="{A194D002-0EC3-4530-B910-76D5CAB57DE5}" type="datetimeFigureOut">
               <a:rPr lang="ru-RU" smtClean="0"/>
-              <a:t>15.11.2021</a:t>
+              <a:t>17.04.2023</a:t>
             </a:fld>
             <a:endParaRPr lang="ru-RU"/>
           </a:p>
@@ -1215,10 +1296,9 @@
           <a:lstStyle/>
           <a:p>
             <a:r>
-              <a:rPr lang="ru-RU" smtClean="0"/>
+              <a:rPr lang="ru-RU"/>
               <a:t>Образец заголовка</a:t>
             </a:r>
-            <a:endParaRPr lang="ru-RU"/>
           </a:p>
         </p:txBody>
       </p:sp>
@@ -1239,38 +1319,37 @@
           <a:p>
             <a:pPr lvl="0"/>
             <a:r>
-              <a:rPr lang="ru-RU" smtClean="0"/>
+              <a:rPr lang="ru-RU"/>
               <a:t>Образец текста</a:t>
             </a:r>
           </a:p>
           <a:p>
             <a:pPr lvl="1"/>
             <a:r>
-              <a:rPr lang="ru-RU" smtClean="0"/>
+              <a:rPr lang="ru-RU"/>
               <a:t>Второй уровень</a:t>
             </a:r>
           </a:p>
           <a:p>
             <a:pPr lvl="2"/>
             <a:r>
-              <a:rPr lang="ru-RU" smtClean="0"/>
+              <a:rPr lang="ru-RU"/>
               <a:t>Третий уровень</a:t>
             </a:r>
           </a:p>
           <a:p>
             <a:pPr lvl="3"/>
             <a:r>
-              <a:rPr lang="ru-RU" smtClean="0"/>
+              <a:rPr lang="ru-RU"/>
               <a:t>Четвертый уровень</a:t>
             </a:r>
           </a:p>
           <a:p>
             <a:pPr lvl="4"/>
             <a:r>
-              <a:rPr lang="ru-RU" smtClean="0"/>
+              <a:rPr lang="ru-RU"/>
               <a:t>Пятый уровень</a:t>
             </a:r>
-            <a:endParaRPr lang="ru-RU"/>
           </a:p>
         </p:txBody>
       </p:sp>
@@ -1291,7 +1370,7 @@
           <a:p>
             <a:fld id="{A194D002-0EC3-4530-B910-76D5CAB57DE5}" type="datetimeFigureOut">
               <a:rPr lang="ru-RU" smtClean="0"/>
-              <a:t>15.11.2021</a:t>
+              <a:t>17.04.2023</a:t>
             </a:fld>
             <a:endParaRPr lang="ru-RU"/>
           </a:p>
@@ -1390,10 +1469,9 @@
           <a:lstStyle/>
           <a:p>
             <a:r>
-              <a:rPr lang="ru-RU" smtClean="0"/>
+              <a:rPr lang="ru-RU"/>
               <a:t>Образец заголовка</a:t>
             </a:r>
-            <a:endParaRPr lang="ru-RU"/>
           </a:p>
         </p:txBody>
       </p:sp>
@@ -1419,38 +1497,37 @@
           <a:p>
             <a:pPr lvl="0"/>
             <a:r>
-              <a:rPr lang="ru-RU" smtClean="0"/>
+              <a:rPr lang="ru-RU"/>
               <a:t>Образец текста</a:t>
             </a:r>
           </a:p>
           <a:p>
             <a:pPr lvl="1"/>
             <a:r>
-              <a:rPr lang="ru-RU" smtClean="0"/>
+              <a:rPr lang="ru-RU"/>
               <a:t>Второй уровень</a:t>
             </a:r>
           </a:p>
           <a:p>
             <a:pPr lvl="2"/>
             <a:r>
-              <a:rPr lang="ru-RU" smtClean="0"/>
+              <a:rPr lang="ru-RU"/>
               <a:t>Третий уровень</a:t>
             </a:r>
           </a:p>
           <a:p>
             <a:pPr lvl="3"/>
             <a:r>
-              <a:rPr lang="ru-RU" smtClean="0"/>
+              <a:rPr lang="ru-RU"/>
               <a:t>Четвертый уровень</a:t>
             </a:r>
           </a:p>
           <a:p>
             <a:pPr lvl="4"/>
             <a:r>
-              <a:rPr lang="ru-RU" smtClean="0"/>
+              <a:rPr lang="ru-RU"/>
               <a:t>Пятый уровень</a:t>
             </a:r>
-            <a:endParaRPr lang="ru-RU"/>
           </a:p>
         </p:txBody>
       </p:sp>
@@ -1471,7 +1548,7 @@
           <a:p>
             <a:fld id="{A194D002-0EC3-4530-B910-76D5CAB57DE5}" type="datetimeFigureOut">
               <a:rPr lang="ru-RU" smtClean="0"/>
-              <a:t>15.11.2021</a:t>
+              <a:t>17.04.2023</a:t>
             </a:fld>
             <a:endParaRPr lang="ru-RU"/>
           </a:p>
@@ -1565,10 +1642,9 @@
           <a:lstStyle/>
           <a:p>
             <a:r>
-              <a:rPr lang="ru-RU" smtClean="0"/>
+              <a:rPr lang="ru-RU"/>
               <a:t>Образец заголовка</a:t>
             </a:r>
-            <a:endParaRPr lang="ru-RU"/>
           </a:p>
         </p:txBody>
       </p:sp>
@@ -1589,38 +1665,37 @@
           <a:p>
             <a:pPr lvl="0"/>
             <a:r>
-              <a:rPr lang="ru-RU" smtClean="0"/>
+              <a:rPr lang="ru-RU"/>
               <a:t>Образец текста</a:t>
             </a:r>
           </a:p>
           <a:p>
             <a:pPr lvl="1"/>
             <a:r>
-              <a:rPr lang="ru-RU" smtClean="0"/>
+              <a:rPr lang="ru-RU"/>
               <a:t>Второй уровень</a:t>
             </a:r>
           </a:p>
           <a:p>
             <a:pPr lvl="2"/>
             <a:r>
-              <a:rPr lang="ru-RU" smtClean="0"/>
+              <a:rPr lang="ru-RU"/>
               <a:t>Третий уровень</a:t>
             </a:r>
           </a:p>
           <a:p>
             <a:pPr lvl="3"/>
             <a:r>
-              <a:rPr lang="ru-RU" smtClean="0"/>
+              <a:rPr lang="ru-RU"/>
               <a:t>Четвертый уровень</a:t>
             </a:r>
           </a:p>
           <a:p>
             <a:pPr lvl="4"/>
             <a:r>
-              <a:rPr lang="ru-RU" smtClean="0"/>
+              <a:rPr lang="ru-RU"/>
               <a:t>Пятый уровень</a:t>
             </a:r>
-            <a:endParaRPr lang="ru-RU"/>
           </a:p>
         </p:txBody>
       </p:sp>
@@ -1641,7 +1716,7 @@
           <a:p>
             <a:fld id="{A194D002-0EC3-4530-B910-76D5CAB57DE5}" type="datetimeFigureOut">
               <a:rPr lang="ru-RU" smtClean="0"/>
-              <a:t>15.11.2021</a:t>
+              <a:t>17.04.2023</a:t>
             </a:fld>
             <a:endParaRPr lang="ru-RU"/>
           </a:p>
@@ -1744,10 +1819,9 @@
           </a:lstStyle>
           <a:p>
             <a:r>
-              <a:rPr lang="ru-RU" smtClean="0"/>
+              <a:rPr lang="ru-RU"/>
               <a:t>Образец заголовка</a:t>
             </a:r>
-            <a:endParaRPr lang="ru-RU"/>
           </a:p>
         </p:txBody>
       </p:sp>
@@ -1864,7 +1938,7 @@
           <a:p>
             <a:pPr lvl="0"/>
             <a:r>
-              <a:rPr lang="ru-RU" smtClean="0"/>
+              <a:rPr lang="ru-RU"/>
               <a:t>Образец текста</a:t>
             </a:r>
           </a:p>
@@ -1887,7 +1961,7 @@
           <a:p>
             <a:fld id="{A194D002-0EC3-4530-B910-76D5CAB57DE5}" type="datetimeFigureOut">
               <a:rPr lang="ru-RU" smtClean="0"/>
-              <a:t>15.11.2021</a:t>
+              <a:t>17.04.2023</a:t>
             </a:fld>
             <a:endParaRPr lang="ru-RU"/>
           </a:p>
@@ -1981,10 +2055,9 @@
           <a:lstStyle/>
           <a:p>
             <a:r>
-              <a:rPr lang="ru-RU" smtClean="0"/>
+              <a:rPr lang="ru-RU"/>
               <a:t>Образец заголовка</a:t>
             </a:r>
-            <a:endParaRPr lang="ru-RU"/>
           </a:p>
         </p:txBody>
       </p:sp>
@@ -2038,38 +2111,37 @@
           <a:p>
             <a:pPr lvl="0"/>
             <a:r>
-              <a:rPr lang="ru-RU" smtClean="0"/>
+              <a:rPr lang="ru-RU"/>
               <a:t>Образец текста</a:t>
             </a:r>
           </a:p>
           <a:p>
             <a:pPr lvl="1"/>
             <a:r>
-              <a:rPr lang="ru-RU" smtClean="0"/>
+              <a:rPr lang="ru-RU"/>
               <a:t>Второй уровень</a:t>
             </a:r>
           </a:p>
           <a:p>
             <a:pPr lvl="2"/>
             <a:r>
-              <a:rPr lang="ru-RU" smtClean="0"/>
+              <a:rPr lang="ru-RU"/>
               <a:t>Третий уровень</a:t>
             </a:r>
           </a:p>
           <a:p>
             <a:pPr lvl="3"/>
             <a:r>
-              <a:rPr lang="ru-RU" smtClean="0"/>
+              <a:rPr lang="ru-RU"/>
               <a:t>Четвертый уровень</a:t>
             </a:r>
           </a:p>
           <a:p>
             <a:pPr lvl="4"/>
             <a:r>
-              <a:rPr lang="ru-RU" smtClean="0"/>
+              <a:rPr lang="ru-RU"/>
               <a:t>Пятый уровень</a:t>
             </a:r>
-            <a:endParaRPr lang="ru-RU"/>
           </a:p>
         </p:txBody>
       </p:sp>
@@ -2123,38 +2195,37 @@
           <a:p>
             <a:pPr lvl="0"/>
             <a:r>
-              <a:rPr lang="ru-RU" smtClean="0"/>
+              <a:rPr lang="ru-RU"/>
               <a:t>Образец текста</a:t>
             </a:r>
           </a:p>
           <a:p>
             <a:pPr lvl="1"/>
             <a:r>
-              <a:rPr lang="ru-RU" smtClean="0"/>
+              <a:rPr lang="ru-RU"/>
               <a:t>Второй уровень</a:t>
             </a:r>
           </a:p>
           <a:p>
             <a:pPr lvl="2"/>
             <a:r>
-              <a:rPr lang="ru-RU" smtClean="0"/>
+              <a:rPr lang="ru-RU"/>
               <a:t>Третий уровень</a:t>
             </a:r>
           </a:p>
           <a:p>
             <a:pPr lvl="3"/>
             <a:r>
-              <a:rPr lang="ru-RU" smtClean="0"/>
+              <a:rPr lang="ru-RU"/>
               <a:t>Четвертый уровень</a:t>
             </a:r>
           </a:p>
           <a:p>
             <a:pPr lvl="4"/>
             <a:r>
-              <a:rPr lang="ru-RU" smtClean="0"/>
+              <a:rPr lang="ru-RU"/>
               <a:t>Пятый уровень</a:t>
             </a:r>
-            <a:endParaRPr lang="ru-RU"/>
           </a:p>
         </p:txBody>
       </p:sp>
@@ -2175,7 +2246,7 @@
           <a:p>
             <a:fld id="{A194D002-0EC3-4530-B910-76D5CAB57DE5}" type="datetimeFigureOut">
               <a:rPr lang="ru-RU" smtClean="0"/>
-              <a:t>15.11.2021</a:t>
+              <a:t>17.04.2023</a:t>
             </a:fld>
             <a:endParaRPr lang="ru-RU"/>
           </a:p>
@@ -2273,10 +2344,9 @@
           </a:lstStyle>
           <a:p>
             <a:r>
-              <a:rPr lang="ru-RU" smtClean="0"/>
+              <a:rPr lang="ru-RU"/>
               <a:t>Образец заголовка</a:t>
             </a:r>
-            <a:endParaRPr lang="ru-RU"/>
           </a:p>
         </p:txBody>
       </p:sp>
@@ -2339,7 +2409,7 @@
           <a:p>
             <a:pPr lvl="0"/>
             <a:r>
-              <a:rPr lang="ru-RU" smtClean="0"/>
+              <a:rPr lang="ru-RU"/>
               <a:t>Образец текста</a:t>
             </a:r>
           </a:p>
@@ -2395,38 +2465,37 @@
           <a:p>
             <a:pPr lvl="0"/>
             <a:r>
-              <a:rPr lang="ru-RU" smtClean="0"/>
+              <a:rPr lang="ru-RU"/>
               <a:t>Образец текста</a:t>
             </a:r>
           </a:p>
           <a:p>
             <a:pPr lvl="1"/>
             <a:r>
-              <a:rPr lang="ru-RU" smtClean="0"/>
+              <a:rPr lang="ru-RU"/>
               <a:t>Второй уровень</a:t>
             </a:r>
           </a:p>
           <a:p>
             <a:pPr lvl="2"/>
             <a:r>
-              <a:rPr lang="ru-RU" smtClean="0"/>
+              <a:rPr lang="ru-RU"/>
               <a:t>Третий уровень</a:t>
             </a:r>
           </a:p>
           <a:p>
             <a:pPr lvl="3"/>
             <a:r>
-              <a:rPr lang="ru-RU" smtClean="0"/>
+              <a:rPr lang="ru-RU"/>
               <a:t>Четвертый уровень</a:t>
             </a:r>
           </a:p>
           <a:p>
             <a:pPr lvl="4"/>
             <a:r>
-              <a:rPr lang="ru-RU" smtClean="0"/>
+              <a:rPr lang="ru-RU"/>
               <a:t>Пятый уровень</a:t>
             </a:r>
-            <a:endParaRPr lang="ru-RU"/>
           </a:p>
         </p:txBody>
       </p:sp>
@@ -2489,7 +2558,7 @@
           <a:p>
             <a:pPr lvl="0"/>
             <a:r>
-              <a:rPr lang="ru-RU" smtClean="0"/>
+              <a:rPr lang="ru-RU"/>
               <a:t>Образец текста</a:t>
             </a:r>
           </a:p>
@@ -2545,38 +2614,37 @@
           <a:p>
             <a:pPr lvl="0"/>
             <a:r>
-              <a:rPr lang="ru-RU" smtClean="0"/>
+              <a:rPr lang="ru-RU"/>
               <a:t>Образец текста</a:t>
             </a:r>
           </a:p>
           <a:p>
             <a:pPr lvl="1"/>
             <a:r>
-              <a:rPr lang="ru-RU" smtClean="0"/>
+              <a:rPr lang="ru-RU"/>
               <a:t>Второй уровень</a:t>
             </a:r>
           </a:p>
           <a:p>
             <a:pPr lvl="2"/>
             <a:r>
-              <a:rPr lang="ru-RU" smtClean="0"/>
+              <a:rPr lang="ru-RU"/>
               <a:t>Третий уровень</a:t>
             </a:r>
           </a:p>
           <a:p>
             <a:pPr lvl="3"/>
             <a:r>
-              <a:rPr lang="ru-RU" smtClean="0"/>
+              <a:rPr lang="ru-RU"/>
               <a:t>Четвертый уровень</a:t>
             </a:r>
           </a:p>
           <a:p>
             <a:pPr lvl="4"/>
             <a:r>
-              <a:rPr lang="ru-RU" smtClean="0"/>
+              <a:rPr lang="ru-RU"/>
               <a:t>Пятый уровень</a:t>
             </a:r>
-            <a:endParaRPr lang="ru-RU"/>
           </a:p>
         </p:txBody>
       </p:sp>
@@ -2597,7 +2665,7 @@
           <a:p>
             <a:fld id="{A194D002-0EC3-4530-B910-76D5CAB57DE5}" type="datetimeFigureOut">
               <a:rPr lang="ru-RU" smtClean="0"/>
-              <a:t>15.11.2021</a:t>
+              <a:t>17.04.2023</a:t>
             </a:fld>
             <a:endParaRPr lang="ru-RU"/>
           </a:p>
@@ -2691,10 +2759,9 @@
           <a:lstStyle/>
           <a:p>
             <a:r>
-              <a:rPr lang="ru-RU" smtClean="0"/>
+              <a:rPr lang="ru-RU"/>
               <a:t>Образец заголовка</a:t>
             </a:r>
-            <a:endParaRPr lang="ru-RU"/>
           </a:p>
         </p:txBody>
       </p:sp>
@@ -2715,7 +2782,7 @@
           <a:p>
             <a:fld id="{A194D002-0EC3-4530-B910-76D5CAB57DE5}" type="datetimeFigureOut">
               <a:rPr lang="ru-RU" smtClean="0"/>
-              <a:t>15.11.2021</a:t>
+              <a:t>17.04.2023</a:t>
             </a:fld>
             <a:endParaRPr lang="ru-RU"/>
           </a:p>
@@ -2810,7 +2877,7 @@
           <a:p>
             <a:fld id="{A194D002-0EC3-4530-B910-76D5CAB57DE5}" type="datetimeFigureOut">
               <a:rPr lang="ru-RU" smtClean="0"/>
-              <a:t>15.11.2021</a:t>
+              <a:t>17.04.2023</a:t>
             </a:fld>
             <a:endParaRPr lang="ru-RU"/>
           </a:p>
@@ -2913,10 +2980,9 @@
           </a:lstStyle>
           <a:p>
             <a:r>
-              <a:rPr lang="ru-RU" smtClean="0"/>
+              <a:rPr lang="ru-RU"/>
               <a:t>Образец заголовка</a:t>
             </a:r>
-            <a:endParaRPr lang="ru-RU"/>
           </a:p>
         </p:txBody>
       </p:sp>
@@ -2970,38 +3036,37 @@
           <a:p>
             <a:pPr lvl="0"/>
             <a:r>
-              <a:rPr lang="ru-RU" smtClean="0"/>
+              <a:rPr lang="ru-RU"/>
               <a:t>Образец текста</a:t>
             </a:r>
           </a:p>
           <a:p>
             <a:pPr lvl="1"/>
             <a:r>
-              <a:rPr lang="ru-RU" smtClean="0"/>
+              <a:rPr lang="ru-RU"/>
               <a:t>Второй уровень</a:t>
             </a:r>
           </a:p>
           <a:p>
             <a:pPr lvl="2"/>
             <a:r>
-              <a:rPr lang="ru-RU" smtClean="0"/>
+              <a:rPr lang="ru-RU"/>
               <a:t>Третий уровень</a:t>
             </a:r>
           </a:p>
           <a:p>
             <a:pPr lvl="3"/>
             <a:r>
-              <a:rPr lang="ru-RU" smtClean="0"/>
+              <a:rPr lang="ru-RU"/>
               <a:t>Четвертый уровень</a:t>
             </a:r>
           </a:p>
           <a:p>
             <a:pPr lvl="4"/>
             <a:r>
-              <a:rPr lang="ru-RU" smtClean="0"/>
+              <a:rPr lang="ru-RU"/>
               <a:t>Пятый уровень</a:t>
             </a:r>
-            <a:endParaRPr lang="ru-RU"/>
           </a:p>
         </p:txBody>
       </p:sp>
@@ -3064,7 +3129,7 @@
           <a:p>
             <a:pPr lvl="0"/>
             <a:r>
-              <a:rPr lang="ru-RU" smtClean="0"/>
+              <a:rPr lang="ru-RU"/>
               <a:t>Образец текста</a:t>
             </a:r>
           </a:p>
@@ -3087,7 +3152,7 @@
           <a:p>
             <a:fld id="{A194D002-0EC3-4530-B910-76D5CAB57DE5}" type="datetimeFigureOut">
               <a:rPr lang="ru-RU" smtClean="0"/>
-              <a:t>15.11.2021</a:t>
+              <a:t>17.04.2023</a:t>
             </a:fld>
             <a:endParaRPr lang="ru-RU"/>
           </a:p>
@@ -3190,10 +3255,9 @@
           </a:lstStyle>
           <a:p>
             <a:r>
-              <a:rPr lang="ru-RU" smtClean="0"/>
+              <a:rPr lang="ru-RU"/>
               <a:t>Образец заголовка</a:t>
             </a:r>
-            <a:endParaRPr lang="ru-RU"/>
           </a:p>
         </p:txBody>
       </p:sp>
@@ -3317,7 +3381,7 @@
           <a:p>
             <a:pPr lvl="0"/>
             <a:r>
-              <a:rPr lang="ru-RU" smtClean="0"/>
+              <a:rPr lang="ru-RU"/>
               <a:t>Образец текста</a:t>
             </a:r>
           </a:p>
@@ -3340,7 +3404,7 @@
           <a:p>
             <a:fld id="{A194D002-0EC3-4530-B910-76D5CAB57DE5}" type="datetimeFigureOut">
               <a:rPr lang="ru-RU" smtClean="0"/>
-              <a:t>15.11.2021</a:t>
+              <a:t>17.04.2023</a:t>
             </a:fld>
             <a:endParaRPr lang="ru-RU"/>
           </a:p>
@@ -3449,10 +3513,9 @@
           <a:lstStyle/>
           <a:p>
             <a:r>
-              <a:rPr lang="ru-RU" smtClean="0"/>
+              <a:rPr lang="ru-RU"/>
               <a:t>Образец заголовка</a:t>
             </a:r>
-            <a:endParaRPr lang="ru-RU"/>
           </a:p>
         </p:txBody>
       </p:sp>
@@ -3483,38 +3546,37 @@
           <a:p>
             <a:pPr lvl="0"/>
             <a:r>
-              <a:rPr lang="ru-RU" smtClean="0"/>
+              <a:rPr lang="ru-RU"/>
               <a:t>Образец текста</a:t>
             </a:r>
           </a:p>
           <a:p>
             <a:pPr lvl="1"/>
             <a:r>
-              <a:rPr lang="ru-RU" smtClean="0"/>
+              <a:rPr lang="ru-RU"/>
               <a:t>Второй уровень</a:t>
             </a:r>
           </a:p>
           <a:p>
             <a:pPr lvl="2"/>
             <a:r>
-              <a:rPr lang="ru-RU" smtClean="0"/>
+              <a:rPr lang="ru-RU"/>
               <a:t>Третий уровень</a:t>
             </a:r>
           </a:p>
           <a:p>
             <a:pPr lvl="3"/>
             <a:r>
-              <a:rPr lang="ru-RU" smtClean="0"/>
+              <a:rPr lang="ru-RU"/>
               <a:t>Четвертый уровень</a:t>
             </a:r>
           </a:p>
           <a:p>
             <a:pPr lvl="4"/>
             <a:r>
-              <a:rPr lang="ru-RU" smtClean="0"/>
+              <a:rPr lang="ru-RU"/>
               <a:t>Пятый уровень</a:t>
             </a:r>
-            <a:endParaRPr lang="ru-RU"/>
           </a:p>
         </p:txBody>
       </p:sp>
@@ -3553,7 +3615,7 @@
           <a:p>
             <a:fld id="{A194D002-0EC3-4530-B910-76D5CAB57DE5}" type="datetimeFigureOut">
               <a:rPr lang="ru-RU" smtClean="0"/>
-              <a:t>15.11.2021</a:t>
+              <a:t>17.04.2023</a:t>
             </a:fld>
             <a:endParaRPr lang="ru-RU"/>
           </a:p>
@@ -3944,10 +4006,9 @@
           <a:lstStyle/>
           <a:p>
             <a:r>
-              <a:rPr lang="ru-RU" dirty="0" smtClean="0"/>
+              <a:rPr lang="ru-RU" dirty="0"/>
               <a:t>Аппаратные средства телекоммуникационных систем</a:t>
             </a:r>
-            <a:endParaRPr lang="ru-RU" dirty="0"/>
           </a:p>
         </p:txBody>
       </p:sp>
@@ -3967,15 +4028,15 @@
           <a:lstStyle/>
           <a:p>
             <a:r>
-              <a:rPr lang="ru-RU" b="1" dirty="0" smtClean="0"/>
+              <a:rPr lang="ru-RU" b="1" dirty="0"/>
               <a:t>Лекция </a:t>
             </a:r>
             <a:r>
-              <a:rPr lang="en-US" b="1" dirty="0" smtClean="0"/>
+              <a:rPr lang="en-US" b="1" dirty="0"/>
               <a:t>8</a:t>
             </a:r>
             <a:r>
-              <a:rPr lang="ru-RU" b="1" dirty="0" smtClean="0"/>
+              <a:rPr lang="ru-RU" b="1" dirty="0"/>
               <a:t>. Промышленные интерфейсы</a:t>
             </a:r>
             <a:endParaRPr lang="ru-RU" dirty="0"/>
@@ -3992,13 +4053,6 @@
   <p:clrMapOvr>
     <a:masterClrMapping/>
   </p:clrMapOvr>
-  <p:timing>
-    <p:tnLst>
-      <p:par>
-        <p:cTn id="1" dur="indefinite" restart="never" nodeType="tmRoot"/>
-      </p:par>
-    </p:tnLst>
-  </p:timing>
 </p:sld>
 </file>
 
@@ -4042,27 +4096,27 @@
           <a:lstStyle/>
           <a:p>
             <a:r>
-              <a:rPr lang="ru-RU" sz="3800" b="1" dirty="0" smtClean="0"/>
+              <a:rPr lang="ru-RU" sz="3800" b="1" dirty="0"/>
               <a:t>Интерфейсы </a:t>
             </a:r>
             <a:r>
-              <a:rPr lang="en-US" sz="3800" b="1" dirty="0" smtClean="0"/>
+              <a:rPr lang="en-US" sz="3800" b="1" dirty="0"/>
               <a:t>Com Port</a:t>
             </a:r>
             <a:r>
-              <a:rPr lang="ru-RU" sz="3800" b="1" dirty="0" smtClean="0"/>
+              <a:rPr lang="ru-RU" sz="3800" b="1" dirty="0"/>
               <a:t>:</a:t>
             </a:r>
             <a:r>
-              <a:rPr lang="en-US" sz="3800" b="1" dirty="0" smtClean="0"/>
+              <a:rPr lang="en-US" sz="3800" b="1" dirty="0"/>
               <a:t> USART</a:t>
             </a:r>
             <a:r>
-              <a:rPr lang="ru-RU" sz="3800" b="1" dirty="0" smtClean="0"/>
+              <a:rPr lang="ru-RU" sz="3800" b="1" dirty="0"/>
               <a:t> и </a:t>
             </a:r>
             <a:r>
-              <a:rPr lang="en-US" sz="3800" b="1" dirty="0" smtClean="0"/>
+              <a:rPr lang="en-US" sz="3800" b="1" dirty="0"/>
               <a:t>UART</a:t>
             </a:r>
             <a:endParaRPr lang="ru-RU" sz="3800" dirty="0"/>
@@ -4099,12 +4153,8 @@
               <a:buChar char="•"/>
             </a:pPr>
             <a:r>
-              <a:rPr lang="ru-RU" sz="2200" dirty="0" smtClean="0"/>
-              <a:t>UART </a:t>
-            </a:r>
-            <a:r>
               <a:rPr lang="ru-RU" sz="2200" dirty="0"/>
-              <a:t>(</a:t>
+              <a:t>UART (</a:t>
             </a:r>
             <a:r>
               <a:rPr lang="ru-RU" sz="2200" dirty="0" err="1"/>
@@ -4115,11 +4165,11 @@
               <a:t> </a:t>
             </a:r>
             <a:r>
-              <a:rPr lang="ru-RU" sz="2200" dirty="0" err="1" smtClean="0"/>
+              <a:rPr lang="ru-RU" sz="2200" dirty="0" err="1"/>
               <a:t>Asynchronous</a:t>
             </a:r>
             <a:r>
-              <a:rPr lang="ru-RU" sz="2200" dirty="0" smtClean="0"/>
+              <a:rPr lang="ru-RU" sz="2200" dirty="0"/>
               <a:t> </a:t>
             </a:r>
             <a:r>
@@ -4136,29 +4186,17 @@
             </a:r>
             <a:r>
               <a:rPr lang="ru-RU" sz="2200" dirty="0"/>
-              <a:t>) - универсальный </a:t>
-            </a:r>
-            <a:r>
-              <a:rPr lang="ru-RU" sz="2200" dirty="0" smtClean="0"/>
-              <a:t>асинхронный </a:t>
+              <a:t>) - универсальный асинхронный приёмопередатчик - аналогичный U</a:t>
+            </a:r>
+            <a:r>
+              <a:rPr lang="en-US" sz="2200" dirty="0"/>
+              <a:t>S</a:t>
             </a:r>
             <a:r>
               <a:rPr lang="ru-RU" sz="2200" dirty="0"/>
-              <a:t>приёмопередатчик - аналогичный </a:t>
-            </a:r>
-            <a:r>
-              <a:rPr lang="ru-RU" sz="2200" dirty="0" smtClean="0"/>
-              <a:t>U</a:t>
-            </a:r>
-            <a:r>
-              <a:rPr lang="en-US" sz="2200" dirty="0" smtClean="0"/>
-              <a:t>S</a:t>
-            </a:r>
-            <a:r>
-              <a:rPr lang="ru-RU" sz="2200" dirty="0" smtClean="0"/>
               <a:t>ART </a:t>
             </a:r>
-            <a:endParaRPr lang="en-US" sz="2200" dirty="0" smtClean="0"/>
+            <a:endParaRPr lang="en-US" sz="2200" dirty="0"/>
           </a:p>
           <a:p>
             <a:pPr marL="285750" lvl="2" indent="-285750">
@@ -4176,23 +4214,7 @@
             </a:r>
             <a:r>
               <a:rPr lang="ru-RU" sz="2200" i="1" dirty="0"/>
-              <a:t> дополнительно к возможностям UART, </a:t>
-            </a:r>
-            <a:r>
-              <a:rPr lang="ru-RU" sz="2200" i="1" dirty="0" smtClean="0"/>
-              <a:t>поддерживает </a:t>
-            </a:r>
-            <a:r>
-              <a:rPr lang="ru-RU" sz="2200" i="1" dirty="0"/>
-              <a:t>режим синхронной передачи данных - с </a:t>
-            </a:r>
-            <a:r>
-              <a:rPr lang="ru-RU" sz="2200" i="1" dirty="0" smtClean="0"/>
-              <a:t>использованием </a:t>
-            </a:r>
-            <a:r>
-              <a:rPr lang="ru-RU" sz="2200" i="1" dirty="0"/>
-              <a:t>дополнительной линии тактового сигнала.</a:t>
+              <a:t> дополнительно к возможностям UART, поддерживает режим синхронной передачи данных - с использованием дополнительной линии тактового сигнала.</a:t>
             </a:r>
             <a:endParaRPr lang="en-US" sz="2200" i="1" dirty="0"/>
           </a:p>
@@ -4260,13 +4282,6 @@
   <p:clrMapOvr>
     <a:masterClrMapping/>
   </p:clrMapOvr>
-  <p:timing>
-    <p:tnLst>
-      <p:par>
-        <p:cTn id="1" dur="indefinite" restart="never" nodeType="tmRoot"/>
-      </p:par>
-    </p:tnLst>
-  </p:timing>
 </p:sld>
 </file>
 
@@ -4311,14 +4326,10 @@
           <a:p>
             <a:r>
               <a:rPr lang="en-US" b="1" dirty="0"/>
-              <a:t>USART. Com </a:t>
-            </a:r>
-            <a:r>
-              <a:rPr lang="en-US" b="1" dirty="0" smtClean="0"/>
-              <a:t>Port. </a:t>
-            </a:r>
-            <a:r>
-              <a:rPr lang="ru-RU" b="1" dirty="0" smtClean="0"/>
+              <a:t>USART. Com Port. </a:t>
+            </a:r>
+            <a:r>
+              <a:rPr lang="ru-RU" b="1" dirty="0"/>
               <a:t>Режимы</a:t>
             </a:r>
             <a:endParaRPr lang="ru-RU" dirty="0"/>
@@ -4348,41 +4359,29 @@
           <a:lstStyle/>
           <a:p>
             <a:r>
-              <a:rPr lang="ru-RU" sz="2400" dirty="0" smtClean="0"/>
-              <a:t>Передача данных  последовательна</a:t>
-            </a:r>
-            <a:r>
               <a:rPr lang="ru-RU" sz="2400" dirty="0"/>
-              <a:t>я</a:t>
-            </a:r>
-            <a:r>
-              <a:rPr lang="ru-RU" sz="2400" dirty="0" smtClean="0"/>
-              <a:t> </a:t>
+              <a:t>Передача данных  последовательная </a:t>
             </a:r>
           </a:p>
           <a:p>
             <a:pPr lvl="1"/>
             <a:r>
-              <a:rPr lang="ru-RU" sz="2000" i="1" dirty="0" smtClean="0"/>
+              <a:rPr lang="ru-RU" sz="2000" i="1" dirty="0"/>
               <a:t>Полудуплексный режим передача может быть только в одну сторону (либо прием либо отправка)</a:t>
             </a:r>
           </a:p>
           <a:p>
             <a:pPr lvl="1"/>
             <a:r>
-              <a:rPr lang="ru-RU" sz="2000" b="1" dirty="0" smtClean="0"/>
+              <a:rPr lang="ru-RU" sz="2000" b="1" dirty="0"/>
               <a:t>Полнодуплексный режим (одновременная передача данных в обе стороны).</a:t>
             </a:r>
           </a:p>
           <a:p>
             <a:pPr lvl="1"/>
             <a:r>
-              <a:rPr lang="ru-RU" sz="2000" u="sng" dirty="0" smtClean="0"/>
-              <a:t>TD </a:t>
-            </a:r>
-            <a:r>
               <a:rPr lang="ru-RU" sz="2000" u="sng" dirty="0"/>
-              <a:t>или TX (</a:t>
+              <a:t>TD или TX (</a:t>
             </a:r>
             <a:r>
               <a:rPr lang="ru-RU" sz="2000" u="sng" dirty="0" err="1"/>
@@ -4397,19 +4396,15 @@
               <a:t>data</a:t>
             </a:r>
             <a:r>
-              <a:rPr lang="ru-RU" sz="2000" u="sng" dirty="0" smtClean="0"/>
+              <a:rPr lang="ru-RU" sz="2000" u="sng" dirty="0"/>
               <a:t>) - выход, </a:t>
             </a:r>
           </a:p>
           <a:p>
             <a:pPr lvl="1"/>
             <a:r>
-              <a:rPr lang="ru-RU" sz="2000" u="sng" dirty="0" smtClean="0"/>
-              <a:t> </a:t>
-            </a:r>
-            <a:r>
               <a:rPr lang="ru-RU" sz="2000" u="sng" dirty="0"/>
-              <a:t>RD или RX (</a:t>
+              <a:t> RD или RX (</a:t>
             </a:r>
             <a:r>
               <a:rPr lang="ru-RU" sz="2000" u="sng" dirty="0" err="1"/>
@@ -4424,57 +4419,49 @@
               <a:t>data</a:t>
             </a:r>
             <a:r>
-              <a:rPr lang="ru-RU" sz="2000" u="sng" dirty="0" smtClean="0"/>
+              <a:rPr lang="ru-RU" sz="2000" u="sng" dirty="0"/>
               <a:t>) - вход. </a:t>
             </a:r>
           </a:p>
           <a:p>
             <a:pPr lvl="1"/>
             <a:r>
-              <a:rPr lang="ru-RU" sz="1800" dirty="0" smtClean="0"/>
-              <a:t>Для подключения двух устройств выход одного подключают ко входу другого и </a:t>
-            </a:r>
-            <a:r>
               <a:rPr lang="ru-RU" sz="1800" dirty="0"/>
-              <a:t>вход первого - к выходу </a:t>
-            </a:r>
-            <a:r>
-              <a:rPr lang="ru-RU" sz="1800" dirty="0" smtClean="0"/>
-              <a:t>второго</a:t>
-            </a:r>
-            <a:r>
-              <a:rPr lang="en-US" sz="1800" dirty="0" smtClean="0"/>
+              <a:t>Для подключения двух устройств выход одного подключают ко входу другого и вход первого - к выходу второго</a:t>
+            </a:r>
+            <a:r>
+              <a:rPr lang="en-US" sz="1800" dirty="0"/>
               <a:t> </a:t>
             </a:r>
             <a:r>
-              <a:rPr lang="ru-RU" sz="1800" dirty="0" smtClean="0"/>
+              <a:rPr lang="ru-RU" sz="1800" dirty="0"/>
               <a:t>(крест – на крест, </a:t>
             </a:r>
             <a:r>
-              <a:rPr lang="en-US" sz="1800" dirty="0" err="1" smtClean="0"/>
+              <a:rPr lang="en-US" sz="1800" dirty="0" err="1"/>
               <a:t>Tx</a:t>
             </a:r>
             <a:r>
-              <a:rPr lang="en-US" sz="1800" dirty="0" smtClean="0"/>
+              <a:rPr lang="en-US" sz="1800" dirty="0"/>
               <a:t>-Rx, Rx-</a:t>
             </a:r>
             <a:r>
-              <a:rPr lang="en-US" sz="1800" dirty="0" err="1" smtClean="0"/>
+              <a:rPr lang="en-US" sz="1800" dirty="0" err="1"/>
               <a:t>Tx</a:t>
             </a:r>
             <a:r>
-              <a:rPr lang="en-US" sz="1800" dirty="0" smtClean="0"/>
+              <a:rPr lang="en-US" sz="1800" dirty="0"/>
               <a:t>)</a:t>
             </a:r>
             <a:r>
-              <a:rPr lang="ru-RU" sz="1800" dirty="0" smtClean="0"/>
+              <a:rPr lang="ru-RU" sz="1800" dirty="0"/>
               <a:t>.</a:t>
             </a:r>
           </a:p>
           <a:p>
             <a:pPr lvl="1"/>
             <a:r>
-              <a:rPr lang="ru-RU" sz="2000" i="1" dirty="0" smtClean="0">
+              <a:rPr lang="ru-RU" sz="2000" i="1" dirty="0">
                 <a:effectLst>
                   <a:outerShdw blurRad="38100" dist="38100" dir="2700000" algn="tl">
                     <a:srgbClr val="000000">
@@ -4486,7 +4473,7 @@
               <a:t>Возможно подключение нескольких устройств к одной шине с программным арбитражем  (например протокол </a:t>
             </a:r>
             <a:r>
-              <a:rPr lang="en-US" sz="2000" i="1" dirty="0" smtClean="0">
+              <a:rPr lang="en-US" sz="2000" i="1" dirty="0">
                 <a:effectLst>
                   <a:outerShdw blurRad="38100" dist="38100" dir="2700000" algn="tl">
                     <a:srgbClr val="000000">
@@ -4498,7 +4485,7 @@
               <a:t>Modbus</a:t>
             </a:r>
             <a:r>
-              <a:rPr lang="ru-RU" sz="2000" i="1" dirty="0" smtClean="0">
+              <a:rPr lang="ru-RU" sz="2000" i="1" dirty="0">
                 <a:effectLst>
                   <a:outerShdw blurRad="38100" dist="38100" dir="2700000" algn="tl">
                     <a:srgbClr val="000000">
@@ -4510,7 +4497,7 @@
               <a:t>)</a:t>
             </a:r>
             <a:r>
-              <a:rPr lang="en-US" sz="2000" i="1" dirty="0" smtClean="0">
+              <a:rPr lang="en-US" sz="2000" i="1" dirty="0">
                 <a:effectLst>
                   <a:outerShdw blurRad="38100" dist="38100" dir="2700000" algn="tl">
                     <a:srgbClr val="000000">
@@ -4918,13 +4905,6 @@
   <p:clrMapOvr>
     <a:masterClrMapping/>
   </p:clrMapOvr>
-  <p:timing>
-    <p:tnLst>
-      <p:par>
-        <p:cTn id="1" dur="indefinite" restart="never" nodeType="tmRoot"/>
-      </p:par>
-    </p:tnLst>
-  </p:timing>
 </p:sld>
 </file>
 
@@ -4973,13 +4953,8 @@
             </a:r>
             <a:r>
               <a:rPr lang="ru-RU" b="1" dirty="0"/>
-              <a:t>Формат передачи </a:t>
-            </a:r>
-            <a:r>
-              <a:rPr lang="ru-RU" b="1" dirty="0" smtClean="0"/>
-              <a:t>данных</a:t>
-            </a:r>
-            <a:endParaRPr lang="ru-RU" b="1" dirty="0"/>
+              <a:t>Формат передачи данных</a:t>
+            </a:r>
           </a:p>
         </p:txBody>
       </p:sp>
@@ -5014,18 +4989,10 @@
                   <a:buNone/>
                 </a:pPr>
                 <a:r>
-                  <a:rPr lang="ru-RU" sz="2200" dirty="0" smtClean="0"/>
-                  <a:t>Данные </a:t>
+                  <a:rPr lang="ru-RU" sz="2200" dirty="0"/>
+                  <a:t>Данные передаются в виде посылок (фреймов), включающих:</a:t>
                 </a:r>
-                <a:r>
-                  <a:rPr lang="ru-RU" sz="2200" dirty="0"/>
-                  <a:t>передаются в виде посылок (фреймов</a:t>
-                </a:r>
-                <a:r>
-                  <a:rPr lang="ru-RU" sz="2200" dirty="0" smtClean="0"/>
-                  <a:t>), включающих:</a:t>
-                </a:r>
-                <a:endParaRPr lang="en-US" sz="2200" dirty="0" smtClean="0"/>
+                <a:endParaRPr lang="en-US" sz="2200" dirty="0"/>
               </a:p>
               <a:p>
                 <a:pPr marL="542925" lvl="1" indent="-180975">
@@ -5039,24 +5006,12 @@
                   <a:rPr lang="ru-RU" sz="2200" b="1" dirty="0"/>
                   <a:t>В отсутствии передачи на выходе UART присутствует </a:t>
                 </a:r>
-                <a:r>
-                  <a:rPr lang="ru-RU" sz="2200" b="1" dirty="0" smtClean="0"/>
-                  <a:t/>
-                </a:r>
                 <a:br>
-                  <a:rPr lang="ru-RU" sz="2200" b="1" dirty="0" smtClean="0"/>
+                  <a:rPr lang="ru-RU" sz="2200" b="1" dirty="0"/>
                 </a:br>
                 <a:r>
-                  <a:rPr lang="ru-RU" sz="2200" b="1" dirty="0" smtClean="0"/>
-                  <a:t>уровень </a:t>
-                </a:r>
-                <a:r>
                   <a:rPr lang="ru-RU" sz="2200" b="1" dirty="0"/>
-                  <a:t>лог. 1</a:t>
-                </a:r>
-                <a:r>
-                  <a:rPr lang="ru-RU" sz="2200" b="1" dirty="0" smtClean="0"/>
-                  <a:t>.</a:t>
+                  <a:t>уровень лог. 1.</a:t>
                 </a:r>
               </a:p>
               <a:p>
@@ -5099,50 +5054,26 @@
                   </a:lnSpc>
                 </a:pPr>
                 <a:r>
-                  <a:rPr lang="ru-RU" sz="2200" dirty="0" smtClean="0"/>
-                  <a:t>После старт-бит, </a:t>
+                  <a:rPr lang="ru-RU" sz="2200" dirty="0"/>
+                  <a:t>После старт-бит, приёмник ждёт </a:t>
                 </a:r>
                 <a:r>
-                  <a:rPr lang="ru-RU" sz="2200" dirty="0"/>
-                  <a:t>приёмник </a:t>
-                </a:r>
-                <a:r>
-                  <a:rPr lang="ru-RU" sz="2200" dirty="0" smtClean="0"/>
-                  <a:t>ждёт </a:t>
-                </a:r>
-                <a:r>
-                  <a:rPr lang="en-US" sz="2200" dirty="0" smtClean="0"/>
+                  <a:rPr lang="en-US" sz="2200" dirty="0"/>
                   <a:t>T/2 </a:t>
                 </a:r>
                 <a:r>
                   <a:rPr lang="ru-RU" sz="2200" dirty="0"/>
-                  <a:t> </a:t>
+                  <a:t> и начинает считывать с частотой </a:t>
                 </a:r>
                 <a:r>
-                  <a:rPr lang="ru-RU" sz="2200" dirty="0" smtClean="0"/>
-                  <a:t>и начинает </a:t>
+                  <a:rPr lang="en-US" sz="2200" dirty="0"/>
+                  <a:t>bitrate</a:t>
                 </a:r>
                 <a:r>
                   <a:rPr lang="ru-RU" sz="2200" dirty="0"/>
-                  <a:t>считывать </a:t>
-                </a:r>
-                <a:r>
-                  <a:rPr lang="ru-RU" sz="2200" dirty="0" smtClean="0"/>
-                  <a:t>с частотой</a:t>
-                </a:r>
-                <a:r>
-                  <a:rPr lang="ru-RU" sz="2200" dirty="0"/>
-                  <a:t> </a:t>
-                </a:r>
-                <a:r>
-                  <a:rPr lang="en-US" sz="2200" dirty="0" smtClean="0"/>
-                  <a:t>bitrate</a:t>
-                </a:r>
-                <a:r>
-                  <a:rPr lang="ru-RU" sz="2200" dirty="0" smtClean="0"/>
                   <a:t>.</a:t>
                 </a:r>
-                <a:endParaRPr lang="en-US" sz="2200" dirty="0" smtClean="0"/>
+                <a:endParaRPr lang="en-US" sz="2200" dirty="0"/>
               </a:p>
               <a:p>
                 <a:pPr marL="1000125" lvl="4" indent="-180975">
@@ -5153,19 +5084,19 @@
                   <a:buChar char="•"/>
                 </a:pPr>
                 <a:r>
-                  <a:rPr lang="ru-RU" sz="2200" i="1" dirty="0" smtClean="0"/>
+                  <a:rPr lang="ru-RU" sz="2200" i="1" dirty="0"/>
                   <a:t>В реальности </a:t>
                 </a:r>
                 <a:r>
-                  <a:rPr lang="en-US" sz="2200" i="1" dirty="0" smtClean="0"/>
+                  <a:rPr lang="en-US" sz="2200" i="1" dirty="0"/>
                   <a:t>bitrate </a:t>
                 </a:r>
                 <a:r>
-                  <a:rPr lang="ru-RU" sz="2200" i="1" dirty="0" smtClean="0"/>
+                  <a:rPr lang="ru-RU" sz="2200" i="1" dirty="0"/>
                   <a:t>органичен максимальным  рассогласованием начала приема  (не более</a:t>
                 </a:r>
                 <a:r>
-                  <a:rPr lang="en-US" sz="2200" i="1" dirty="0" smtClean="0"/>
+                  <a:rPr lang="en-US" sz="2200" i="1" dirty="0"/>
                   <a:t> T/2</a:t>
                 </a:r>
                 <a14:m>
@@ -5272,13 +5203,6 @@
   <p:clrMapOvr>
     <a:masterClrMapping/>
   </p:clrMapOvr>
-  <p:timing>
-    <p:tnLst>
-      <p:par>
-        <p:cTn id="1" dur="indefinite" restart="never" nodeType="tmRoot"/>
-      </p:par>
-    </p:tnLst>
-  </p:timing>
 </p:sld>
 </file>
 
@@ -5327,13 +5251,8 @@
             </a:r>
             <a:r>
               <a:rPr lang="ru-RU" b="1" dirty="0"/>
-              <a:t>Формат передачи </a:t>
-            </a:r>
-            <a:r>
-              <a:rPr lang="ru-RU" b="1" dirty="0" smtClean="0"/>
-              <a:t>данных</a:t>
-            </a:r>
-            <a:endParaRPr lang="ru-RU" b="1" dirty="0"/>
+              <a:t>Формат передачи данных</a:t>
+            </a:r>
           </a:p>
         </p:txBody>
       </p:sp>
@@ -5367,7 +5286,7 @@
               <a:buChar char="•"/>
             </a:pPr>
             <a:r>
-              <a:rPr lang="ru-RU" sz="2600" i="1" dirty="0" smtClean="0"/>
+              <a:rPr lang="ru-RU" sz="2600" i="1" dirty="0"/>
               <a:t>передача данных:</a:t>
             </a:r>
           </a:p>
@@ -5380,12 +5299,8 @@
               <a:buChar char="•"/>
             </a:pPr>
             <a:r>
-              <a:rPr lang="ru-RU" sz="2600" i="1" dirty="0" smtClean="0"/>
-              <a:t>5-9 </a:t>
-            </a:r>
-            <a:r>
               <a:rPr lang="ru-RU" sz="2600" i="1" dirty="0"/>
-              <a:t>бит данных, обычно 8  или 9, где 9-й – бит четности (делает четность/нечетность общего двоичного числа)</a:t>
+              <a:t>5-9 бит данных, обычно 8  или 9, где 9-й – бит четности (делает четность/нечетность общего двоичного числа)</a:t>
             </a:r>
           </a:p>
           <a:p>
@@ -5435,18 +5350,6 @@
               <a:buFont typeface="Arial" panose="020B0604020202020204" pitchFamily="34" charset="0"/>
               <a:buChar char="•"/>
             </a:pPr>
-            <a:r>
-              <a:rPr lang="ru-RU" sz="2600" dirty="0" smtClean="0">
-                <a:effectLst>
-                  <a:outerShdw blurRad="38100" dist="38100" dir="2700000" algn="tl">
-                    <a:srgbClr val="000000">
-                      <a:alpha val="43137"/>
-                    </a:srgbClr>
-                  </a:outerShdw>
-                </a:effectLst>
-              </a:rPr>
-              <a:t>Длительность </a:t>
-            </a:r>
             <a:r>
               <a:rPr lang="ru-RU" sz="2600" dirty="0">
                 <a:effectLst>
@@ -5457,7 +5360,7 @@
                   </a:outerShdw>
                 </a:effectLst>
               </a:rPr>
-              <a:t>бит </a:t>
+              <a:t>Длительность бит </a:t>
             </a:r>
             <a:r>
               <a:rPr lang="en-US" sz="2600" dirty="0">
@@ -5483,15 +5386,6 @@
               </a:rPr>
               <a:t> – 110, 300, 600, 1200, 2400, 4800, 9600, 19200, 38400, 57600, 115200, 230400, 460800, 921600 бод. </a:t>
             </a:r>
-            <a:endParaRPr lang="ru-RU" sz="2600" dirty="0" smtClean="0">
-              <a:effectLst>
-                <a:outerShdw blurRad="38100" dist="38100" dir="2700000" algn="tl">
-                  <a:srgbClr val="000000">
-                    <a:alpha val="43137"/>
-                  </a:srgbClr>
-                </a:outerShdw>
-              </a:effectLst>
-            </a:endParaRPr>
           </a:p>
           <a:p>
             <a:pPr marL="542925" lvl="1" indent="-180975">
@@ -5577,13 +5471,6 @@
   <p:clrMapOvr>
     <a:masterClrMapping/>
   </p:clrMapOvr>
-  <p:timing>
-    <p:tnLst>
-      <p:par>
-        <p:cTn id="1" dur="indefinite" restart="never" nodeType="tmRoot"/>
-      </p:par>
-    </p:tnLst>
-  </p:timing>
 </p:sld>
 </file>
 
@@ -5660,65 +5547,41 @@
           <a:lstStyle/>
           <a:p>
             <a:r>
-              <a:rPr lang="ru-RU" sz="2200" b="1" dirty="0" smtClean="0"/>
-              <a:t>Интерфейс </a:t>
-            </a:r>
-            <a:r>
               <a:rPr lang="ru-RU" sz="2200" b="1" dirty="0"/>
-              <a:t>UART предусматривает возможность использования дополнительных сигналов (CTS, RTS) для аппаратного управления потоком данных</a:t>
-            </a:r>
-            <a:r>
-              <a:rPr lang="ru-RU" sz="2200" b="1" dirty="0" smtClean="0"/>
-              <a:t>.</a:t>
-            </a:r>
-            <a:endParaRPr lang="en-US" sz="2200" b="1" dirty="0" smtClean="0"/>
-          </a:p>
-          <a:p>
-            <a:r>
-              <a:rPr lang="ru-RU" sz="2200" i="1" dirty="0" smtClean="0"/>
-              <a:t>Аппаратное </a:t>
-            </a:r>
+              <a:t>Интерфейс UART предусматривает возможность использования дополнительных сигналов (CTS, RTS) для аппаратного управления потоком данных.</a:t>
+            </a:r>
+            <a:endParaRPr lang="en-US" sz="2200" b="1" dirty="0"/>
+          </a:p>
+          <a:p>
             <a:r>
               <a:rPr lang="ru-RU" sz="2200" i="1" dirty="0"/>
-              <a:t>управление может использоваться некоторыми медленными устройствами или устройствами с простой схемной реализацией. </a:t>
-            </a:r>
-            <a:endParaRPr lang="en-US" sz="2200" i="1" dirty="0" smtClean="0"/>
-          </a:p>
-          <a:p>
-            <a:r>
-              <a:rPr lang="ru-RU" sz="2200" dirty="0" smtClean="0"/>
+              <a:t>Аппаратное управление может использоваться некоторыми медленными устройствами или устройствами с простой схемной реализацией. </a:t>
+            </a:r>
+            <a:endParaRPr lang="en-US" sz="2200" i="1" dirty="0"/>
+          </a:p>
+          <a:p>
+            <a:r>
+              <a:rPr lang="ru-RU" sz="2200" dirty="0"/>
               <a:t>Линия контроля состояний CTS передатчика (уст. В </a:t>
             </a:r>
             <a:r>
-              <a:rPr lang="en-US" sz="2200" dirty="0" err="1" smtClean="0"/>
+              <a:rPr lang="en-US" sz="2200" dirty="0" err="1"/>
               <a:t>Tx</a:t>
             </a:r>
             <a:r>
-              <a:rPr lang="en-US" sz="2200" dirty="0" smtClean="0"/>
+              <a:rPr lang="en-US" sz="2200" dirty="0"/>
               <a:t>)</a:t>
             </a:r>
             <a:r>
-              <a:rPr lang="ru-RU" sz="2200" dirty="0" smtClean="0"/>
+              <a:rPr lang="ru-RU" sz="2200" dirty="0"/>
               <a:t>, </a:t>
             </a:r>
           </a:p>
           <a:p>
             <a:pPr lvl="1"/>
             <a:r>
-              <a:rPr lang="ru-RU" sz="2200" dirty="0" smtClean="0"/>
-              <a:t>Лог. «</a:t>
-            </a:r>
-            <a:r>
               <a:rPr lang="ru-RU" sz="2200" dirty="0"/>
-              <a:t>0</a:t>
-            </a:r>
-            <a:r>
-              <a:rPr lang="ru-RU" sz="2200" dirty="0" smtClean="0"/>
-              <a:t>» на CTS - передача происходит, Лог «1» - </a:t>
-            </a:r>
-            <a:r>
-              <a:rPr lang="ru-RU" sz="2200" dirty="0"/>
-              <a:t>нет. </a:t>
+              <a:t>Лог. «0» на CTS - передача происходит, Лог «1» - нет. </a:t>
             </a:r>
           </a:p>
           <a:p>
@@ -5727,34 +5590,22 @@
               <a:t>Линия контроля состояний </a:t>
             </a:r>
             <a:r>
-              <a:rPr lang="en-US" sz="2200" dirty="0" smtClean="0"/>
-              <a:t>R</a:t>
-            </a:r>
-            <a:r>
-              <a:rPr lang="ru-RU" sz="2200" dirty="0" smtClean="0"/>
-              <a:t>TS приемника (уст</a:t>
-            </a:r>
-            <a:r>
-              <a:rPr lang="ru-RU" sz="2200" dirty="0"/>
-              <a:t>. В </a:t>
-            </a:r>
-            <a:r>
               <a:rPr lang="en-US" sz="2200" dirty="0"/>
               <a:t>R</a:t>
             </a:r>
             <a:r>
-              <a:rPr lang="en-US" sz="2200" dirty="0" smtClean="0"/>
-              <a:t>x</a:t>
+              <a:rPr lang="ru-RU" sz="2200" dirty="0"/>
+              <a:t>TS приемника (уст. В </a:t>
             </a:r>
             <a:r>
               <a:rPr lang="en-US" sz="2200" dirty="0"/>
-              <a:t>)</a:t>
+              <a:t>Rx)</a:t>
             </a:r>
             <a:r>
               <a:rPr lang="ru-RU" sz="2200" dirty="0"/>
               <a:t>, </a:t>
             </a:r>
-            <a:endParaRPr lang="en-US" sz="2200" dirty="0" smtClean="0"/>
+            <a:endParaRPr lang="en-US" sz="2200" dirty="0"/>
           </a:p>
           <a:p>
             <a:pPr lvl="1"/>
@@ -5763,34 +5614,29 @@
               <a:t>Лог. «0» на </a:t>
             </a:r>
             <a:r>
-              <a:rPr lang="en-US" sz="2200" dirty="0" smtClean="0"/>
+              <a:rPr lang="en-US" sz="2200" dirty="0"/>
               <a:t>R</a:t>
             </a:r>
             <a:r>
-              <a:rPr lang="ru-RU" sz="2200" dirty="0" smtClean="0"/>
+              <a:rPr lang="ru-RU" sz="2200" dirty="0"/>
               <a:t>TS – передатчик </a:t>
             </a:r>
             <a:r>
-              <a:rPr lang="en-US" sz="2200" dirty="0" smtClean="0"/>
+              <a:rPr lang="en-US" sz="2200" dirty="0"/>
               <a:t> </a:t>
             </a:r>
             <a:r>
-              <a:rPr lang="ru-RU" sz="2200" dirty="0" smtClean="0"/>
-              <a:t>готов к приему, </a:t>
-            </a:r>
-            <a:r>
               <a:rPr lang="ru-RU" sz="2200" dirty="0"/>
-              <a:t>Лог «1» - </a:t>
-            </a:r>
-            <a:r>
-              <a:rPr lang="en-US" sz="2200" dirty="0" smtClean="0"/>
+              <a:t>готов к приему, Лог «1» - </a:t>
+            </a:r>
+            <a:r>
+              <a:rPr lang="en-US" sz="2200" dirty="0"/>
               <a:t>Rx </a:t>
             </a:r>
             <a:r>
-              <a:rPr lang="ru-RU" sz="2200" dirty="0" smtClean="0"/>
+              <a:rPr lang="ru-RU" sz="2200" dirty="0"/>
               <a:t>Занят. </a:t>
             </a:r>
-            <a:endParaRPr lang="ru-RU" sz="2200" dirty="0"/>
           </a:p>
         </p:txBody>
       </p:sp>
@@ -5846,13 +5692,6 @@
   <p:clrMapOvr>
     <a:masterClrMapping/>
   </p:clrMapOvr>
-  <p:timing>
-    <p:tnLst>
-      <p:par>
-        <p:cTn id="1" dur="indefinite" restart="never" nodeType="tmRoot"/>
-      </p:par>
-    </p:tnLst>
-  </p:timing>
 </p:sld>
 </file>
 
@@ -5934,14 +5773,9 @@
               </a:spcBef>
             </a:pPr>
             <a:r>
-              <a:rPr lang="ru-RU" sz="2200" b="1" dirty="0" smtClean="0"/>
-              <a:t>Программный </a:t>
-            </a:r>
-            <a:r>
               <a:rPr lang="ru-RU" sz="2200" b="1" dirty="0"/>
-              <a:t>метод </a:t>
-            </a:r>
-            <a:endParaRPr lang="ru-RU" sz="2200" b="1" dirty="0" smtClean="0"/>
+              <a:t>Программный метод </a:t>
+            </a:r>
           </a:p>
           <a:p>
             <a:pPr lvl="1">
@@ -5950,12 +5784,8 @@
               </a:spcBef>
             </a:pPr>
             <a:r>
-              <a:rPr lang="ru-RU" sz="2200" dirty="0" smtClean="0"/>
-              <a:t>Использует </a:t>
-            </a:r>
-            <a:r>
               <a:rPr lang="ru-RU" sz="2200" dirty="0"/>
-              <a:t>символы </a:t>
+              <a:t>Использует символы </a:t>
             </a:r>
             <a:r>
               <a:rPr lang="ru-RU" sz="2200" dirty="0" err="1"/>
@@ -5987,11 +5817,7 @@
             </a:r>
             <a:r>
               <a:rPr lang="ru-RU" sz="2200" dirty="0"/>
-              <a:t> = 19) передаваемые </a:t>
-            </a:r>
-            <a:r>
-              <a:rPr lang="ru-RU" sz="2200" dirty="0" smtClean="0"/>
-              <a:t>TXD/RXD. </a:t>
+              <a:t> = 19) передаваемые TXD/RXD. </a:t>
             </a:r>
           </a:p>
           <a:p>
@@ -6001,12 +5827,8 @@
               </a:spcBef>
             </a:pPr>
             <a:r>
-              <a:rPr lang="ru-RU" sz="2200" dirty="0" smtClean="0"/>
-              <a:t>При </a:t>
-            </a:r>
-            <a:r>
               <a:rPr lang="ru-RU" sz="2200" dirty="0"/>
-              <a:t>невозможности принимать данные приемник передает символ </a:t>
+              <a:t>При невозможности принимать данные приемник передает символ </a:t>
             </a:r>
             <a:r>
               <a:rPr lang="ru-RU" sz="2200" dirty="0" err="1"/>
@@ -6016,7 +5838,6 @@
               <a:rPr lang="ru-RU" sz="2200" dirty="0"/>
               <a:t>. </a:t>
             </a:r>
-            <a:endParaRPr lang="ru-RU" sz="2200" dirty="0" smtClean="0"/>
           </a:p>
           <a:p>
             <a:pPr lvl="1">
@@ -6025,12 +5846,8 @@
               </a:spcBef>
             </a:pPr>
             <a:r>
-              <a:rPr lang="ru-RU" sz="2200" dirty="0" smtClean="0"/>
-              <a:t>Для </a:t>
-            </a:r>
-            <a:r>
               <a:rPr lang="ru-RU" sz="2200" dirty="0"/>
-              <a:t>возобновления передачи данных посылается символ </a:t>
+              <a:t>Для возобновления передачи данных посылается символ </a:t>
             </a:r>
             <a:r>
               <a:rPr lang="ru-RU" sz="2200" dirty="0" err="1"/>
@@ -6095,13 +5912,6 @@
   <p:clrMapOvr>
     <a:masterClrMapping/>
   </p:clrMapOvr>
-  <p:timing>
-    <p:tnLst>
-      <p:par>
-        <p:cTn id="1" dur="indefinite" restart="never" nodeType="tmRoot"/>
-      </p:par>
-    </p:tnLst>
-  </p:timing>
 </p:sld>
 </file>
 
@@ -6145,15 +5955,15 @@
           <a:lstStyle/>
           <a:p>
             <a:r>
-              <a:rPr lang="en-US" sz="3600" b="1" dirty="0" smtClean="0"/>
+              <a:rPr lang="en-US" sz="3600" b="1" dirty="0"/>
               <a:t>USART. </a:t>
             </a:r>
             <a:r>
-              <a:rPr lang="en-US" sz="3600" b="1" dirty="0" err="1" smtClean="0"/>
+              <a:rPr lang="en-US" sz="3600" b="1" dirty="0" err="1"/>
               <a:t>ComPort</a:t>
             </a:r>
             <a:r>
-              <a:rPr lang="en-US" sz="3600" b="1" dirty="0" smtClean="0"/>
+              <a:rPr lang="en-US" sz="3600" b="1" dirty="0"/>
               <a:t>. Rs-232</a:t>
             </a:r>
             <a:endParaRPr lang="ru-RU" sz="3600" b="1" dirty="0"/>
@@ -6189,10 +5999,10 @@
               <a:buNone/>
             </a:pPr>
             <a:r>
-              <a:rPr lang="ru-RU" sz="2400" dirty="0" smtClean="0"/>
+              <a:rPr lang="ru-RU" sz="2400" dirty="0"/>
               <a:t>COM-порт - интерфейс компьютера, соответствующий стандарту RS-232. </a:t>
             </a:r>
-            <a:endParaRPr lang="en-US" sz="2400" dirty="0" smtClean="0"/>
+            <a:endParaRPr lang="en-US" sz="2400" dirty="0"/>
           </a:p>
           <a:p>
             <a:pPr>
@@ -6201,7 +6011,7 @@
               </a:spcBef>
             </a:pPr>
             <a:r>
-              <a:rPr lang="ru-RU" sz="2400" dirty="0" smtClean="0"/>
+              <a:rPr lang="ru-RU" sz="2400" dirty="0"/>
               <a:t>RS-232 является стандартом физического уровня для интерфейса UART. </a:t>
             </a:r>
           </a:p>
@@ -6212,16 +6022,8 @@
               </a:spcBef>
             </a:pPr>
             <a:r>
-              <a:rPr lang="ru-RU" sz="2000" dirty="0" smtClean="0"/>
-              <a:t>Для </a:t>
-            </a:r>
-            <a:r>
               <a:rPr lang="ru-RU" sz="2000" dirty="0"/>
-              <a:t>драйвера (выход</a:t>
-            </a:r>
-            <a:r>
-              <a:rPr lang="ru-RU" sz="2000" dirty="0" smtClean="0"/>
-              <a:t>):</a:t>
+              <a:t>Для драйвера (выход):</a:t>
             </a:r>
           </a:p>
           <a:p>
@@ -6231,7 +6033,7 @@
               </a:spcBef>
             </a:pPr>
             <a:r>
-              <a:rPr lang="ru-RU" sz="2000" dirty="0" smtClean="0"/>
+              <a:rPr lang="ru-RU" sz="2000" dirty="0"/>
               <a:t>+5..+15 В - лог. 0 (SPACE);</a:t>
             </a:r>
           </a:p>
@@ -6242,10 +6044,9 @@
               </a:spcBef>
             </a:pPr>
             <a:r>
-              <a:rPr lang="ru-RU" sz="2000" dirty="0" smtClean="0"/>
+              <a:rPr lang="ru-RU" sz="2000" dirty="0"/>
               <a:t>-5..-15 В - лог. 1 (MARK).</a:t>
             </a:r>
-            <a:endParaRPr lang="ru-RU" sz="2000" dirty="0"/>
           </a:p>
           <a:p>
             <a:pPr lvl="1">
@@ -6255,19 +6056,7 @@
             </a:pPr>
             <a:r>
               <a:rPr lang="ru-RU" sz="2000" dirty="0"/>
-              <a:t>Вход должен иметь сопротивление </a:t>
-            </a:r>
-            <a:r>
-              <a:rPr lang="ru-RU" sz="2000" dirty="0" smtClean="0"/>
-              <a:t>3</a:t>
-            </a:r>
-            <a:r>
-              <a:rPr lang="ru-RU" sz="2000" dirty="0"/>
-              <a:t>..7 кОм и должен быть рассчитан на сигналы</a:t>
-            </a:r>
-            <a:r>
-              <a:rPr lang="ru-RU" sz="2000" dirty="0" smtClean="0"/>
-              <a:t>:</a:t>
+              <a:t>Вход должен иметь сопротивление 3..7 кОм и должен быть рассчитан на сигналы:</a:t>
             </a:r>
           </a:p>
           <a:p>
@@ -6277,16 +6066,8 @@
               </a:spcBef>
             </a:pPr>
             <a:r>
-              <a:rPr lang="ru-RU" sz="2000" dirty="0" smtClean="0"/>
-              <a:t>+</a:t>
-            </a:r>
-            <a:r>
               <a:rPr lang="ru-RU" sz="2000" dirty="0"/>
-              <a:t>3..+25 В - лог. 0</a:t>
-            </a:r>
-            <a:r>
-              <a:rPr lang="ru-RU" sz="2000" dirty="0" smtClean="0"/>
-              <a:t>;</a:t>
+              <a:t>+3..+25 В - лог. 0;</a:t>
             </a:r>
           </a:p>
           <a:p>
@@ -6296,12 +6077,8 @@
               </a:spcBef>
             </a:pPr>
             <a:r>
-              <a:rPr lang="ru-RU" sz="2000" dirty="0" smtClean="0"/>
-              <a:t>-</a:t>
-            </a:r>
-            <a:r>
               <a:rPr lang="ru-RU" sz="2000" dirty="0"/>
-              <a:t>3..-25 В - лог. 1.</a:t>
+              <a:t>-3..-25 В - лог. 1.</a:t>
             </a:r>
           </a:p>
           <a:p>
@@ -6311,16 +6088,8 @@
               </a:spcBef>
             </a:pPr>
             <a:r>
-              <a:rPr lang="ru-RU" sz="2000" i="1" dirty="0" smtClean="0"/>
-              <a:t>Для </a:t>
-            </a:r>
-            <a:r>
               <a:rPr lang="ru-RU" sz="2000" i="1" dirty="0"/>
-              <a:t>согласования уровней сигналов RS-232 и других устройств, используются специализированные микросхемы для преобразования уровней</a:t>
-            </a:r>
-            <a:r>
-              <a:rPr lang="ru-RU" sz="2000" i="1" dirty="0" smtClean="0"/>
-              <a:t>.</a:t>
+              <a:t>Для согласования уровней сигналов RS-232 и других устройств, используются специализированные микросхемы для преобразования уровней.</a:t>
             </a:r>
           </a:p>
         </p:txBody>
@@ -6558,28 +6327,27 @@
           <a:lstStyle/>
           <a:p>
             <a:r>
-              <a:rPr lang="ru-RU" dirty="0" smtClean="0"/>
+              <a:rPr lang="ru-RU" dirty="0"/>
               <a:t>Форм факторы</a:t>
             </a:r>
           </a:p>
           <a:p>
             <a:r>
-              <a:rPr lang="en-US" dirty="0" smtClean="0"/>
+              <a:rPr lang="en-US" dirty="0"/>
               <a:t>DB25 </a:t>
             </a:r>
             <a:r>
-              <a:rPr lang="ru-RU" dirty="0" smtClean="0"/>
+              <a:rPr lang="ru-RU" dirty="0"/>
               <a:t>и </a:t>
             </a:r>
             <a:r>
-              <a:rPr lang="en-US" dirty="0" smtClean="0"/>
+              <a:rPr lang="en-US" dirty="0"/>
               <a:t>DB</a:t>
             </a:r>
             <a:r>
-              <a:rPr lang="ru-RU" dirty="0" smtClean="0"/>
+              <a:rPr lang="ru-RU" dirty="0"/>
               <a:t>9</a:t>
             </a:r>
-            <a:endParaRPr lang="ru-RU" dirty="0"/>
           </a:p>
         </p:txBody>
       </p:sp>
@@ -6593,13 +6361,6 @@
   <p:clrMapOvr>
     <a:masterClrMapping/>
   </p:clrMapOvr>
-  <p:timing>
-    <p:tnLst>
-      <p:par>
-        <p:cTn id="1" dur="indefinite" restart="never" nodeType="tmRoot"/>
-      </p:par>
-    </p:tnLst>
-  </p:timing>
 </p:sld>
 </file>
 
@@ -6643,15 +6404,15 @@
           <a:lstStyle/>
           <a:p>
             <a:r>
-              <a:rPr lang="en-US" sz="3600" b="1" dirty="0" smtClean="0"/>
+              <a:rPr lang="en-US" sz="3600" b="1" dirty="0"/>
               <a:t>USART. </a:t>
             </a:r>
             <a:r>
-              <a:rPr lang="en-US" sz="3600" b="1" dirty="0" err="1" smtClean="0"/>
+              <a:rPr lang="en-US" sz="3600" b="1" dirty="0" err="1"/>
               <a:t>ComPort</a:t>
             </a:r>
             <a:r>
-              <a:rPr lang="en-US" sz="3600" b="1" dirty="0" smtClean="0"/>
+              <a:rPr lang="en-US" sz="3600" b="1" dirty="0"/>
               <a:t>. Rs-232</a:t>
             </a:r>
             <a:endParaRPr lang="ru-RU" sz="3600" b="1" dirty="0"/>
@@ -6681,63 +6442,22 @@
           <a:lstStyle/>
           <a:p>
             <a:r>
-              <a:rPr lang="ru-RU" sz="2400" dirty="0" smtClean="0"/>
-              <a:t>В </a:t>
-            </a:r>
-            <a:r>
               <a:rPr lang="ru-RU" sz="2400" dirty="0"/>
-              <a:t>асинхронном режиме, </a:t>
-            </a:r>
-            <a:r>
-              <a:rPr lang="ru-RU" sz="2400" dirty="0" smtClean="0"/>
-              <a:t>используют </a:t>
+              <a:t>В асинхронном режиме, используют РС команда </a:t>
+            </a:r>
+            <a:r>
+              <a:rPr lang="en-US" sz="2400" dirty="0"/>
+              <a:t>- </a:t>
             </a:r>
             <a:r>
               <a:rPr lang="ru-RU" sz="2400" dirty="0"/>
-              <a:t>РС </a:t>
-            </a:r>
-            <a:r>
-              <a:rPr lang="ru-RU" sz="2400" dirty="0" smtClean="0"/>
-              <a:t>команда </a:t>
-            </a:r>
-            <a:r>
-              <a:rPr lang="en-US" sz="2400" dirty="0" smtClean="0"/>
-              <a:t>- </a:t>
-            </a:r>
-            <a:r>
-              <a:rPr lang="ru-RU" sz="2400" dirty="0" smtClean="0"/>
-              <a:t>старт бит, </a:t>
-            </a:r>
+              <a:t>старт бит, 8 бит данных и один стоп-бита), </a:t>
+            </a:r>
+          </a:p>
+          <a:p>
             <a:r>
               <a:rPr lang="ru-RU" sz="2400" dirty="0"/>
-              <a:t>8 бит данных и </a:t>
-            </a:r>
-            <a:r>
-              <a:rPr lang="ru-RU" sz="2400" dirty="0" smtClean="0"/>
-              <a:t>один </a:t>
-            </a:r>
-            <a:r>
-              <a:rPr lang="ru-RU" sz="2400" dirty="0"/>
-              <a:t>стоп-бита), </a:t>
-            </a:r>
-            <a:endParaRPr lang="ru-RU" sz="2400" dirty="0" smtClean="0"/>
-          </a:p>
-          <a:p>
-            <a:r>
-              <a:rPr lang="ru-RU" sz="2400" dirty="0" smtClean="0"/>
-              <a:t>прием </a:t>
-            </a:r>
-            <a:r>
-              <a:rPr lang="ru-RU" sz="2400" dirty="0"/>
-              <a:t>и </a:t>
-            </a:r>
-            <a:r>
-              <a:rPr lang="ru-RU" sz="2400" dirty="0" smtClean="0"/>
-              <a:t>передача </a:t>
-            </a:r>
-            <a:r>
-              <a:rPr lang="ru-RU" sz="2400" dirty="0"/>
-              <a:t>данных осуществляются с одинаковой тактовой частотой.</a:t>
+              <a:t>прием и передача данных осуществляются с одинаковой тактовой частотой.</a:t>
             </a:r>
           </a:p>
           <a:p>
@@ -6747,7 +6467,7 @@
               </a:spcBef>
             </a:pPr>
             <a:r>
-              <a:rPr lang="ru-RU" sz="2100" dirty="0" smtClean="0"/>
+              <a:rPr lang="ru-RU" sz="2100" dirty="0"/>
               <a:t>Достоинство – простота, цена.</a:t>
             </a:r>
           </a:p>
@@ -6758,16 +6478,8 @@
               </a:spcBef>
             </a:pPr>
             <a:r>
-              <a:rPr lang="ru-RU" sz="2100" dirty="0" smtClean="0"/>
-              <a:t>Недостаток - максимальная скорость </a:t>
-            </a:r>
-            <a:r>
               <a:rPr lang="ru-RU" sz="2100" dirty="0"/>
-              <a:t>115200 </a:t>
-            </a:r>
-            <a:r>
-              <a:rPr lang="ru-RU" sz="2100" dirty="0" smtClean="0"/>
-              <a:t>бод.</a:t>
+              <a:t>Недостаток - максимальная скорость 115200 бод.</a:t>
             </a:r>
           </a:p>
         </p:txBody>
@@ -7005,28 +6717,27 @@
           <a:lstStyle/>
           <a:p>
             <a:r>
-              <a:rPr lang="ru-RU" dirty="0" smtClean="0"/>
+              <a:rPr lang="ru-RU" dirty="0"/>
               <a:t>Форм факторы</a:t>
             </a:r>
           </a:p>
           <a:p>
             <a:r>
-              <a:rPr lang="en-US" dirty="0" smtClean="0"/>
+              <a:rPr lang="en-US" dirty="0"/>
               <a:t>DB25 </a:t>
             </a:r>
             <a:r>
-              <a:rPr lang="ru-RU" dirty="0" smtClean="0"/>
+              <a:rPr lang="ru-RU" dirty="0"/>
               <a:t>и </a:t>
             </a:r>
             <a:r>
-              <a:rPr lang="en-US" dirty="0" smtClean="0"/>
+              <a:rPr lang="en-US" dirty="0"/>
               <a:t>DB</a:t>
             </a:r>
             <a:r>
-              <a:rPr lang="ru-RU" dirty="0" smtClean="0"/>
+              <a:rPr lang="ru-RU" dirty="0"/>
               <a:t>9</a:t>
             </a:r>
-            <a:endParaRPr lang="ru-RU" dirty="0"/>
           </a:p>
         </p:txBody>
       </p:sp>
@@ -7064,13 +6775,8 @@
             <a:pPr lvl="1"/>
             <a:r>
               <a:rPr lang="ru-RU" sz="2200" dirty="0"/>
-              <a:t>На расстоянии 15 м. скорость 9600 бод</a:t>
-            </a:r>
-            <a:r>
-              <a:rPr lang="ru-RU" sz="2200" dirty="0" smtClean="0"/>
-              <a:t>!</a:t>
-            </a:r>
-            <a:endParaRPr lang="ru-RU" sz="2200" dirty="0"/>
+              <a:t>На расстоянии 15 м. скорость 9600 бод!</a:t>
+            </a:r>
           </a:p>
         </p:txBody>
       </p:sp>
@@ -7084,13 +6790,6 @@
   <p:clrMapOvr>
     <a:masterClrMapping/>
   </p:clrMapOvr>
-  <p:timing>
-    <p:tnLst>
-      <p:par>
-        <p:cTn id="1" dur="indefinite" restart="never" nodeType="tmRoot"/>
-      </p:par>
-    </p:tnLst>
-  </p:timing>
 </p:sld>
 </file>
 
@@ -7134,15 +6833,15 @@
           <a:lstStyle/>
           <a:p>
             <a:r>
-              <a:rPr lang="en-US" sz="3600" b="1" dirty="0" smtClean="0"/>
+              <a:rPr lang="en-US" sz="3600" b="1" dirty="0"/>
               <a:t>USART. </a:t>
             </a:r>
             <a:r>
-              <a:rPr lang="en-US" sz="3600" b="1" dirty="0" err="1" smtClean="0"/>
+              <a:rPr lang="en-US" sz="3600" b="1" dirty="0" err="1"/>
               <a:t>ComPort</a:t>
             </a:r>
             <a:r>
-              <a:rPr lang="en-US" sz="3600" b="1" dirty="0" smtClean="0"/>
+              <a:rPr lang="en-US" sz="3600" b="1" dirty="0"/>
               <a:t>. Rs-232</a:t>
             </a:r>
             <a:endParaRPr lang="ru-RU" sz="3600" b="1" dirty="0"/>
@@ -7178,7 +6877,7 @@
               <a:buNone/>
             </a:pPr>
             <a:r>
-              <a:rPr lang="ru-RU" sz="2100" dirty="0" smtClean="0"/>
+              <a:rPr lang="ru-RU" sz="2100" dirty="0"/>
               <a:t>.</a:t>
             </a:r>
           </a:p>
@@ -11045,13 +10744,6 @@
   <p:clrMapOvr>
     <a:masterClrMapping/>
   </p:clrMapOvr>
-  <p:timing>
-    <p:tnLst>
-      <p:par>
-        <p:cTn id="1" dur="indefinite" restart="never" nodeType="tmRoot"/>
-      </p:par>
-    </p:tnLst>
-  </p:timing>
 </p:sld>
 </file>
 
@@ -11095,15 +10787,15 @@
           <a:lstStyle/>
           <a:p>
             <a:r>
-              <a:rPr lang="en-US" sz="3600" b="1" dirty="0" smtClean="0"/>
+              <a:rPr lang="en-US" sz="3600" b="1" dirty="0"/>
               <a:t>USART. </a:t>
             </a:r>
             <a:r>
-              <a:rPr lang="en-US" sz="3600" b="1" dirty="0" err="1" smtClean="0"/>
+              <a:rPr lang="en-US" sz="3600" b="1" dirty="0" err="1"/>
               <a:t>ComPort</a:t>
             </a:r>
             <a:r>
-              <a:rPr lang="en-US" sz="3600" b="1" dirty="0" smtClean="0"/>
+              <a:rPr lang="en-US" sz="3600" b="1" dirty="0"/>
               <a:t>. Rs-232</a:t>
             </a:r>
             <a:endParaRPr lang="ru-RU" sz="3600" b="1" dirty="0"/>
@@ -11134,12 +10826,8 @@
           <a:p>
             <a:pPr marL="285750" indent="-285750"/>
             <a:r>
-              <a:rPr lang="ru-RU" sz="2100" dirty="0" smtClean="0"/>
-              <a:t>.</a:t>
-            </a:r>
-            <a:r>
               <a:rPr lang="ru-RU" sz="2100" dirty="0"/>
-              <a:t> Для подключения к интерфейсу используются 25-контактные или 9-контактные разъёмы (DB25 - устарел, DB9). </a:t>
+              <a:t>. Для подключения к интерфейсу используются 25-контактные или 9-контактные разъёмы (DB25 - устарел, DB9). </a:t>
             </a:r>
           </a:p>
           <a:p>
@@ -11179,7 +10867,7 @@
               </a:spcBef>
               <a:buNone/>
             </a:pPr>
-            <a:endParaRPr lang="ru-RU" sz="2100" dirty="0" smtClean="0"/>
+            <a:endParaRPr lang="ru-RU" sz="2100" dirty="0"/>
           </a:p>
         </p:txBody>
       </p:sp>
@@ -11260,13 +10948,6 @@
   <p:clrMapOvr>
     <a:masterClrMapping/>
   </p:clrMapOvr>
-  <p:timing>
-    <p:tnLst>
-      <p:par>
-        <p:cTn id="1" dur="indefinite" restart="never" nodeType="tmRoot"/>
-      </p:par>
-    </p:tnLst>
-  </p:timing>
 </p:sld>
 </file>
 
@@ -11303,10 +10984,9 @@
           <a:lstStyle/>
           <a:p>
             <a:r>
-              <a:rPr lang="ru-RU" dirty="0" smtClean="0"/>
+              <a:rPr lang="ru-RU" dirty="0"/>
               <a:t>Особенности промышленных интерфейсов </a:t>
             </a:r>
-            <a:endParaRPr lang="ru-RU" dirty="0"/>
           </a:p>
         </p:txBody>
       </p:sp>
@@ -11328,15 +11008,15 @@
           <a:lstStyle/>
           <a:p>
             <a:r>
-              <a:rPr lang="ru-RU" b="1" dirty="0" smtClean="0"/>
+              <a:rPr lang="ru-RU" b="1" dirty="0"/>
               <a:t>Лекция </a:t>
             </a:r>
             <a:r>
-              <a:rPr lang="en-US" b="1" dirty="0" smtClean="0"/>
+              <a:rPr lang="en-US" b="1" dirty="0"/>
               <a:t>8</a:t>
             </a:r>
             <a:r>
-              <a:rPr lang="ru-RU" b="1" dirty="0" smtClean="0"/>
+              <a:rPr lang="ru-RU" b="1" dirty="0"/>
               <a:t>. Промышленные интерфейсы</a:t>
             </a:r>
           </a:p>
@@ -11358,13 +11038,6 @@
   <p:clrMapOvr>
     <a:masterClrMapping/>
   </p:clrMapOvr>
-  <p:timing>
-    <p:tnLst>
-      <p:par>
-        <p:cTn id="1" dur="indefinite" restart="never" nodeType="tmRoot"/>
-      </p:par>
-    </p:tnLst>
-  </p:timing>
 </p:sld>
 </file>
 
@@ -11408,15 +11081,15 @@
           <a:lstStyle/>
           <a:p>
             <a:r>
-              <a:rPr lang="en-US" sz="3600" b="1" dirty="0" smtClean="0"/>
+              <a:rPr lang="en-US" sz="3600" b="1" dirty="0"/>
               <a:t>USART. </a:t>
             </a:r>
             <a:r>
-              <a:rPr lang="en-US" sz="3600" b="1" dirty="0" err="1" smtClean="0"/>
+              <a:rPr lang="en-US" sz="3600" b="1" dirty="0" err="1"/>
               <a:t>ComPort</a:t>
             </a:r>
             <a:r>
-              <a:rPr lang="en-US" sz="3600" b="1" dirty="0" smtClean="0"/>
+              <a:rPr lang="en-US" sz="3600" b="1" dirty="0"/>
               <a:t>. Rs-232</a:t>
             </a:r>
             <a:endParaRPr lang="ru-RU" sz="3600" b="1" dirty="0"/>
@@ -11451,7 +11124,7 @@
               </a:spcBef>
               <a:buNone/>
             </a:pPr>
-            <a:endParaRPr lang="ru-RU" sz="2100" dirty="0" smtClean="0"/>
+            <a:endParaRPr lang="ru-RU" sz="2100" dirty="0"/>
           </a:p>
         </p:txBody>
       </p:sp>
@@ -11614,13 +11287,6 @@
   <p:clrMapOvr>
     <a:masterClrMapping/>
   </p:clrMapOvr>
-  <p:timing>
-    <p:tnLst>
-      <p:par>
-        <p:cTn id="1" dur="indefinite" restart="never" nodeType="tmRoot"/>
-      </p:par>
-    </p:tnLst>
-  </p:timing>
 </p:sld>
 </file>
 
@@ -11664,30 +11330,29 @@
           <a:lstStyle/>
           <a:p>
             <a:r>
-              <a:rPr lang="en-US" sz="3600" b="1" dirty="0" smtClean="0"/>
+              <a:rPr lang="en-US" sz="3600" b="1" dirty="0"/>
               <a:t>USART. </a:t>
             </a:r>
             <a:r>
-              <a:rPr lang="en-US" sz="3600" b="1" dirty="0" err="1" smtClean="0"/>
+              <a:rPr lang="en-US" sz="3600" b="1" dirty="0" err="1"/>
               <a:t>ComPort</a:t>
             </a:r>
             <a:r>
-              <a:rPr lang="en-US" sz="3600" b="1" dirty="0" smtClean="0"/>
+              <a:rPr lang="en-US" sz="3600" b="1" dirty="0"/>
               <a:t>. </a:t>
             </a:r>
             <a:r>
-              <a:rPr lang="en-US" sz="3600" b="1" dirty="0" err="1" smtClean="0"/>
+              <a:rPr lang="en-US" sz="3600" b="1" dirty="0" err="1"/>
               <a:t>Rs</a:t>
             </a:r>
             <a:r>
-              <a:rPr lang="en-US" sz="3600" b="1" dirty="0" smtClean="0"/>
+              <a:rPr lang="en-US" sz="3600" b="1" dirty="0"/>
               <a:t>-</a:t>
             </a:r>
             <a:r>
-              <a:rPr lang="ru-RU" sz="3600" b="1" dirty="0" smtClean="0"/>
+              <a:rPr lang="ru-RU" sz="3600" b="1" dirty="0"/>
               <a:t>422</a:t>
             </a:r>
-            <a:endParaRPr lang="ru-RU" sz="3600" b="1" dirty="0"/>
           </a:p>
         </p:txBody>
       </p:sp>
@@ -11721,19 +11386,7 @@
             </a:pPr>
             <a:r>
               <a:rPr lang="ru-RU" sz="2000" b="1" dirty="0"/>
-              <a:t>Интерфейс </a:t>
-            </a:r>
-            <a:r>
-              <a:rPr lang="ru-RU" sz="2000" b="1" dirty="0" smtClean="0"/>
-              <a:t>RS-422, использует дифференциальный </a:t>
-            </a:r>
-            <a:r>
-              <a:rPr lang="ru-RU" sz="2000" b="1" dirty="0"/>
-              <a:t>сигнал, т.е. разницу потенциалов между проводниками А и В</a:t>
-            </a:r>
-            <a:r>
-              <a:rPr lang="ru-RU" sz="2000" b="1" dirty="0" smtClean="0"/>
-              <a:t>.</a:t>
+              <a:t>Интерфейс RS-422, использует дифференциальный сигнал, т.е. разницу потенциалов между проводниками А и В.</a:t>
             </a:r>
           </a:p>
           <a:p>
@@ -11743,12 +11396,8 @@
               </a:spcBef>
             </a:pPr>
             <a:r>
-              <a:rPr lang="ru-RU" sz="2000" i="1" dirty="0" smtClean="0"/>
-              <a:t>полностью дуплексный интерфейс </a:t>
-            </a:r>
-            <a:r>
               <a:rPr lang="ru-RU" sz="2000" i="1" dirty="0"/>
-              <a:t>(</a:t>
+              <a:t>полностью дуплексный интерфейс (</a:t>
             </a:r>
             <a:r>
               <a:rPr lang="ru-RU" sz="2000" i="1" dirty="0" err="1"/>
@@ -11763,7 +11412,7 @@
               <a:t>duplex</a:t>
             </a:r>
             <a:r>
-              <a:rPr lang="ru-RU" sz="2000" i="1" dirty="0" smtClean="0"/>
+              <a:rPr lang="ru-RU" sz="2000" i="1" dirty="0"/>
               <a:t>)</a:t>
             </a:r>
           </a:p>
@@ -11774,7 +11423,7 @@
               </a:spcBef>
             </a:pPr>
             <a:r>
-              <a:rPr lang="ru-RU" sz="2000" dirty="0" smtClean="0">
+              <a:rPr lang="ru-RU" sz="2000" dirty="0">
                 <a:effectLst>
                   <a:outerShdw blurRad="38100" dist="38100" dir="2700000" algn="tl">
                     <a:srgbClr val="000000">
@@ -11793,14 +11442,9 @@
               </a:spcBef>
             </a:pPr>
             <a:r>
-              <a:rPr lang="ru-RU" sz="2000" u="sng" dirty="0" smtClean="0"/>
-              <a:t>используется </a:t>
-            </a:r>
-            <a:r>
               <a:rPr lang="ru-RU" sz="2000" u="sng" dirty="0"/>
-              <a:t>обычно для налаживания передачи данных между двумя устройствами на длинных дистанциях. </a:t>
-            </a:r>
-            <a:endParaRPr lang="ru-RU" sz="2000" u="sng" dirty="0" smtClean="0"/>
+              <a:t>используется обычно для налаживания передачи данных между двумя устройствами на длинных дистанциях. </a:t>
+            </a:r>
           </a:p>
           <a:p>
             <a:pPr>
@@ -11810,20 +11454,12 @@
             </a:pPr>
             <a:r>
               <a:rPr lang="ru-RU" sz="2000" i="1" dirty="0"/>
-              <a:t>К каждому передатчику RS-422 возможно подключение до 10 приёмников</a:t>
-            </a:r>
-            <a:r>
-              <a:rPr lang="ru-RU" sz="2000" i="1" dirty="0" smtClean="0"/>
-              <a:t>.</a:t>
-            </a:r>
-            <a:r>
-              <a:rPr lang="ru-RU" sz="2000" dirty="0"/>
-              <a:t/>
+              <a:t>К каждому передатчику RS-422 возможно подключение до 10 приёмников.</a:t>
             </a:r>
             <a:br>
               <a:rPr lang="ru-RU" sz="2000" dirty="0"/>
             </a:br>
-            <a:endParaRPr lang="ru-RU" sz="2000" dirty="0" smtClean="0"/>
+            <a:endParaRPr lang="ru-RU" sz="2000" dirty="0"/>
           </a:p>
         </p:txBody>
       </p:sp>
@@ -12000,13 +11636,6 @@
   <p:clrMapOvr>
     <a:masterClrMapping/>
   </p:clrMapOvr>
-  <p:timing>
-    <p:tnLst>
-      <p:par>
-        <p:cTn id="1" dur="indefinite" restart="never" nodeType="tmRoot"/>
-      </p:par>
-    </p:tnLst>
-  </p:timing>
 </p:sld>
 </file>
 
@@ -12050,30 +11679,29 @@
           <a:lstStyle/>
           <a:p>
             <a:r>
-              <a:rPr lang="en-US" sz="3600" b="1" dirty="0" smtClean="0"/>
+              <a:rPr lang="en-US" sz="3600" b="1" dirty="0"/>
               <a:t>USART. </a:t>
             </a:r>
             <a:r>
-              <a:rPr lang="en-US" sz="3600" b="1" dirty="0" err="1" smtClean="0"/>
+              <a:rPr lang="en-US" sz="3600" b="1" dirty="0" err="1"/>
               <a:t>ComPort</a:t>
             </a:r>
             <a:r>
-              <a:rPr lang="en-US" sz="3600" b="1" dirty="0" smtClean="0"/>
+              <a:rPr lang="en-US" sz="3600" b="1" dirty="0"/>
               <a:t>. </a:t>
             </a:r>
             <a:r>
-              <a:rPr lang="en-US" sz="3600" b="1" dirty="0" err="1" smtClean="0"/>
+              <a:rPr lang="en-US" sz="3600" b="1" dirty="0" err="1"/>
               <a:t>Rs</a:t>
             </a:r>
             <a:r>
-              <a:rPr lang="en-US" sz="3600" b="1" dirty="0" smtClean="0"/>
+              <a:rPr lang="en-US" sz="3600" b="1" dirty="0"/>
               <a:t>-</a:t>
             </a:r>
             <a:r>
-              <a:rPr lang="ru-RU" sz="3600" b="1" dirty="0" smtClean="0"/>
+              <a:rPr lang="ru-RU" sz="3600" b="1" dirty="0"/>
               <a:t>422</a:t>
             </a:r>
-            <a:endParaRPr lang="ru-RU" sz="3600" b="1" dirty="0"/>
           </a:p>
         </p:txBody>
       </p:sp>
@@ -12108,7 +11736,7 @@
               <a:rPr lang="ru-RU" sz="2200" dirty="0"/>
               <a:t>Рабочие напряжения: от -10 В до +10 В. </a:t>
             </a:r>
-            <a:endParaRPr lang="en-US" sz="2200" dirty="0" smtClean="0"/>
+            <a:endParaRPr lang="en-US" sz="2200" dirty="0"/>
           </a:p>
           <a:p>
             <a:pPr lvl="1">
@@ -12117,22 +11745,9 @@
               </a:spcBef>
             </a:pPr>
             <a:r>
-              <a:rPr lang="ru-RU" sz="1800" dirty="0" smtClean="0"/>
-              <a:t>Как </a:t>
-            </a:r>
-            <a:r>
               <a:rPr lang="ru-RU" sz="1800" dirty="0"/>
-              <a:t>правило используются номинальные значения </a:t>
-            </a:r>
-            <a:r>
-              <a:rPr lang="ru-RU" sz="1800" dirty="0" smtClean="0"/>
-              <a:t>-6…8 - +6</a:t>
-            </a:r>
-            <a:r>
-              <a:rPr lang="ru-RU" sz="1800" dirty="0"/>
-              <a:t>…+8 В. </a:t>
-            </a:r>
-            <a:endParaRPr lang="ru-RU" sz="1800" dirty="0" smtClean="0"/>
+              <a:t>Как правило используются номинальные значения -6…8 - +6…+8 В. </a:t>
+            </a:r>
           </a:p>
           <a:p>
             <a:pPr>
@@ -12141,7 +11756,7 @@
               </a:spcBef>
             </a:pPr>
             <a:r>
-              <a:rPr lang="ru-RU" sz="2200" dirty="0" smtClean="0"/>
+              <a:rPr lang="ru-RU" sz="2200" dirty="0"/>
               <a:t>Для устранения наводимых помех в концах линии устанавливаются специальные резисторы, называемые терминаторами (120 Ом). </a:t>
             </a:r>
           </a:p>
@@ -12198,11 +11813,7 @@
             </a:r>
             <a:r>
               <a:rPr lang="ru-RU" sz="2200" dirty="0"/>
-              <a:t> RS-422 зависит от производителя устройства и указывается в документации на него</a:t>
-            </a:r>
-            <a:r>
-              <a:rPr lang="ru-RU" sz="2200" dirty="0" smtClean="0"/>
-              <a:t>.</a:t>
+              <a:t> RS-422 зависит от производителя устройства и указывается в документации на него.</a:t>
             </a:r>
           </a:p>
         </p:txBody>
@@ -12458,13 +12069,6 @@
   <p:clrMapOvr>
     <a:masterClrMapping/>
   </p:clrMapOvr>
-  <p:timing>
-    <p:tnLst>
-      <p:par>
-        <p:cTn id="1" dur="indefinite" restart="never" nodeType="tmRoot"/>
-      </p:par>
-    </p:tnLst>
-  </p:timing>
 </p:sld>
 </file>
 
@@ -12508,30 +12112,29 @@
           <a:lstStyle/>
           <a:p>
             <a:r>
-              <a:rPr lang="en-US" sz="3600" b="1" dirty="0" smtClean="0"/>
+              <a:rPr lang="en-US" sz="3600" b="1" dirty="0"/>
               <a:t>USART. </a:t>
             </a:r>
             <a:r>
-              <a:rPr lang="en-US" sz="3600" b="1" dirty="0" err="1" smtClean="0"/>
+              <a:rPr lang="en-US" sz="3600" b="1" dirty="0" err="1"/>
               <a:t>ComPort</a:t>
             </a:r>
             <a:r>
-              <a:rPr lang="en-US" sz="3600" b="1" dirty="0" smtClean="0"/>
+              <a:rPr lang="en-US" sz="3600" b="1" dirty="0"/>
               <a:t>. </a:t>
             </a:r>
             <a:r>
-              <a:rPr lang="en-US" sz="3600" b="1" dirty="0" err="1" smtClean="0"/>
+              <a:rPr lang="en-US" sz="3600" b="1" dirty="0" err="1"/>
               <a:t>Rs</a:t>
             </a:r>
             <a:r>
-              <a:rPr lang="en-US" sz="3600" b="1" dirty="0" smtClean="0"/>
+              <a:rPr lang="en-US" sz="3600" b="1" dirty="0"/>
               <a:t>-</a:t>
             </a:r>
             <a:r>
-              <a:rPr lang="ru-RU" sz="3600" b="1" dirty="0" smtClean="0"/>
+              <a:rPr lang="ru-RU" sz="3600" b="1" dirty="0"/>
               <a:t>422</a:t>
             </a:r>
-            <a:endParaRPr lang="ru-RU" sz="3600" b="1" dirty="0"/>
           </a:p>
         </p:txBody>
       </p:sp>
@@ -12563,12 +12166,8 @@
               </a:spcBef>
             </a:pPr>
             <a:r>
-              <a:rPr lang="ru-RU" sz="2000" dirty="0" smtClean="0"/>
-              <a:t>Максимальная </a:t>
-            </a:r>
-            <a:r>
               <a:rPr lang="ru-RU" sz="2000" dirty="0"/>
-              <a:t>дальность действия интерфейса RS-422  1200 метров. </a:t>
+              <a:t>Максимальная дальность действия интерфейса RS-422  1200 метров. </a:t>
             </a:r>
           </a:p>
           <a:p>
@@ -12615,28 +12214,16 @@
               </a:spcBef>
               <a:buNone/>
             </a:pPr>
-            <a:r>
-              <a:rPr lang="ru-RU" sz="2000" dirty="0"/>
-              <a:t/>
-            </a:r>
             <a:br>
               <a:rPr lang="ru-RU" sz="2000" dirty="0"/>
             </a:br>
-            <a:r>
-              <a:rPr lang="ru-RU" sz="2000" dirty="0"/>
-              <a:t/>
-            </a:r>
             <a:br>
               <a:rPr lang="ru-RU" sz="2000" dirty="0"/>
             </a:br>
-            <a:r>
-              <a:rPr lang="ru-RU" sz="2000" dirty="0"/>
-              <a:t/>
-            </a:r>
             <a:br>
               <a:rPr lang="ru-RU" sz="2000" dirty="0"/>
             </a:br>
-            <a:endParaRPr lang="ru-RU" sz="2000" dirty="0" smtClean="0"/>
+            <a:endParaRPr lang="ru-RU" sz="2000" dirty="0"/>
           </a:p>
         </p:txBody>
       </p:sp>
@@ -12847,13 +12434,6 @@
   <p:clrMapOvr>
     <a:masterClrMapping/>
   </p:clrMapOvr>
-  <p:timing>
-    <p:tnLst>
-      <p:par>
-        <p:cTn id="1" dur="indefinite" restart="never" nodeType="tmRoot"/>
-      </p:par>
-    </p:tnLst>
-  </p:timing>
 </p:sld>
 </file>
 
@@ -12897,30 +12477,29 @@
           <a:lstStyle/>
           <a:p>
             <a:r>
-              <a:rPr lang="en-US" sz="3600" b="1" dirty="0" smtClean="0"/>
+              <a:rPr lang="en-US" sz="3600" b="1" dirty="0"/>
               <a:t>USART. </a:t>
             </a:r>
             <a:r>
-              <a:rPr lang="en-US" sz="3600" b="1" dirty="0" err="1" smtClean="0"/>
+              <a:rPr lang="en-US" sz="3600" b="1" dirty="0" err="1"/>
               <a:t>ComPort</a:t>
             </a:r>
             <a:r>
-              <a:rPr lang="en-US" sz="3600" b="1" dirty="0" smtClean="0"/>
+              <a:rPr lang="en-US" sz="3600" b="1" dirty="0"/>
               <a:t>. </a:t>
             </a:r>
             <a:r>
-              <a:rPr lang="en-US" sz="3600" b="1" dirty="0" err="1" smtClean="0"/>
+              <a:rPr lang="en-US" sz="3600" b="1" dirty="0" err="1"/>
               <a:t>Rs</a:t>
             </a:r>
             <a:r>
-              <a:rPr lang="en-US" sz="3600" b="1" dirty="0" smtClean="0"/>
+              <a:rPr lang="en-US" sz="3600" b="1" dirty="0"/>
               <a:t>-</a:t>
             </a:r>
             <a:r>
-              <a:rPr lang="ru-RU" sz="3600" b="1" dirty="0" smtClean="0"/>
+              <a:rPr lang="ru-RU" sz="3600" b="1" dirty="0"/>
               <a:t>485</a:t>
             </a:r>
-            <a:endParaRPr lang="ru-RU" sz="3600" b="1" dirty="0"/>
           </a:p>
         </p:txBody>
       </p:sp>
@@ -12956,7 +12535,6 @@
               <a:rPr lang="ru-RU" sz="2000" b="1" dirty="0"/>
               <a:t>Интерфейс RS-485 (другое название - EIA/TIA-485) - один из наиболее распространенных стандартов физического уровня связи. </a:t>
             </a:r>
-            <a:endParaRPr lang="ru-RU" sz="2000" b="1" dirty="0" smtClean="0"/>
           </a:p>
           <a:p>
             <a:pPr>
@@ -12965,7 +12543,7 @@
               </a:spcBef>
             </a:pPr>
             <a:r>
-              <a:rPr lang="ru-RU" sz="2000" dirty="0" smtClean="0"/>
+              <a:rPr lang="ru-RU" sz="2000" dirty="0"/>
               <a:t>Напряжение -12…-7 – 7…12 В</a:t>
             </a:r>
           </a:p>
@@ -12976,7 +12554,7 @@
               </a:spcBef>
             </a:pPr>
             <a:r>
-              <a:rPr lang="ru-RU" sz="2000" dirty="0" smtClean="0"/>
+              <a:rPr lang="ru-RU" sz="2000" dirty="0"/>
               <a:t>Логический 0  </a:t>
             </a:r>
           </a:p>
@@ -12987,7 +12565,7 @@
               </a:spcBef>
             </a:pPr>
             <a:r>
-              <a:rPr lang="ru-RU" sz="2000" dirty="0" smtClean="0"/>
+              <a:rPr lang="ru-RU" sz="2000" dirty="0"/>
               <a:t>+1.5 В на выходе </a:t>
             </a:r>
           </a:p>
@@ -12998,7 +12576,7 @@
               </a:spcBef>
             </a:pPr>
             <a:r>
-              <a:rPr lang="ru-RU" sz="2000" dirty="0" smtClean="0"/>
+              <a:rPr lang="ru-RU" sz="2000" dirty="0"/>
               <a:t>+200 мВ на входе</a:t>
             </a:r>
           </a:p>
@@ -13009,7 +12587,7 @@
               </a:spcBef>
             </a:pPr>
             <a:r>
-              <a:rPr lang="ru-RU" sz="2000" dirty="0" smtClean="0"/>
+              <a:rPr lang="ru-RU" sz="2000" dirty="0"/>
               <a:t>Логическая 1 </a:t>
             </a:r>
           </a:p>
@@ -13020,7 +12598,7 @@
               </a:spcBef>
             </a:pPr>
             <a:r>
-              <a:rPr lang="ru-RU" sz="2000" dirty="0" smtClean="0"/>
+              <a:rPr lang="ru-RU" sz="2000" dirty="0"/>
               <a:t>-1.5 В на выходе</a:t>
             </a:r>
           </a:p>
@@ -13031,7 +12609,7 @@
               </a:spcBef>
             </a:pPr>
             <a:r>
-              <a:rPr lang="ru-RU" sz="2000" dirty="0" smtClean="0"/>
+              <a:rPr lang="ru-RU" sz="2000" dirty="0"/>
               <a:t> -200 мВ на входе</a:t>
             </a:r>
           </a:p>
@@ -13042,24 +12620,15 @@
               </a:spcBef>
             </a:pPr>
             <a:r>
-              <a:rPr lang="ru-RU" sz="2000" dirty="0" smtClean="0"/>
+              <a:rPr lang="ru-RU" sz="2000" dirty="0"/>
               <a:t>Максимальное расстояние до 1200 м.</a:t>
             </a:r>
           </a:p>
           <a:p>
             <a:r>
-              <a:rPr lang="ru-RU" sz="2000" dirty="0" smtClean="0"/>
-              <a:t>Скорость </a:t>
-            </a:r>
-            <a:r>
               <a:rPr lang="ru-RU" sz="2000" dirty="0"/>
-              <a:t>работы также зависит от длины линии и может достигать 10 Мбит/с на 10 </a:t>
-            </a:r>
-            <a:r>
-              <a:rPr lang="ru-RU" sz="2000" dirty="0" smtClean="0"/>
-              <a:t>метрах ( в некоторых устройства макс. Скорость 30 -40 Мбит в сек).</a:t>
-            </a:r>
-            <a:endParaRPr lang="ru-RU" sz="2000" dirty="0"/>
+              <a:t>Скорость работы также зависит от длины линии и может достигать 10 Мбит/с на 10 метрах ( в некоторых устройства макс. Скорость 30 -40 Мбит в сек).</a:t>
+            </a:r>
           </a:p>
           <a:p>
             <a:pPr>
@@ -13067,7 +12636,7 @@
                 <a:spcPts val="0"/>
               </a:spcBef>
             </a:pPr>
-            <a:endParaRPr lang="ru-RU" sz="2000" dirty="0" smtClean="0"/>
+            <a:endParaRPr lang="ru-RU" sz="2000" dirty="0"/>
           </a:p>
           <a:p>
             <a:pPr>
@@ -13075,7 +12644,7 @@
                 <a:spcPts val="0"/>
               </a:spcBef>
             </a:pPr>
-            <a:endParaRPr lang="ru-RU" sz="2000" dirty="0" smtClean="0"/>
+            <a:endParaRPr lang="ru-RU" sz="2000" dirty="0"/>
           </a:p>
         </p:txBody>
       </p:sp>
@@ -13273,13 +12842,6 @@
   <p:clrMapOvr>
     <a:masterClrMapping/>
   </p:clrMapOvr>
-  <p:timing>
-    <p:tnLst>
-      <p:par>
-        <p:cTn id="1" dur="indefinite" restart="never" nodeType="tmRoot"/>
-      </p:par>
-    </p:tnLst>
-  </p:timing>
 </p:sld>
 </file>
 
@@ -13323,26 +12885,21 @@
           <a:lstStyle/>
           <a:p>
             <a:r>
-              <a:rPr lang="en-US" sz="3600" b="1" dirty="0" smtClean="0"/>
+              <a:rPr lang="en-US" sz="3600" b="1" dirty="0"/>
               <a:t>USART. </a:t>
             </a:r>
             <a:r>
-              <a:rPr lang="en-US" sz="3600" b="1" dirty="0" err="1" smtClean="0"/>
+              <a:rPr lang="en-US" sz="3600" b="1" dirty="0" err="1"/>
               <a:t>ComPort</a:t>
             </a:r>
             <a:r>
-              <a:rPr lang="en-US" sz="3600" b="1" dirty="0" smtClean="0"/>
-              <a:t>. </a:t>
-            </a:r>
-            <a:r>
-              <a:rPr lang="en-US" sz="3600" b="1" dirty="0" smtClean="0"/>
-              <a:t>RS-</a:t>
-            </a:r>
-            <a:r>
-              <a:rPr lang="ru-RU" sz="3600" b="1" dirty="0" smtClean="0"/>
+              <a:rPr lang="en-US" sz="3600" b="1" dirty="0"/>
+              <a:t>. RS-</a:t>
+            </a:r>
+            <a:r>
+              <a:rPr lang="ru-RU" sz="3600" b="1" dirty="0"/>
               <a:t>485</a:t>
             </a:r>
-            <a:endParaRPr lang="ru-RU" sz="3600" b="1" dirty="0"/>
           </a:p>
         </p:txBody>
       </p:sp>
@@ -13374,12 +12931,8 @@
               </a:spcBef>
             </a:pPr>
             <a:r>
-              <a:rPr lang="ru-RU" sz="2000" u="sng" dirty="0" smtClean="0"/>
-              <a:t>Полудуплексный  </a:t>
-            </a:r>
-            <a:r>
               <a:rPr lang="ru-RU" sz="2000" u="sng" dirty="0"/>
-              <a:t>режим с применением одной витой пары </a:t>
+              <a:t>Полудуплексный  режим с применением одной витой пары </a:t>
             </a:r>
           </a:p>
           <a:p>
@@ -13389,14 +12942,9 @@
               </a:spcBef>
             </a:pPr>
             <a:r>
-              <a:rPr lang="ru-RU" sz="2000" b="1" dirty="0" smtClean="0"/>
-              <a:t>Дуплексном </a:t>
-            </a:r>
-            <a:r>
               <a:rPr lang="ru-RU" sz="2000" b="1" dirty="0"/>
-              <a:t>режиме с одновременными передачей и приемом данных, с использованием двух витых пар (четыре провода). </a:t>
-            </a:r>
-            <a:endParaRPr lang="ru-RU" sz="2000" b="1" dirty="0" smtClean="0"/>
+              <a:t>Дуплексном режиме с одновременными передачей и приемом данных, с использованием двух витых пар (четыре провода). </a:t>
+            </a:r>
           </a:p>
           <a:p>
             <a:pPr>
@@ -13404,18 +12952,6 @@
                 <a:spcPts val="600"/>
               </a:spcBef>
             </a:pPr>
-            <a:r>
-              <a:rPr lang="ru-RU" sz="2000" dirty="0" smtClean="0">
-                <a:effectLst>
-                  <a:outerShdw blurRad="38100" dist="38100" dir="2700000" algn="tl">
-                    <a:srgbClr val="000000">
-                      <a:alpha val="43137"/>
-                    </a:srgbClr>
-                  </a:outerShdw>
-                </a:effectLst>
-              </a:rPr>
-              <a:t>RS-485 </a:t>
-            </a:r>
             <a:r>
               <a:rPr lang="ru-RU" sz="2000" dirty="0">
                 <a:effectLst>
@@ -13426,17 +12962,8 @@
                   </a:outerShdw>
                 </a:effectLst>
               </a:rPr>
-              <a:t>возможность использования нескольких ведущих устройств на общей шине (многоточечная сеть), </a:t>
-            </a:r>
-            <a:endParaRPr lang="ru-RU" sz="2000" dirty="0" smtClean="0">
-              <a:effectLst>
-                <a:outerShdw blurRad="38100" dist="38100" dir="2700000" algn="tl">
-                  <a:srgbClr val="000000">
-                    <a:alpha val="43137"/>
-                  </a:srgbClr>
-                </a:outerShdw>
-              </a:effectLst>
-            </a:endParaRPr>
+              <a:t>RS-485 возможность использования нескольких ведущих устройств на общей шине (многоточечная сеть), </a:t>
+            </a:r>
           </a:p>
           <a:p>
             <a:pPr lvl="1">
@@ -13456,12 +12983,8 @@
               </a:spcBef>
             </a:pPr>
             <a:r>
-              <a:rPr lang="ru-RU" sz="2000" i="1" dirty="0" smtClean="0"/>
-              <a:t>максимальное </a:t>
-            </a:r>
-            <a:r>
               <a:rPr lang="ru-RU" sz="2000" i="1" dirty="0"/>
-              <a:t>число ведущих/ведомых  на шине до 32 (в дуплексном режиме).</a:t>
+              <a:t>максимальное число ведущих/ведомых  на шине до 32 (в дуплексном режиме).</a:t>
             </a:r>
           </a:p>
           <a:p>
@@ -13481,7 +13004,7 @@
                 <a:spcPts val="0"/>
               </a:spcBef>
             </a:pPr>
-            <a:endParaRPr lang="ru-RU" sz="2000" dirty="0" smtClean="0"/>
+            <a:endParaRPr lang="ru-RU" sz="2000" dirty="0"/>
           </a:p>
         </p:txBody>
       </p:sp>
@@ -13774,13 +13297,6 @@
   <p:clrMapOvr>
     <a:masterClrMapping/>
   </p:clrMapOvr>
-  <p:timing>
-    <p:tnLst>
-      <p:par>
-        <p:cTn id="1" dur="indefinite" restart="never" nodeType="tmRoot"/>
-      </p:par>
-    </p:tnLst>
-  </p:timing>
 </p:sld>
 </file>
 
@@ -13824,30 +13340,29 @@
           <a:lstStyle/>
           <a:p>
             <a:r>
-              <a:rPr lang="en-US" sz="3600" b="1" dirty="0" smtClean="0"/>
+              <a:rPr lang="en-US" sz="3600" b="1" dirty="0"/>
               <a:t>USART. </a:t>
             </a:r>
             <a:r>
-              <a:rPr lang="en-US" sz="3600" b="1" dirty="0" err="1" smtClean="0"/>
+              <a:rPr lang="en-US" sz="3600" b="1" dirty="0" err="1"/>
               <a:t>ComPort</a:t>
             </a:r>
             <a:r>
-              <a:rPr lang="en-US" sz="3600" b="1" dirty="0" smtClean="0"/>
+              <a:rPr lang="en-US" sz="3600" b="1" dirty="0"/>
               <a:t>. </a:t>
             </a:r>
             <a:r>
-              <a:rPr lang="en-US" sz="3600" b="1" dirty="0" err="1" smtClean="0"/>
+              <a:rPr lang="en-US" sz="3600" b="1" dirty="0" err="1"/>
               <a:t>Rs</a:t>
             </a:r>
             <a:r>
-              <a:rPr lang="en-US" sz="3600" b="1" dirty="0" smtClean="0"/>
+              <a:rPr lang="en-US" sz="3600" b="1" dirty="0"/>
               <a:t>-</a:t>
             </a:r>
             <a:r>
-              <a:rPr lang="ru-RU" sz="3600" b="1" dirty="0" smtClean="0"/>
+              <a:rPr lang="ru-RU" sz="3600" b="1" dirty="0"/>
               <a:t>485</a:t>
             </a:r>
-            <a:endParaRPr lang="ru-RU" sz="3600" b="1" dirty="0"/>
           </a:p>
         </p:txBody>
       </p:sp>
@@ -13912,7 +13427,7 @@
                 <a:spcPts val="600"/>
               </a:spcBef>
             </a:pPr>
-            <a:endParaRPr lang="ru-RU" sz="2000" dirty="0" smtClean="0"/>
+            <a:endParaRPr lang="ru-RU" sz="2000" dirty="0"/>
           </a:p>
         </p:txBody>
       </p:sp>
@@ -14164,17 +13679,16 @@
           <a:lstStyle/>
           <a:p>
             <a:r>
-              <a:rPr lang="ru-RU" dirty="0" smtClean="0"/>
+              <a:rPr lang="ru-RU" dirty="0"/>
               <a:t>Подключение </a:t>
             </a:r>
             <a:br>
-              <a:rPr lang="ru-RU" dirty="0" smtClean="0"/>
+              <a:rPr lang="ru-RU" dirty="0"/>
             </a:br>
             <a:r>
-              <a:rPr lang="ru-RU" dirty="0" smtClean="0"/>
+              <a:rPr lang="ru-RU" dirty="0"/>
               <a:t>с 2мя контактами </a:t>
             </a:r>
-            <a:endParaRPr lang="ru-RU" dirty="0"/>
           </a:p>
         </p:txBody>
       </p:sp>
@@ -14201,17 +13715,16 @@
           <a:lstStyle/>
           <a:p>
             <a:r>
-              <a:rPr lang="ru-RU" dirty="0" smtClean="0"/>
+              <a:rPr lang="ru-RU" dirty="0"/>
               <a:t>Подключение </a:t>
             </a:r>
             <a:br>
-              <a:rPr lang="ru-RU" dirty="0" smtClean="0"/>
+              <a:rPr lang="ru-RU" dirty="0"/>
             </a:br>
             <a:r>
-              <a:rPr lang="ru-RU" dirty="0" smtClean="0"/>
+              <a:rPr lang="ru-RU" dirty="0"/>
               <a:t>с 4мя контактами </a:t>
             </a:r>
-            <a:endParaRPr lang="ru-RU" dirty="0"/>
           </a:p>
         </p:txBody>
       </p:sp>
@@ -14225,13 +13738,6 @@
   <p:clrMapOvr>
     <a:masterClrMapping/>
   </p:clrMapOvr>
-  <p:timing>
-    <p:tnLst>
-      <p:par>
-        <p:cTn id="1" dur="indefinite" restart="never" nodeType="tmRoot"/>
-      </p:par>
-    </p:tnLst>
-  </p:timing>
 </p:sld>
 </file>
 
@@ -14280,37 +13786,28 @@
               </a:spcAft>
             </a:pPr>
             <a:r>
-              <a:rPr lang="en-US" sz="3000" b="1" dirty="0" smtClean="0">
+              <a:rPr lang="en-US" sz="3000" b="1" dirty="0">
                 <a:latin typeface="+mn-lt"/>
               </a:rPr>
               <a:t>USART. </a:t>
             </a:r>
             <a:r>
-              <a:rPr lang="en-US" sz="3000" b="1" dirty="0" err="1" smtClean="0">
+              <a:rPr lang="en-US" sz="3000" b="1" dirty="0" err="1">
                 <a:latin typeface="+mn-lt"/>
               </a:rPr>
               <a:t>ComPort</a:t>
             </a:r>
             <a:r>
-              <a:rPr lang="en-US" sz="3000" b="1" dirty="0" smtClean="0">
+              <a:rPr lang="en-US" sz="3000" b="1" dirty="0">
                 <a:latin typeface="+mn-lt"/>
               </a:rPr>
               <a:t>. </a:t>
             </a:r>
             <a:br>
-              <a:rPr lang="en-US" sz="3000" b="1" dirty="0" smtClean="0">
+              <a:rPr lang="en-US" sz="3000" b="1" dirty="0">
                 <a:latin typeface="+mn-lt"/>
               </a:rPr>
             </a:br>
-            <a:r>
-              <a:rPr lang="ru-RU" sz="3000" b="1" dirty="0" smtClean="0">
-                <a:solidFill>
-                  <a:srgbClr val="000000"/>
-                </a:solidFill>
-                <a:latin typeface="+mn-lt"/>
-              </a:rPr>
-              <a:t>Сравнение </a:t>
-            </a:r>
             <a:r>
               <a:rPr lang="ru-RU" sz="3000" b="1" dirty="0">
                 <a:solidFill>
@@ -14318,19 +13815,10 @@
                 </a:solidFill>
                 <a:latin typeface="+mn-lt"/>
               </a:rPr>
-              <a:t>интерфейсов RS-232, </a:t>
-            </a:r>
-            <a:r>
-              <a:rPr lang="ru-RU" sz="3000" b="1" dirty="0" smtClean="0">
-                <a:solidFill>
-                  <a:srgbClr val="000000"/>
-                </a:solidFill>
-                <a:latin typeface="+mn-lt"/>
-              </a:rPr>
-              <a:t>RS-422</a:t>
-            </a:r>
-            <a:r>
-              <a:rPr lang="en-US" sz="3000" b="1" dirty="0" smtClean="0">
+              <a:t>Сравнение интерфейсов RS-232, RS-422</a:t>
+            </a:r>
+            <a:r>
+              <a:rPr lang="en-US" sz="3000" b="1" dirty="0">
                 <a:solidFill>
                   <a:srgbClr val="000000"/>
                 </a:solidFill>
@@ -14339,7 +13827,7 @@
               <a:t> </a:t>
             </a:r>
             <a:r>
-              <a:rPr lang="ru-RU" sz="3000" b="1" dirty="0" smtClean="0">
+              <a:rPr lang="ru-RU" sz="3000" b="1" dirty="0">
                 <a:solidFill>
                   <a:srgbClr val="000000"/>
                 </a:solidFill>
@@ -14348,7 +13836,7 @@
               <a:t>и</a:t>
             </a:r>
             <a:r>
-              <a:rPr lang="en-US" sz="3000" b="1" dirty="0" smtClean="0">
+              <a:rPr lang="en-US" sz="3000" b="1" dirty="0">
                 <a:solidFill>
                   <a:srgbClr val="000000"/>
                 </a:solidFill>
@@ -14357,7 +13845,7 @@
               <a:t> </a:t>
             </a:r>
             <a:r>
-              <a:rPr lang="ru-RU" sz="3000" b="1" dirty="0" smtClean="0">
+              <a:rPr lang="ru-RU" sz="3000" b="1" dirty="0">
                 <a:solidFill>
                   <a:srgbClr val="000000"/>
                 </a:solidFill>
@@ -14365,12 +13853,6 @@
               </a:rPr>
               <a:t>RS-485</a:t>
             </a:r>
-            <a:endParaRPr lang="ru-RU" sz="3000" b="1" dirty="0">
-              <a:solidFill>
-                <a:srgbClr val="000000"/>
-              </a:solidFill>
-              <a:latin typeface="+mn-lt"/>
-            </a:endParaRPr>
           </a:p>
         </p:txBody>
       </p:sp>
@@ -14779,7 +14261,7 @@
                         </a:spcAft>
                       </a:pPr>
                       <a:r>
-                        <a:rPr lang="ru-RU" sz="1750" b="1" dirty="0" err="1" smtClean="0">
+                        <a:rPr lang="ru-RU" sz="1750" b="1" dirty="0" err="1">
                           <a:effectLst/>
                         </a:rPr>
                         <a:t>Дифф-льный</a:t>
@@ -14894,7 +14376,7 @@
                         </a:spcAft>
                       </a:pPr>
                       <a:r>
-                        <a:rPr lang="ru-RU" sz="1800" b="1" dirty="0" smtClean="0">
+                        <a:rPr lang="ru-RU" sz="1800" b="1" dirty="0">
                           <a:effectLst/>
                         </a:rPr>
                         <a:t>32 (256)</a:t>
@@ -15070,16 +14552,10 @@
                         </a:spcAft>
                       </a:pPr>
                       <a:r>
-                        <a:rPr lang="ru-RU" sz="1800" dirty="0" smtClean="0">
-                          <a:effectLst/>
-                        </a:rPr>
-                        <a:t>115 </a:t>
-                      </a:r>
-                      <a:r>
                         <a:rPr lang="ru-RU" sz="1800" dirty="0">
                           <a:effectLst/>
                         </a:rPr>
-                        <a:t>кбит/с</a:t>
+                        <a:t>115 кбит/с</a:t>
                       </a:r>
                       <a:endParaRPr lang="ru-RU" sz="1800" i="0" dirty="0">
                         <a:solidFill>
@@ -15130,7 +14606,7 @@
                         </a:spcAft>
                       </a:pPr>
                       <a:r>
-                        <a:rPr lang="ru-RU" sz="1800" b="1" dirty="0" smtClean="0">
+                        <a:rPr lang="ru-RU" sz="1800" b="1" dirty="0">
                           <a:effectLst/>
                         </a:rPr>
                         <a:t>10 (40) Мбит/с</a:t>
@@ -16012,13 +15488,6 @@
   <p:clrMapOvr>
     <a:masterClrMapping/>
   </p:clrMapOvr>
-  <p:timing>
-    <p:tnLst>
-      <p:par>
-        <p:cTn id="1" dur="indefinite" restart="never" nodeType="tmRoot"/>
-      </p:par>
-    </p:tnLst>
-  </p:timing>
 </p:sld>
 </file>
 
@@ -16101,10 +15570,10 @@
               </a:spcBef>
             </a:pPr>
             <a:r>
-              <a:rPr lang="ru-RU" sz="2200" dirty="0" smtClean="0"/>
+              <a:rPr lang="ru-RU" sz="2200" dirty="0"/>
               <a:t>Бинарный – без протокола</a:t>
             </a:r>
-            <a:endParaRPr lang="en-US" sz="2200" dirty="0" smtClean="0"/>
+            <a:endParaRPr lang="en-US" sz="2200" dirty="0"/>
           </a:p>
           <a:p>
             <a:pPr>
@@ -16113,14 +15582,14 @@
               </a:spcBef>
             </a:pPr>
             <a:r>
-              <a:rPr lang="en-US" sz="2200" dirty="0" smtClean="0"/>
+              <a:rPr lang="en-US" sz="2200" dirty="0"/>
               <a:t>ASCII – </a:t>
             </a:r>
             <a:r>
-              <a:rPr lang="ru-RU" sz="2200" dirty="0" smtClean="0"/>
+              <a:rPr lang="ru-RU" sz="2200" dirty="0"/>
               <a:t>передача 7-ми битных символов</a:t>
             </a:r>
-            <a:endParaRPr lang="en-US" sz="2200" dirty="0" smtClean="0"/>
+            <a:endParaRPr lang="en-US" sz="2200" dirty="0"/>
           </a:p>
           <a:p>
             <a:pPr>
@@ -16129,39 +15598,23 @@
               </a:spcBef>
             </a:pPr>
             <a:r>
-              <a:rPr lang="en-US" sz="2200" dirty="0" smtClean="0"/>
+              <a:rPr lang="en-US" sz="2200" dirty="0"/>
               <a:t>NMEA - </a:t>
             </a:r>
             <a:r>
               <a:rPr lang="ru-RU" sz="2200" dirty="0"/>
-              <a:t> протокол связи </a:t>
-            </a:r>
-            <a:r>
-              <a:rPr lang="ru-RU" sz="2200" dirty="0" smtClean="0"/>
-              <a:t>навигационного</a:t>
+              <a:t> протокол связи навигационного</a:t>
             </a:r>
             <a:r>
               <a:rPr lang="en-US" sz="2200" dirty="0"/>
-              <a:t> </a:t>
-            </a:r>
-            <a:r>
-              <a:rPr lang="en-US" sz="2200" dirty="0" smtClean="0"/>
-              <a:t>( </a:t>
-            </a:r>
-            <a:r>
-              <a:rPr lang="ru-RU" sz="2200" dirty="0" smtClean="0"/>
-              <a:t>также морского) оборудования </a:t>
+              <a:t> ( </a:t>
             </a:r>
             <a:r>
               <a:rPr lang="ru-RU" sz="2200" dirty="0"/>
-              <a:t>между </a:t>
-            </a:r>
-            <a:r>
-              <a:rPr lang="ru-RU" sz="2200" dirty="0" smtClean="0"/>
-              <a:t>собой (напр. </a:t>
-            </a:r>
-            <a:r>
-              <a:rPr lang="en-US" sz="2200" dirty="0" smtClean="0"/>
+              <a:t>также морского) оборудования между собой (напр. </a:t>
+            </a:r>
+            <a:r>
+              <a:rPr lang="en-US" sz="2200" dirty="0"/>
               <a:t>GPS)</a:t>
             </a:r>
           </a:p>
@@ -16172,22 +15625,22 @@
               </a:spcBef>
             </a:pPr>
             <a:r>
-              <a:rPr lang="en-US" sz="2000" dirty="0" smtClean="0"/>
+              <a:rPr lang="en-US" sz="2000" dirty="0"/>
               <a:t>$ </a:t>
             </a:r>
             <a:r>
-              <a:rPr lang="ru-RU" sz="2000" dirty="0" smtClean="0"/>
+              <a:rPr lang="ru-RU" sz="2000" dirty="0"/>
               <a:t>ист. И формат сообщения, данные,</a:t>
             </a:r>
             <a:r>
-              <a:rPr lang="en-US" sz="2000" dirty="0" smtClean="0"/>
+              <a:rPr lang="en-US" sz="2000" dirty="0"/>
               <a:t>CRC</a:t>
             </a:r>
             <a:r>
-              <a:rPr lang="ru-RU" sz="2000" dirty="0" smtClean="0"/>
+              <a:rPr lang="ru-RU" sz="2000" dirty="0"/>
               <a:t>, окончание сообщения</a:t>
             </a:r>
-            <a:endParaRPr lang="en-US" sz="2000" dirty="0" smtClean="0"/>
+            <a:endParaRPr lang="en-US" sz="2000" dirty="0"/>
           </a:p>
           <a:p>
             <a:pPr>
@@ -16196,11 +15649,11 @@
               </a:spcBef>
             </a:pPr>
             <a:r>
-              <a:rPr lang="en-US" sz="2200" dirty="0" smtClean="0"/>
+              <a:rPr lang="en-US" sz="2200" dirty="0"/>
               <a:t>Modbus – </a:t>
             </a:r>
             <a:r>
-              <a:rPr lang="ru-RU" sz="2200" dirty="0" smtClean="0"/>
+              <a:rPr lang="ru-RU" sz="2200" dirty="0"/>
               <a:t>протокол связи устройств по принципу ведущий/ведомый</a:t>
             </a:r>
           </a:p>
@@ -16211,7 +15664,7 @@
               </a:spcBef>
             </a:pPr>
             <a:r>
-              <a:rPr lang="en-US" sz="2000" dirty="0" smtClean="0"/>
+              <a:rPr lang="en-US" sz="2000" dirty="0"/>
               <a:t>Modbus RTU</a:t>
             </a:r>
           </a:p>
@@ -16222,7 +15675,7 @@
               </a:spcBef>
             </a:pPr>
             <a:r>
-              <a:rPr lang="en-US" sz="2000" dirty="0" smtClean="0"/>
+              <a:rPr lang="en-US" sz="2000" dirty="0"/>
               <a:t>Modbus ASCII</a:t>
             </a:r>
           </a:p>
@@ -16233,10 +15686,10 @@
               </a:spcBef>
             </a:pPr>
             <a:r>
-              <a:rPr lang="en-US" sz="2000" dirty="0" smtClean="0"/>
+              <a:rPr lang="en-US" sz="2000" dirty="0"/>
               <a:t>Modbus TCP</a:t>
             </a:r>
-            <a:endParaRPr lang="ru-RU" sz="2000" dirty="0" smtClean="0"/>
+            <a:endParaRPr lang="ru-RU" sz="2000" dirty="0"/>
           </a:p>
           <a:p>
             <a:pPr lvl="1">
@@ -16245,11 +15698,11 @@
               </a:spcBef>
             </a:pPr>
             <a:r>
-              <a:rPr lang="ru-RU" sz="2000" dirty="0" smtClean="0"/>
+              <a:rPr lang="ru-RU" sz="2000" dirty="0"/>
               <a:t>Адрес, код команды, биты данных, </a:t>
             </a:r>
             <a:r>
-              <a:rPr lang="en-US" sz="2000" dirty="0" smtClean="0"/>
+              <a:rPr lang="en-US" sz="2000" dirty="0"/>
               <a:t>CRC</a:t>
             </a:r>
             <a:endParaRPr lang="ru-RU" sz="2000" dirty="0"/>
@@ -16266,13 +15719,6 @@
   <p:clrMapOvr>
     <a:masterClrMapping/>
   </p:clrMapOvr>
-  <p:timing>
-    <p:tnLst>
-      <p:par>
-        <p:cTn id="1" dur="indefinite" restart="never" nodeType="tmRoot"/>
-      </p:par>
-    </p:tnLst>
-  </p:timing>
 </p:sld>
 </file>
 
@@ -16309,11 +15755,11 @@
           <a:lstStyle/>
           <a:p>
             <a:r>
-              <a:rPr lang="ru-RU" dirty="0" smtClean="0"/>
+              <a:rPr lang="ru-RU" dirty="0"/>
               <a:t>Интерфейсы промышленных шин </a:t>
             </a:r>
             <a:r>
-              <a:rPr lang="en-US" dirty="0" smtClean="0"/>
+              <a:rPr lang="en-US" dirty="0"/>
               <a:t>(CAN, SPI, I2C, SD-12)</a:t>
             </a:r>
             <a:endParaRPr lang="ru-RU" dirty="0"/>
@@ -16338,15 +15784,15 @@
           <a:lstStyle/>
           <a:p>
             <a:r>
-              <a:rPr lang="ru-RU" b="1" dirty="0" smtClean="0"/>
+              <a:rPr lang="ru-RU" b="1" dirty="0"/>
               <a:t>Лекция </a:t>
             </a:r>
             <a:r>
-              <a:rPr lang="en-US" b="1" dirty="0" smtClean="0"/>
+              <a:rPr lang="en-US" b="1" dirty="0"/>
               <a:t>8</a:t>
             </a:r>
             <a:r>
-              <a:rPr lang="ru-RU" b="1" dirty="0" smtClean="0"/>
+              <a:rPr lang="ru-RU" b="1" dirty="0"/>
               <a:t>. Промышленные интерфейсы</a:t>
             </a:r>
           </a:p>
@@ -16368,13 +15814,6 @@
   <p:clrMapOvr>
     <a:masterClrMapping/>
   </p:clrMapOvr>
-  <p:timing>
-    <p:tnLst>
-      <p:par>
-        <p:cTn id="1" dur="indefinite" restart="never" nodeType="tmRoot"/>
-      </p:par>
-    </p:tnLst>
-  </p:timing>
 </p:sld>
 </file>
 
@@ -16418,10 +15857,9 @@
           <a:lstStyle/>
           <a:p>
             <a:r>
-              <a:rPr lang="ru-RU" dirty="0" smtClean="0"/>
+              <a:rPr lang="ru-RU" dirty="0"/>
               <a:t>Промышленные интерфейсы</a:t>
             </a:r>
-            <a:endParaRPr lang="ru-RU" dirty="0"/>
           </a:p>
         </p:txBody>
       </p:sp>
@@ -16453,14 +15891,9 @@
               </a:spcBef>
             </a:pPr>
             <a:r>
-              <a:rPr lang="ru-RU" sz="2200" dirty="0" smtClean="0"/>
-              <a:t>Используются для </a:t>
-            </a:r>
-            <a:r>
               <a:rPr lang="ru-RU" sz="2200" dirty="0"/>
-              <a:t>передачи данных между </a:t>
-            </a:r>
-            <a:endParaRPr lang="ru-RU" sz="2200" dirty="0" smtClean="0"/>
+              <a:t>Используются для передачи данных между </a:t>
+            </a:r>
           </a:p>
           <a:p>
             <a:pPr lvl="1">
@@ -16469,7 +15902,7 @@
               </a:spcBef>
             </a:pPr>
             <a:r>
-              <a:rPr lang="ru-RU" sz="2200" dirty="0" smtClean="0"/>
+              <a:rPr lang="ru-RU" sz="2200" dirty="0"/>
               <a:t>Телекоммуникационным оборудованием</a:t>
             </a:r>
           </a:p>
@@ -16480,15 +15913,15 @@
               </a:spcBef>
             </a:pPr>
             <a:r>
-              <a:rPr lang="ru-RU" sz="2200" dirty="0" smtClean="0"/>
+              <a:rPr lang="ru-RU" sz="2200" dirty="0"/>
               <a:t>Промышленными компьютерами и </a:t>
             </a:r>
             <a:r>
-              <a:rPr lang="ru-RU" sz="2200" dirty="0" err="1" smtClean="0"/>
+              <a:rPr lang="ru-RU" sz="2200" dirty="0" err="1"/>
               <a:t>микроЭВМ</a:t>
             </a:r>
             <a:r>
-              <a:rPr lang="ru-RU" sz="2200" dirty="0" smtClean="0"/>
+              <a:rPr lang="ru-RU" sz="2200" dirty="0"/>
               <a:t>, в том числе микроконтроллерами, </a:t>
             </a:r>
           </a:p>
@@ -16499,16 +15932,8 @@
               </a:spcBef>
             </a:pPr>
             <a:r>
-              <a:rPr lang="ru-RU" sz="2200" dirty="0" smtClean="0"/>
-              <a:t>исполнительными </a:t>
-            </a:r>
-            <a:r>
               <a:rPr lang="ru-RU" sz="2200" dirty="0"/>
-              <a:t>механизмами (ИМ</a:t>
-            </a:r>
-            <a:r>
-              <a:rPr lang="ru-RU" sz="2200" dirty="0" smtClean="0"/>
-              <a:t>);</a:t>
+              <a:t>исполнительными механизмами (ИМ);</a:t>
             </a:r>
           </a:p>
           <a:p>
@@ -16518,7 +15943,7 @@
               </a:spcBef>
             </a:pPr>
             <a:r>
-              <a:rPr lang="ru-RU" sz="2200" dirty="0" smtClean="0"/>
+              <a:rPr lang="ru-RU" sz="2200" dirty="0"/>
               <a:t>Системами сбора и хранения данных,</a:t>
             </a:r>
           </a:p>
@@ -16529,7 +15954,7 @@
               </a:spcBef>
             </a:pPr>
             <a:r>
-              <a:rPr lang="ru-RU" sz="2200" dirty="0" smtClean="0"/>
+              <a:rPr lang="ru-RU" sz="2200" dirty="0"/>
               <a:t>Датчиками (системами первичного сбора информации)</a:t>
             </a:r>
           </a:p>
@@ -16540,9 +15965,21 @@
               </a:spcBef>
             </a:pPr>
             <a:r>
-              <a:rPr lang="ru-RU" sz="2200" dirty="0" smtClean="0"/>
+              <a:rPr lang="ru-RU" sz="2200" dirty="0"/>
               <a:t>Бытовыми приборами.</a:t>
             </a:r>
+          </a:p>
+          <a:p>
+            <a:pPr lvl="1">
+              <a:spcBef>
+                <a:spcPts val="1200"/>
+              </a:spcBef>
+            </a:pPr>
+            <a:r>
+              <a:rPr lang="ru-RU" sz="2200"/>
+              <a:t>Встраиваемые устройства.</a:t>
+            </a:r>
+            <a:endParaRPr lang="ru-RU" sz="2200" dirty="0"/>
           </a:p>
         </p:txBody>
       </p:sp>
@@ -16556,13 +15993,6 @@
   <p:clrMapOvr>
     <a:masterClrMapping/>
   </p:clrMapOvr>
-  <p:timing>
-    <p:tnLst>
-      <p:par>
-        <p:cTn id="1" dur="indefinite" restart="never" nodeType="tmRoot"/>
-      </p:par>
-    </p:tnLst>
-  </p:timing>
 </p:sld>
 </file>
 
@@ -16606,11 +16036,11 @@
           <a:lstStyle/>
           <a:p>
             <a:r>
-              <a:rPr lang="ru-RU" sz="3600" b="1" dirty="0" smtClean="0"/>
+              <a:rPr lang="ru-RU" sz="3600" b="1" dirty="0"/>
               <a:t>Шина </a:t>
             </a:r>
             <a:r>
-              <a:rPr lang="en-US" sz="3600" b="1" dirty="0" smtClean="0"/>
+              <a:rPr lang="en-US" sz="3600" b="1" dirty="0"/>
               <a:t>CAN</a:t>
             </a:r>
             <a:endParaRPr lang="ru-RU" sz="3600" b="1" dirty="0"/>
@@ -16640,25 +16070,25 @@
           <a:lstStyle/>
           <a:p>
             <a:r>
-              <a:rPr lang="en-US" sz="2000" i="1" dirty="0" smtClean="0"/>
+              <a:rPr lang="en-US" sz="2000" i="1" dirty="0"/>
               <a:t>CAN </a:t>
             </a:r>
             <a:r>
-              <a:rPr lang="ru-RU" sz="2000" i="1" dirty="0" smtClean="0"/>
+              <a:rPr lang="ru-RU" sz="2000" i="1" dirty="0"/>
               <a:t>Промышленная сеть реального времени с общей средой передачи данных.</a:t>
             </a:r>
-            <a:endParaRPr lang="en-US" sz="2000" i="1" dirty="0" smtClean="0"/>
-          </a:p>
-          <a:p>
-            <a:r>
-              <a:rPr lang="ru-RU" sz="2000" b="1" dirty="0" smtClean="0"/>
+            <a:endParaRPr lang="en-US" sz="2000" i="1" dirty="0"/>
+          </a:p>
+          <a:p>
+            <a:r>
+              <a:rPr lang="ru-RU" sz="2000" b="1" dirty="0"/>
               <a:t>все узлы сети одновременно принимают сигналы передаваемые по шине. </a:t>
             </a:r>
-            <a:endParaRPr lang="en-US" sz="2000" b="1" dirty="0" smtClean="0"/>
-          </a:p>
-          <a:p>
-            <a:r>
-              <a:rPr lang="ru-RU" sz="2000" dirty="0" smtClean="0">
+            <a:endParaRPr lang="en-US" sz="2000" b="1" dirty="0"/>
+          </a:p>
+          <a:p>
+            <a:r>
+              <a:rPr lang="ru-RU" sz="2000" dirty="0">
                 <a:effectLst>
                   <a:outerShdw blurRad="38100" dist="38100" dir="2700000" algn="tl">
                     <a:srgbClr val="000000">
@@ -16670,7 +16100,7 @@
               <a:t>аппаратная фильтрация сообщений при помощи </a:t>
             </a:r>
             <a:r>
-              <a:rPr lang="en-US" sz="2000" dirty="0" smtClean="0">
+              <a:rPr lang="en-US" sz="2000" dirty="0">
                 <a:effectLst>
                   <a:outerShdw blurRad="38100" dist="38100" dir="2700000" algn="tl">
                     <a:srgbClr val="000000">
@@ -16682,7 +16112,7 @@
               <a:t>CAN </a:t>
             </a:r>
             <a:r>
-              <a:rPr lang="ru-RU" sz="2000" dirty="0" smtClean="0">
+              <a:rPr lang="ru-RU" sz="2000" dirty="0">
                 <a:effectLst>
                   <a:outerShdw blurRad="38100" dist="38100" dir="2700000" algn="tl">
                     <a:srgbClr val="000000">
@@ -16696,7 +16126,7 @@
           </a:p>
           <a:p>
             <a:r>
-              <a:rPr lang="ru-RU" sz="2000" u="sng" dirty="0" smtClean="0"/>
+              <a:rPr lang="ru-RU" sz="2000" u="sng" dirty="0"/>
               <a:t>Физический (канальный) и программный уровни передачи данных.</a:t>
             </a:r>
           </a:p>
@@ -16786,35 +16216,19 @@
               <a:rPr lang="ru-RU" i="1" dirty="0"/>
               <a:t>в качестве среды передачи двухпроводная </a:t>
             </a:r>
-            <a:r>
-              <a:rPr lang="ru-RU" i="1" dirty="0" smtClean="0"/>
-              <a:t/>
-            </a:r>
             <a:br>
-              <a:rPr lang="ru-RU" i="1" dirty="0" smtClean="0"/>
+              <a:rPr lang="ru-RU" i="1" dirty="0"/>
             </a:br>
             <a:r>
-              <a:rPr lang="ru-RU" i="1" dirty="0" smtClean="0"/>
-              <a:t>дифференциальная </a:t>
-            </a:r>
-            <a:r>
               <a:rPr lang="ru-RU" i="1" dirty="0"/>
-              <a:t>линия с импедансом (терминаторы) </a:t>
-            </a:r>
-            <a:r>
-              <a:rPr lang="ru-RU" i="1" dirty="0" smtClean="0"/>
-              <a:t/>
+              <a:t>дифференциальная линия с импедансом (терминаторы) </a:t>
             </a:r>
             <a:br>
-              <a:rPr lang="ru-RU" i="1" dirty="0" smtClean="0"/>
+              <a:rPr lang="ru-RU" i="1" dirty="0"/>
             </a:br>
             <a:r>
-              <a:rPr lang="ru-RU" i="1" dirty="0" smtClean="0"/>
-              <a:t>120 </a:t>
-            </a:r>
-            <a:r>
               <a:rPr lang="ru-RU" i="1" dirty="0"/>
-              <a:t>Ом . </a:t>
+              <a:t>120 Ом . </a:t>
             </a:r>
           </a:p>
         </p:txBody>
@@ -16883,13 +16297,6 @@
   <p:clrMapOvr>
     <a:masterClrMapping/>
   </p:clrMapOvr>
-  <p:timing>
-    <p:tnLst>
-      <p:par>
-        <p:cTn id="1" dur="indefinite" restart="never" nodeType="tmRoot"/>
-      </p:par>
-    </p:tnLst>
-  </p:timing>
 </p:sld>
 </file>
 
@@ -16933,18 +16340,17 @@
           <a:lstStyle/>
           <a:p>
             <a:r>
-              <a:rPr lang="ru-RU" sz="3600" b="1" dirty="0" smtClean="0"/>
+              <a:rPr lang="ru-RU" sz="3600" b="1" dirty="0"/>
               <a:t>Шина </a:t>
             </a:r>
             <a:r>
-              <a:rPr lang="en-US" sz="3600" b="1" dirty="0" smtClean="0"/>
+              <a:rPr lang="en-US" sz="3600" b="1" dirty="0"/>
               <a:t>SPI</a:t>
             </a:r>
             <a:r>
-              <a:rPr lang="ru-RU" sz="3600" b="1" dirty="0" smtClean="0"/>
+              <a:rPr lang="ru-RU" sz="3600" b="1" dirty="0"/>
               <a:t>. </a:t>
             </a:r>
-            <a:endParaRPr lang="ru-RU" sz="3600" b="1" dirty="0"/>
           </a:p>
         </p:txBody>
       </p:sp>
@@ -16999,69 +16405,32 @@
               <a:t>» </a:t>
             </a:r>
             <a:r>
-              <a:rPr lang="en-US" sz="2200" i="1" dirty="0" smtClean="0"/>
+              <a:rPr lang="en-US" sz="2200" i="1" dirty="0"/>
               <a:t>- </a:t>
             </a:r>
             <a:r>
-              <a:rPr lang="ru-RU" sz="2200" i="1" dirty="0" smtClean="0"/>
-              <a:t>«</a:t>
-            </a:r>
-            <a:r>
               <a:rPr lang="ru-RU" sz="2200" i="1" dirty="0"/>
-              <a:t>последовательный </a:t>
-            </a:r>
-            <a:r>
-              <a:rPr lang="ru-RU" sz="2200" i="1" dirty="0" smtClean="0"/>
-              <a:t>периферийный </a:t>
+              <a:t>«последовательный периферийный интерфейс»</a:t>
+            </a:r>
+            <a:r>
+              <a:rPr lang="en-US" sz="2200" i="1" dirty="0"/>
+              <a:t> </a:t>
             </a:r>
             <a:r>
               <a:rPr lang="ru-RU" sz="2200" i="1" dirty="0"/>
-              <a:t>интерфейс</a:t>
-            </a:r>
-            <a:r>
-              <a:rPr lang="ru-RU" sz="2200" i="1" dirty="0" smtClean="0"/>
-              <a:t>»</a:t>
-            </a:r>
-            <a:r>
-              <a:rPr lang="en-US" sz="2200" i="1" dirty="0" smtClean="0"/>
-              <a:t> </a:t>
-            </a:r>
-            <a:r>
-              <a:rPr lang="ru-RU" sz="2200" i="1" dirty="0"/>
-              <a:t>синхронная четырёхпроводная </a:t>
-            </a:r>
-            <a:r>
-              <a:rPr lang="ru-RU" sz="2200" i="1" dirty="0" smtClean="0"/>
-              <a:t>шина</a:t>
+              <a:t>синхронная четырёхпроводная шина</a:t>
             </a:r>
             <a:endParaRPr lang="en-US" sz="2200" i="1" dirty="0"/>
           </a:p>
           <a:p>
             <a:r>
               <a:rPr lang="ru-RU" sz="2000" b="1" dirty="0"/>
-              <a:t>используется </a:t>
-            </a:r>
-            <a:r>
-              <a:rPr lang="ru-RU" sz="2000" b="1" dirty="0" smtClean="0"/>
-              <a:t>конфигураци</a:t>
-            </a:r>
-            <a:r>
-              <a:rPr lang="ru-RU" sz="2000" b="1" dirty="0"/>
-              <a:t>я</a:t>
-            </a:r>
-            <a:r>
-              <a:rPr lang="ru-RU" sz="2000" b="1" dirty="0" smtClean="0"/>
-              <a:t> </a:t>
-            </a:r>
-            <a:r>
-              <a:rPr lang="ru-RU" sz="2000" b="1" dirty="0"/>
-              <a:t>ведущий/ведомый</a:t>
+              <a:t>используется конфигурация ведущий/ведомый</a:t>
             </a:r>
             <a:r>
               <a:rPr lang="ru-RU" sz="2000" dirty="0"/>
               <a:t>. </a:t>
             </a:r>
-            <a:endParaRPr lang="ru-RU" sz="2000" dirty="0" smtClean="0"/>
           </a:p>
           <a:p>
             <a:pPr lvl="1">
@@ -17070,14 +16439,9 @@
               </a:spcBef>
             </a:pPr>
             <a:r>
-              <a:rPr lang="ru-RU" sz="2000" dirty="0" smtClean="0"/>
-              <a:t>Ведущий </a:t>
-            </a:r>
-            <a:r>
               <a:rPr lang="ru-RU" sz="2000" dirty="0"/>
-              <a:t>может генерировать импульсы синхронизации. </a:t>
-            </a:r>
-            <a:endParaRPr lang="ru-RU" sz="2000" dirty="0" smtClean="0"/>
+              <a:t>Ведущий может генерировать импульсы синхронизации. </a:t>
+            </a:r>
           </a:p>
           <a:p>
             <a:pPr lvl="1">
@@ -17086,24 +16450,8 @@
               </a:spcBef>
             </a:pPr>
             <a:r>
-              <a:rPr lang="ru-RU" sz="2000" dirty="0" smtClean="0"/>
-              <a:t>В </a:t>
-            </a:r>
-            <a:r>
               <a:rPr lang="ru-RU" sz="2000" dirty="0"/>
-              <a:t>схеме </a:t>
-            </a:r>
-            <a:r>
-              <a:rPr lang="ru-RU" sz="2000" dirty="0" smtClean="0"/>
-              <a:t>всегда </a:t>
-            </a:r>
-            <a:r>
-              <a:rPr lang="ru-RU" sz="2000" dirty="0"/>
-              <a:t>только один </a:t>
-            </a:r>
-            <a:r>
-              <a:rPr lang="ru-RU" sz="2000" dirty="0" smtClean="0"/>
-              <a:t>ведущий</a:t>
+              <a:t>В схеме всегда только один ведущий</a:t>
             </a:r>
           </a:p>
           <a:p>
@@ -17114,13 +16462,8 @@
             </a:pPr>
             <a:r>
               <a:rPr lang="ru-RU" sz="2000" dirty="0"/>
-              <a:t>Шина SPI обеспечивает полнодуплексную синхронную связь между ведущим и ведомым </a:t>
-            </a:r>
-            <a:r>
-              <a:rPr lang="ru-RU" sz="2000" dirty="0" smtClean="0"/>
-              <a:t>устройствами</a:t>
-            </a:r>
-            <a:endParaRPr lang="ru-RU" sz="2000" dirty="0"/>
+              <a:t>Шина SPI обеспечивает полнодуплексную синхронную связь между ведущим и ведомым устройствами</a:t>
+            </a:r>
           </a:p>
         </p:txBody>
       </p:sp>
@@ -17147,17 +16490,16 @@
           <a:lstStyle/>
           <a:p>
             <a:r>
-              <a:rPr lang="ru-RU" dirty="0" smtClean="0"/>
+              <a:rPr lang="ru-RU" dirty="0"/>
               <a:t>Простое </a:t>
             </a:r>
             <a:br>
-              <a:rPr lang="ru-RU" dirty="0" smtClean="0"/>
+              <a:rPr lang="ru-RU" dirty="0"/>
             </a:br>
             <a:r>
-              <a:rPr lang="ru-RU" dirty="0" smtClean="0"/>
+              <a:rPr lang="ru-RU" dirty="0"/>
               <a:t>подключение</a:t>
             </a:r>
-            <a:endParaRPr lang="ru-RU" dirty="0"/>
           </a:p>
         </p:txBody>
       </p:sp>
@@ -17213,13 +16555,6 @@
   <p:clrMapOvr>
     <a:masterClrMapping/>
   </p:clrMapOvr>
-  <p:timing>
-    <p:tnLst>
-      <p:par>
-        <p:cTn id="1" dur="indefinite" restart="never" nodeType="tmRoot"/>
-      </p:par>
-    </p:tnLst>
-  </p:timing>
 </p:sld>
 </file>
 
@@ -17263,18 +16598,17 @@
           <a:lstStyle/>
           <a:p>
             <a:r>
-              <a:rPr lang="ru-RU" sz="3600" b="1" dirty="0" smtClean="0"/>
+              <a:rPr lang="ru-RU" sz="3600" b="1" dirty="0"/>
               <a:t>Шина </a:t>
             </a:r>
             <a:r>
-              <a:rPr lang="en-US" sz="3600" b="1" dirty="0" smtClean="0"/>
+              <a:rPr lang="en-US" sz="3600" b="1" dirty="0"/>
               <a:t>SPI</a:t>
             </a:r>
             <a:r>
-              <a:rPr lang="ru-RU" sz="3600" b="1" dirty="0" smtClean="0"/>
+              <a:rPr lang="ru-RU" sz="3600" b="1" dirty="0"/>
               <a:t>. Особенности</a:t>
             </a:r>
-            <a:endParaRPr lang="ru-RU" sz="3600" b="1" dirty="0"/>
           </a:p>
         </p:txBody>
       </p:sp>
@@ -17306,7 +16640,7 @@
               </a:spcBef>
             </a:pPr>
             <a:r>
-              <a:rPr lang="ru-RU" sz="2000" b="1" dirty="0" smtClean="0"/>
+              <a:rPr lang="ru-RU" sz="2000" b="1" dirty="0"/>
               <a:t>Полно-дуплексный режим</a:t>
             </a:r>
           </a:p>
@@ -17317,12 +16651,8 @@
               </a:spcBef>
             </a:pPr>
             <a:r>
-              <a:rPr lang="ru-RU" sz="2000" dirty="0" smtClean="0"/>
-              <a:t>высокая </a:t>
-            </a:r>
-            <a:r>
               <a:rPr lang="ru-RU" sz="2000" dirty="0"/>
-              <a:t>надежность </a:t>
+              <a:t>высокая надежность </a:t>
             </a:r>
           </a:p>
           <a:p>
@@ -17332,12 +16662,8 @@
               </a:spcBef>
             </a:pPr>
             <a:r>
-              <a:rPr lang="ru-RU" sz="2000" dirty="0" smtClean="0"/>
-              <a:t>Все </a:t>
-            </a:r>
-            <a:r>
               <a:rPr lang="ru-RU" sz="2000" dirty="0"/>
-              <a:t>линии шины SPI являются однонаправленными, </a:t>
+              <a:t>Все линии шины SPI являются однонаправленными, </a:t>
             </a:r>
           </a:p>
           <a:p>
@@ -17347,14 +16673,9 @@
               </a:spcBef>
             </a:pPr>
             <a:r>
-              <a:rPr lang="ru-RU" sz="2000" dirty="0" smtClean="0"/>
-              <a:t>простое преобразование логических </a:t>
-            </a:r>
-            <a:r>
               <a:rPr lang="ru-RU" sz="2000" dirty="0"/>
-              <a:t>уровней </a:t>
-            </a:r>
-            <a:endParaRPr lang="ru-RU" sz="2000" dirty="0" smtClean="0"/>
+              <a:t>простое преобразование логических уровней </a:t>
+            </a:r>
           </a:p>
           <a:p>
             <a:pPr>
@@ -17378,12 +16699,8 @@
               </a:spcBef>
             </a:pPr>
             <a:r>
-              <a:rPr lang="ru-RU" sz="2000" b="1" dirty="0" smtClean="0"/>
-              <a:t>Простота использования протокола </a:t>
-            </a:r>
-            <a:r>
               <a:rPr lang="ru-RU" sz="2000" b="1" dirty="0"/>
-              <a:t>SPI</a:t>
+              <a:t>Простота использования протокола SPI</a:t>
             </a:r>
             <a:r>
               <a:rPr lang="ru-RU" sz="2000" dirty="0"/>
@@ -17397,26 +16714,13 @@
               </a:spcBef>
             </a:pPr>
             <a:r>
-              <a:rPr lang="ru-RU" sz="2000" b="1" dirty="0" smtClean="0"/>
-              <a:t>Используется </a:t>
-            </a:r>
-            <a:r>
               <a:rPr lang="ru-RU" sz="2000" b="1" dirty="0"/>
-              <a:t>для потоковой передачи </a:t>
-            </a:r>
-            <a:r>
-              <a:rPr lang="ru-RU" sz="2000" b="1" dirty="0" smtClean="0"/>
-              <a:t>больших </a:t>
-            </a:r>
-            <a:r>
-              <a:rPr lang="ru-RU" sz="2000" b="1" dirty="0"/>
-              <a:t>объемов данных</a:t>
+              <a:t>Используется для потоковой передачи больших объемов данных</a:t>
             </a:r>
             <a:r>
               <a:rPr lang="ru-RU" sz="2000" dirty="0"/>
               <a:t> (напр. </a:t>
             </a:r>
-            <a:endParaRPr lang="ru-RU" sz="2000" dirty="0" smtClean="0"/>
           </a:p>
           <a:p>
             <a:pPr lvl="2">
@@ -17425,16 +16729,8 @@
               </a:spcBef>
             </a:pPr>
             <a:r>
-              <a:rPr lang="ru-RU" sz="1800" dirty="0" smtClean="0"/>
-              <a:t>в </a:t>
-            </a:r>
-            <a:r>
               <a:rPr lang="ru-RU" sz="1800" dirty="0"/>
-              <a:t>аппаратных </a:t>
-            </a:r>
-            <a:r>
-              <a:rPr lang="ru-RU" sz="1800" dirty="0" smtClean="0"/>
-              <a:t>драйверах,</a:t>
+              <a:t>в аппаратных драйверах,</a:t>
             </a:r>
           </a:p>
           <a:p>
@@ -17444,14 +16740,9 @@
               </a:spcBef>
             </a:pPr>
             <a:r>
-              <a:rPr lang="ru-RU" sz="1800" dirty="0" smtClean="0"/>
-              <a:t>микросхемах </a:t>
-            </a:r>
-            <a:r>
               <a:rPr lang="ru-RU" sz="1800" dirty="0"/>
-              <a:t>памяти, </a:t>
-            </a:r>
-            <a:endParaRPr lang="ru-RU" sz="1800" dirty="0" smtClean="0"/>
+              <a:t>микросхемах памяти, </a:t>
+            </a:r>
           </a:p>
           <a:p>
             <a:pPr lvl="2">
@@ -17460,14 +16751,9 @@
               </a:spcBef>
             </a:pPr>
             <a:r>
-              <a:rPr lang="ru-RU" sz="1800" dirty="0" smtClean="0"/>
-              <a:t>ЦАП/АЦП</a:t>
-            </a:r>
-            <a:r>
               <a:rPr lang="ru-RU" sz="1800" dirty="0"/>
-              <a:t>, </a:t>
-            </a:r>
-            <a:endParaRPr lang="ru-RU" sz="1800" dirty="0" smtClean="0"/>
+              <a:t>ЦАП/АЦП, </a:t>
+            </a:r>
           </a:p>
           <a:p>
             <a:pPr lvl="2">
@@ -17476,19 +16762,15 @@
               </a:spcBef>
             </a:pPr>
             <a:r>
-              <a:rPr lang="ru-RU" sz="1800" dirty="0" smtClean="0"/>
-              <a:t>дисплеях </a:t>
-            </a:r>
-            <a:r>
               <a:rPr lang="ru-RU" sz="1800" dirty="0"/>
-              <a:t>и </a:t>
+              <a:t>дисплеях и </a:t>
             </a:r>
             <a:r>
               <a:rPr lang="ru-RU" sz="1800" dirty="0" err="1"/>
               <a:t>тп</a:t>
             </a:r>
             <a:r>
-              <a:rPr lang="ru-RU" sz="1800" dirty="0" smtClean="0"/>
+              <a:rPr lang="ru-RU" sz="1800" dirty="0"/>
               <a:t>)</a:t>
             </a:r>
           </a:p>
@@ -17499,25 +16781,17 @@
               </a:spcBef>
             </a:pPr>
             <a:r>
-              <a:rPr lang="ru-RU" sz="2000" b="1" dirty="0" smtClean="0"/>
+              <a:rPr lang="ru-RU" sz="2000" b="1" dirty="0"/>
               <a:t>Шина </a:t>
             </a:r>
             <a:r>
-              <a:rPr lang="en-US" sz="2000" b="1" dirty="0" smtClean="0"/>
+              <a:rPr lang="en-US" sz="2000" b="1" dirty="0"/>
               <a:t>SPI </a:t>
             </a:r>
             <a:r>
-              <a:rPr lang="ru-RU" sz="2000" b="1" dirty="0" smtClean="0"/>
+              <a:rPr lang="ru-RU" sz="2000" b="1" dirty="0"/>
               <a:t>не имеет строгого задокументированного стандарта.</a:t>
             </a:r>
-          </a:p>
-          <a:p>
-            <a:pPr>
-              <a:spcBef>
-                <a:spcPts val="1200"/>
-              </a:spcBef>
-            </a:pPr>
-            <a:endParaRPr lang="ru-RU" sz="2000" dirty="0" smtClean="0"/>
           </a:p>
           <a:p>
             <a:pPr>
@@ -17528,7 +16802,15 @@
             <a:endParaRPr lang="ru-RU" sz="2000" dirty="0"/>
           </a:p>
           <a:p>
-            <a:endParaRPr lang="en-US" sz="1800" dirty="0" smtClean="0"/>
+            <a:pPr>
+              <a:spcBef>
+                <a:spcPts val="1200"/>
+              </a:spcBef>
+            </a:pPr>
+            <a:endParaRPr lang="ru-RU" sz="2000" dirty="0"/>
+          </a:p>
+          <a:p>
+            <a:endParaRPr lang="en-US" sz="1800" dirty="0"/>
           </a:p>
         </p:txBody>
       </p:sp>
@@ -17542,13 +16824,6 @@
   <p:clrMapOvr>
     <a:masterClrMapping/>
   </p:clrMapOvr>
-  <p:timing>
-    <p:tnLst>
-      <p:par>
-        <p:cTn id="1" dur="indefinite" restart="never" nodeType="tmRoot"/>
-      </p:par>
-    </p:tnLst>
-  </p:timing>
 </p:sld>
 </file>
 
@@ -17592,18 +16867,17 @@
           <a:lstStyle/>
           <a:p>
             <a:r>
-              <a:rPr lang="ru-RU" sz="3600" b="1" dirty="0" smtClean="0"/>
+              <a:rPr lang="ru-RU" sz="3600" b="1" dirty="0"/>
               <a:t>Шина </a:t>
             </a:r>
             <a:r>
-              <a:rPr lang="en-US" sz="3600" b="1" dirty="0" smtClean="0"/>
+              <a:rPr lang="en-US" sz="3600" b="1" dirty="0"/>
               <a:t>SPI</a:t>
             </a:r>
             <a:r>
-              <a:rPr lang="ru-RU" sz="3600" b="1" dirty="0" smtClean="0"/>
+              <a:rPr lang="ru-RU" sz="3600" b="1" dirty="0"/>
               <a:t>.Линии </a:t>
             </a:r>
-            <a:endParaRPr lang="ru-RU" sz="3600" b="1" dirty="0"/>
           </a:p>
         </p:txBody>
       </p:sp>
@@ -17635,7 +16909,7 @@
               </a:spcBef>
             </a:pPr>
             <a:r>
-              <a:rPr lang="ru-RU" sz="2200" b="1" dirty="0" smtClean="0"/>
+              <a:rPr lang="ru-RU" sz="2200" b="1" dirty="0"/>
               <a:t>MOSI</a:t>
             </a:r>
             <a:r>
@@ -17648,14 +16922,10 @@
             </a:r>
             <a:r>
               <a:rPr lang="ru-RU" sz="2200" dirty="0"/>
-              <a:t> — выход ведущего, вход ведомого </a:t>
-            </a:r>
-            <a:r>
-              <a:rPr lang="ru-RU" sz="2200" dirty="0" smtClean="0"/>
-              <a:t>(</a:t>
-            </a:r>
-            <a:r>
-              <a:rPr lang="ru-RU" sz="2200" i="1" dirty="0" err="1" smtClean="0"/>
+              <a:t> — выход ведущего, вход ведомого (</a:t>
+            </a:r>
+            <a:r>
+              <a:rPr lang="ru-RU" sz="2200" i="1" dirty="0" err="1"/>
               <a:t>MasterOutSlaveIn</a:t>
             </a:r>
             <a:r>
@@ -17683,14 +16953,10 @@
             </a:r>
             <a:r>
               <a:rPr lang="ru-RU" sz="2200" dirty="0"/>
-              <a:t> — вход ведущего, выход ведомого </a:t>
-            </a:r>
-            <a:r>
-              <a:rPr lang="ru-RU" sz="2200" dirty="0" smtClean="0"/>
-              <a:t>(</a:t>
-            </a:r>
-            <a:r>
-              <a:rPr lang="ru-RU" sz="2200" i="1" dirty="0" err="1" smtClean="0"/>
+              <a:t> — вход ведущего, выход ведомого (</a:t>
+            </a:r>
+            <a:r>
+              <a:rPr lang="ru-RU" sz="2200" i="1" dirty="0" err="1"/>
               <a:t>MasterInSlaveOut</a:t>
             </a:r>
             <a:r>
@@ -17718,14 +16984,10 @@
             </a:r>
             <a:r>
               <a:rPr lang="ru-RU" sz="2200" dirty="0"/>
-              <a:t> — последовательный тактовый сигнал </a:t>
-            </a:r>
-            <a:r>
-              <a:rPr lang="ru-RU" sz="2200" dirty="0" smtClean="0"/>
-              <a:t>(</a:t>
-            </a:r>
-            <a:r>
-              <a:rPr lang="ru-RU" sz="2200" i="1" dirty="0" err="1" smtClean="0"/>
+              <a:t> — последовательный тактовый сигнал (</a:t>
+            </a:r>
+            <a:r>
+              <a:rPr lang="ru-RU" sz="2200" i="1" dirty="0" err="1"/>
               <a:t>SerialClock</a:t>
             </a:r>
             <a:r>
@@ -17753,18 +17015,14 @@
             </a:r>
             <a:r>
               <a:rPr lang="ru-RU" sz="2200" dirty="0"/>
-              <a:t> — выбор микросхемы, выбор ведомого </a:t>
-            </a:r>
-            <a:r>
-              <a:rPr lang="ru-RU" sz="2200" dirty="0" smtClean="0"/>
-              <a:t>(</a:t>
-            </a:r>
-            <a:r>
-              <a:rPr lang="ru-RU" sz="2200" i="1" dirty="0" err="1" smtClean="0"/>
+              <a:t> — выбор микросхемы, выбор ведомого (</a:t>
+            </a:r>
+            <a:r>
+              <a:rPr lang="ru-RU" sz="2200" i="1" dirty="0" err="1"/>
               <a:t>Chip</a:t>
             </a:r>
             <a:r>
-              <a:rPr lang="ru-RU" sz="2200" i="1" dirty="0" smtClean="0"/>
+              <a:rPr lang="ru-RU" sz="2200" i="1" dirty="0"/>
               <a:t> </a:t>
             </a:r>
             <a:r>
@@ -17812,7 +17070,7 @@
           <p:nvPr/>
         </p:nvPicPr>
         <p:blipFill>
-          <a:blip r:embed="rId2">
+          <a:blip r:embed="rId3">
             <a:extLst>
               <a:ext uri="{28A0092B-C50C-407E-A947-70E740481C1C}">
                 <a14:useLocalDpi xmlns:a14="http://schemas.microsoft.com/office/drawing/2010/main" val="0"/>
@@ -17854,13 +17112,6 @@
   <p:clrMapOvr>
     <a:masterClrMapping/>
   </p:clrMapOvr>
-  <p:timing>
-    <p:tnLst>
-      <p:par>
-        <p:cTn id="1" dur="indefinite" restart="never" nodeType="tmRoot"/>
-      </p:par>
-    </p:tnLst>
-  </p:timing>
 </p:sld>
 </file>
 
@@ -17904,18 +17155,17 @@
           <a:lstStyle/>
           <a:p>
             <a:r>
-              <a:rPr lang="ru-RU" sz="3600" b="1" dirty="0" smtClean="0"/>
+              <a:rPr lang="ru-RU" sz="3600" b="1" dirty="0"/>
               <a:t>Шина </a:t>
             </a:r>
             <a:r>
-              <a:rPr lang="en-US" sz="3600" b="1" dirty="0" smtClean="0"/>
+              <a:rPr lang="en-US" sz="3600" b="1" dirty="0"/>
               <a:t>SPI</a:t>
             </a:r>
             <a:r>
-              <a:rPr lang="ru-RU" sz="3600" b="1" dirty="0" smtClean="0"/>
+              <a:rPr lang="ru-RU" sz="3600" b="1" dirty="0"/>
               <a:t>. 4 режима</a:t>
             </a:r>
-            <a:endParaRPr lang="ru-RU" sz="3600" b="1" dirty="0"/>
           </a:p>
         </p:txBody>
       </p:sp>
@@ -17947,20 +17197,12 @@
               </a:lnSpc>
             </a:pPr>
             <a:r>
-              <a:rPr lang="ru-RU" sz="2000" dirty="0" smtClean="0"/>
-              <a:t>режим </a:t>
-            </a:r>
-            <a:r>
               <a:rPr lang="ru-RU" sz="2000" dirty="0"/>
-              <a:t>0 (</a:t>
+              <a:t>режим 0 (</a:t>
             </a:r>
             <a:r>
               <a:rPr lang="en-US" sz="2000" dirty="0"/>
-              <a:t>CPOL = 0, CPHA = 0</a:t>
-            </a:r>
-            <a:r>
-              <a:rPr lang="en-US" sz="2000" dirty="0" smtClean="0"/>
-              <a:t>);</a:t>
+              <a:t>CPOL = 0, CPHA = 0);</a:t>
             </a:r>
           </a:p>
           <a:p>
@@ -17970,14 +17212,14 @@
               </a:lnSpc>
             </a:pPr>
             <a:r>
-              <a:rPr lang="ru-RU" sz="2000" dirty="0" smtClean="0"/>
+              <a:rPr lang="ru-RU" sz="2000" dirty="0"/>
               <a:t>Передний фронт нарастающий,</a:t>
             </a:r>
             <a:br>
-              <a:rPr lang="ru-RU" sz="2000" dirty="0" smtClean="0"/>
+              <a:rPr lang="ru-RU" sz="2000" dirty="0"/>
             </a:br>
             <a:r>
-              <a:rPr lang="ru-RU" sz="2000" dirty="0" smtClean="0"/>
+              <a:rPr lang="ru-RU" sz="2000" dirty="0"/>
               <a:t> выборка данных по переднему фронту</a:t>
             </a:r>
             <a:endParaRPr lang="en-US" sz="2000" dirty="0"/>
@@ -17994,13 +17236,9 @@
             </a:r>
             <a:r>
               <a:rPr lang="en-US" sz="2000" dirty="0"/>
-              <a:t>CPOL = 0, CPHA = 1</a:t>
-            </a:r>
-            <a:r>
-              <a:rPr lang="en-US" sz="2000" dirty="0" smtClean="0"/>
-              <a:t>);</a:t>
-            </a:r>
-            <a:endParaRPr lang="ru-RU" sz="2000" dirty="0" smtClean="0"/>
+              <a:t>CPOL = 0, CPHA = 1);</a:t>
+            </a:r>
+            <a:endParaRPr lang="ru-RU" sz="2000" dirty="0"/>
           </a:p>
           <a:p>
             <a:pPr lvl="1">
@@ -18017,11 +17255,7 @@
             </a:br>
             <a:r>
               <a:rPr lang="ru-RU" sz="2000" dirty="0"/>
-              <a:t> выборка данных по </a:t>
-            </a:r>
-            <a:r>
-              <a:rPr lang="ru-RU" sz="2000" dirty="0" smtClean="0"/>
-              <a:t>заднему фронту</a:t>
+              <a:t> выборка данных по заднему фронту</a:t>
             </a:r>
             <a:endParaRPr lang="en-US" sz="2000" dirty="0"/>
           </a:p>
@@ -18032,22 +17266,14 @@
               </a:lnSpc>
             </a:pPr>
             <a:r>
-              <a:rPr lang="ru-RU" sz="2000" dirty="0" smtClean="0"/>
-              <a:t>режим </a:t>
-            </a:r>
-            <a:r>
               <a:rPr lang="ru-RU" sz="2000" dirty="0"/>
-              <a:t>2 (</a:t>
+              <a:t>режим 2 (</a:t>
             </a:r>
             <a:r>
               <a:rPr lang="en-US" sz="2000" dirty="0"/>
-              <a:t>CPOL = 1, CPHA = 0</a:t>
-            </a:r>
-            <a:r>
-              <a:rPr lang="en-US" sz="2000" dirty="0" smtClean="0"/>
-              <a:t>);</a:t>
-            </a:r>
-            <a:endParaRPr lang="ru-RU" sz="2000" dirty="0" smtClean="0"/>
+              <a:t>CPOL = 1, CPHA = 0);</a:t>
+            </a:r>
+            <a:endParaRPr lang="ru-RU" sz="2000" dirty="0"/>
           </a:p>
           <a:p>
             <a:pPr lvl="1">
@@ -18075,22 +17301,14 @@
               </a:lnSpc>
             </a:pPr>
             <a:r>
-              <a:rPr lang="ru-RU" sz="2000" dirty="0" smtClean="0"/>
-              <a:t>режим </a:t>
-            </a:r>
-            <a:r>
               <a:rPr lang="ru-RU" sz="2000" dirty="0"/>
-              <a:t>3 (</a:t>
+              <a:t>режим 3 (</a:t>
             </a:r>
             <a:r>
               <a:rPr lang="en-US" sz="2000" dirty="0"/>
-              <a:t>CPOL = 1, CPHA = 1</a:t>
-            </a:r>
-            <a:r>
-              <a:rPr lang="en-US" sz="2000" dirty="0" smtClean="0"/>
-              <a:t>).</a:t>
-            </a:r>
-            <a:endParaRPr lang="ru-RU" sz="2000" dirty="0" smtClean="0"/>
+              <a:t>CPOL = 1, CPHA = 1).</a:t>
+            </a:r>
+            <a:endParaRPr lang="ru-RU" sz="2000" dirty="0"/>
           </a:p>
           <a:p>
             <a:pPr lvl="1">
@@ -18107,11 +17325,7 @@
             </a:br>
             <a:r>
               <a:rPr lang="ru-RU" sz="2000" dirty="0"/>
-              <a:t> выборка данных по </a:t>
-            </a:r>
-            <a:r>
-              <a:rPr lang="ru-RU" sz="2000" dirty="0" smtClean="0"/>
-              <a:t>заднему фронту</a:t>
+              <a:t> выборка данных по заднему фронту</a:t>
             </a:r>
           </a:p>
         </p:txBody>
@@ -18286,13 +17500,6 @@
   <p:clrMapOvr>
     <a:masterClrMapping/>
   </p:clrMapOvr>
-  <p:timing>
-    <p:tnLst>
-      <p:par>
-        <p:cTn id="1" dur="indefinite" restart="never" nodeType="tmRoot"/>
-      </p:par>
-    </p:tnLst>
-  </p:timing>
 </p:sld>
 </file>
 
@@ -18336,18 +17543,17 @@
           <a:lstStyle/>
           <a:p>
             <a:r>
-              <a:rPr lang="ru-RU" sz="3600" b="1" dirty="0" smtClean="0"/>
+              <a:rPr lang="ru-RU" sz="3600" b="1" dirty="0"/>
               <a:t>Шина </a:t>
             </a:r>
             <a:r>
-              <a:rPr lang="en-US" sz="3600" b="1" dirty="0" smtClean="0"/>
+              <a:rPr lang="en-US" sz="3600" b="1" dirty="0"/>
               <a:t>SPI</a:t>
             </a:r>
             <a:r>
-              <a:rPr lang="ru-RU" sz="3600" b="1" dirty="0" smtClean="0"/>
+              <a:rPr lang="ru-RU" sz="3600" b="1" dirty="0"/>
               <a:t>. Топологии </a:t>
             </a:r>
-            <a:endParaRPr lang="ru-RU" sz="3600" b="1" dirty="0"/>
           </a:p>
         </p:txBody>
       </p:sp>
@@ -18456,17 +17662,16 @@
           <a:lstStyle/>
           <a:p>
             <a:r>
-              <a:rPr lang="ru-RU" dirty="0" smtClean="0"/>
+              <a:rPr lang="ru-RU" dirty="0"/>
               <a:t>Каскадное </a:t>
             </a:r>
             <a:br>
-              <a:rPr lang="ru-RU" dirty="0" smtClean="0"/>
+              <a:rPr lang="ru-RU" dirty="0"/>
             </a:br>
             <a:r>
-              <a:rPr lang="ru-RU" dirty="0" smtClean="0"/>
+              <a:rPr lang="ru-RU" dirty="0"/>
               <a:t>подключение</a:t>
             </a:r>
-            <a:endParaRPr lang="ru-RU" dirty="0"/>
           </a:p>
         </p:txBody>
       </p:sp>
@@ -18493,17 +17698,16 @@
           <a:lstStyle/>
           <a:p>
             <a:r>
-              <a:rPr lang="ru-RU" dirty="0" smtClean="0"/>
+              <a:rPr lang="ru-RU" dirty="0"/>
               <a:t>Независимое</a:t>
             </a:r>
             <a:br>
-              <a:rPr lang="ru-RU" dirty="0" smtClean="0"/>
+              <a:rPr lang="ru-RU" dirty="0"/>
             </a:br>
             <a:r>
-              <a:rPr lang="ru-RU" dirty="0" smtClean="0"/>
+              <a:rPr lang="ru-RU" dirty="0"/>
               <a:t>подключение</a:t>
             </a:r>
-            <a:endParaRPr lang="ru-RU" dirty="0"/>
           </a:p>
         </p:txBody>
       </p:sp>
@@ -18571,10 +17775,9 @@
           <a:lstStyle/>
           <a:p>
             <a:r>
-              <a:rPr lang="ru-RU" dirty="0" smtClean="0"/>
+              <a:rPr lang="ru-RU" dirty="0"/>
               <a:t>Радиальное подключение</a:t>
             </a:r>
-            <a:endParaRPr lang="ru-RU" dirty="0"/>
           </a:p>
         </p:txBody>
       </p:sp>
@@ -18642,10 +17845,9 @@
           <a:lstStyle/>
           <a:p>
             <a:r>
-              <a:rPr lang="ru-RU" dirty="0" smtClean="0"/>
+              <a:rPr lang="ru-RU" dirty="0"/>
               <a:t>Кольцевое подключение</a:t>
             </a:r>
-            <a:endParaRPr lang="ru-RU" dirty="0"/>
           </a:p>
         </p:txBody>
       </p:sp>
@@ -18714,17 +17916,16 @@
           <a:lstStyle/>
           <a:p>
             <a:r>
-              <a:rPr lang="ru-RU" dirty="0" smtClean="0"/>
+              <a:rPr lang="ru-RU" dirty="0"/>
               <a:t>Прямое</a:t>
             </a:r>
             <a:br>
-              <a:rPr lang="ru-RU" dirty="0" smtClean="0"/>
+              <a:rPr lang="ru-RU" dirty="0"/>
             </a:br>
             <a:r>
-              <a:rPr lang="ru-RU" dirty="0" smtClean="0"/>
+              <a:rPr lang="ru-RU" dirty="0"/>
               <a:t>подключение</a:t>
             </a:r>
-            <a:endParaRPr lang="ru-RU" dirty="0"/>
           </a:p>
         </p:txBody>
       </p:sp>
@@ -18738,13 +17939,6 @@
   <p:clrMapOvr>
     <a:masterClrMapping/>
   </p:clrMapOvr>
-  <p:timing>
-    <p:tnLst>
-      <p:par>
-        <p:cTn id="1" dur="indefinite" restart="never" nodeType="tmRoot"/>
-      </p:par>
-    </p:tnLst>
-  </p:timing>
 </p:sld>
 </file>
 
@@ -18829,18 +18023,17 @@
           <a:lstStyle/>
           <a:p>
             <a:r>
-              <a:rPr lang="ru-RU" sz="3600" b="1" dirty="0" smtClean="0"/>
+              <a:rPr lang="ru-RU" sz="3600" b="1" dirty="0"/>
               <a:t>Шина </a:t>
             </a:r>
             <a:r>
-              <a:rPr lang="en-US" sz="3600" b="1" dirty="0" smtClean="0"/>
+              <a:rPr lang="en-US" sz="3600" b="1" dirty="0"/>
               <a:t>I2</a:t>
             </a:r>
             <a:r>
-              <a:rPr lang="ru-RU" sz="3600" b="1" dirty="0" smtClean="0"/>
+              <a:rPr lang="ru-RU" sz="3600" b="1" dirty="0"/>
               <a:t>С</a:t>
             </a:r>
-            <a:endParaRPr lang="ru-RU" sz="3600" b="1" dirty="0"/>
           </a:p>
         </p:txBody>
       </p:sp>
@@ -18950,90 +18143,57 @@
           <a:p>
             <a:pPr marL="161925" indent="-161925"/>
             <a:r>
-              <a:rPr lang="en-US" sz="2000" dirty="0" smtClean="0"/>
+              <a:rPr lang="en-US" sz="2000" dirty="0"/>
               <a:t>I2C (IIC</a:t>
             </a:r>
             <a:r>
               <a:rPr lang="ru-RU" sz="2000" dirty="0"/>
-              <a:t>,</a:t>
-            </a:r>
-            <a:r>
-              <a:rPr lang="ru-RU" sz="2000" dirty="0" smtClean="0"/>
-              <a:t> </a:t>
+              <a:t>, </a:t>
             </a:r>
             <a:r>
               <a:rPr lang="en-US" sz="2000" dirty="0"/>
-              <a:t>Inter-Integrated Circuit.</a:t>
-            </a:r>
-            <a:r>
-              <a:rPr lang="en-US" sz="2000" dirty="0" smtClean="0"/>
-              <a:t>) - </a:t>
-            </a:r>
-            <a:r>
-              <a:rPr lang="ru-RU" sz="2000" dirty="0" smtClean="0"/>
-              <a:t>Разработан </a:t>
+              <a:t>Inter-Integrated Circuit.) - </a:t>
             </a:r>
             <a:r>
               <a:rPr lang="ru-RU" sz="2000" dirty="0"/>
-              <a:t>в </a:t>
-            </a:r>
-            <a:r>
-              <a:rPr lang="ru-RU" sz="2000" dirty="0" smtClean="0"/>
-              <a:t>компании</a:t>
-            </a:r>
+              <a:t>Разработан в компании </a:t>
+            </a:r>
+            <a:r>
+              <a:rPr lang="en-US" sz="2000" b="1" dirty="0"/>
+              <a:t>Philips</a:t>
+            </a:r>
+            <a:r>
+              <a:rPr lang="ru-RU" sz="2000" dirty="0"/>
+              <a:t>, в </a:t>
+            </a:r>
+            <a:r>
+              <a:rPr lang="en-US" sz="2000" dirty="0"/>
+              <a:t>Atmel </a:t>
+            </a:r>
+            <a:r>
+              <a:rPr lang="en-US" sz="2000" b="1" dirty="0"/>
+              <a:t>TWI</a:t>
+            </a:r>
+          </a:p>
+          <a:p>
+            <a:r>
+              <a:rPr lang="ru-RU" sz="2000" dirty="0"/>
+              <a:t>Два провода—данных и тактов. </a:t>
+            </a:r>
+          </a:p>
+          <a:p>
+            <a:r>
+              <a:rPr lang="ru-RU" sz="2000" dirty="0"/>
+              <a:t>Устройства:</a:t>
+            </a:r>
+          </a:p>
+          <a:p>
+            <a:pPr lvl="1"/>
             <a:r>
               <a:rPr lang="ru-RU" sz="2000" dirty="0"/>
               <a:t> </a:t>
             </a:r>
             <a:r>
-              <a:rPr lang="en-US" sz="2000" b="1" dirty="0" smtClean="0"/>
-              <a:t>Philips</a:t>
-            </a:r>
-            <a:r>
-              <a:rPr lang="ru-RU" sz="2000" dirty="0" smtClean="0"/>
-              <a:t>, в </a:t>
-            </a:r>
-            <a:r>
-              <a:rPr lang="en-US" sz="2000" dirty="0" smtClean="0"/>
-              <a:t>Atmel </a:t>
-            </a:r>
-            <a:r>
-              <a:rPr lang="en-US" sz="2000" b="1" dirty="0" smtClean="0"/>
-              <a:t>TWI</a:t>
-            </a:r>
-          </a:p>
-          <a:p>
-            <a:r>
-              <a:rPr lang="ru-RU" sz="2000" dirty="0" smtClean="0"/>
-              <a:t>Два провода—данных </a:t>
-            </a:r>
-            <a:r>
-              <a:rPr lang="ru-RU" sz="2000" dirty="0"/>
-              <a:t>и </a:t>
-            </a:r>
-            <a:r>
-              <a:rPr lang="ru-RU" sz="2000" dirty="0" smtClean="0"/>
-              <a:t>тактов</a:t>
-            </a:r>
-            <a:r>
-              <a:rPr lang="ru-RU" sz="2000" dirty="0"/>
-              <a:t>. </a:t>
-            </a:r>
-            <a:endParaRPr lang="ru-RU" sz="2000" dirty="0" smtClean="0"/>
-          </a:p>
-          <a:p>
-            <a:r>
-              <a:rPr lang="ru-RU" sz="2000" dirty="0" smtClean="0"/>
-              <a:t>Устройства:</a:t>
-            </a:r>
-          </a:p>
-          <a:p>
-            <a:pPr lvl="1"/>
-            <a:r>
-              <a:rPr lang="ru-RU" sz="2000" dirty="0"/>
-              <a:t> </a:t>
-            </a:r>
-            <a:r>
               <a:rPr lang="ru-RU" sz="2000" b="1" dirty="0"/>
               <a:t>ведущий</a:t>
             </a:r>
@@ -19047,17 +18207,13 @@
             </a:r>
             <a:r>
               <a:rPr lang="ru-RU" sz="2000" dirty="0"/>
-              <a:t>)  </a:t>
-            </a:r>
-            <a:r>
-              <a:rPr lang="ru-RU" sz="2000" dirty="0" smtClean="0"/>
-              <a:t>- задает такты </a:t>
+              <a:t>)  - задает такты </a:t>
             </a:r>
           </a:p>
           <a:p>
             <a:pPr lvl="1"/>
             <a:r>
-              <a:rPr lang="ru-RU" sz="2000" b="1" dirty="0" smtClean="0"/>
+              <a:rPr lang="ru-RU" sz="2000" b="1" dirty="0"/>
               <a:t>ведомый</a:t>
             </a:r>
             <a:r>
@@ -19072,16 +18228,11 @@
               <a:rPr lang="ru-RU" sz="2000" dirty="0"/>
               <a:t>), </a:t>
             </a:r>
-            <a:endParaRPr lang="ru-RU" sz="2000" dirty="0" smtClean="0"/>
           </a:p>
           <a:p>
             <a:r>
               <a:rPr lang="ru-RU" sz="2000" dirty="0"/>
-              <a:t> на </a:t>
-            </a:r>
-            <a:r>
-              <a:rPr lang="ru-RU" sz="2000" dirty="0" smtClean="0"/>
-              <a:t>одной </a:t>
+              <a:t> на одной </a:t>
             </a:r>
             <a:r>
               <a:rPr lang="ru-RU" sz="2000" dirty="0" err="1"/>
@@ -19093,74 +18244,69 @@
             </a:r>
             <a:r>
               <a:rPr lang="ru-RU" sz="2000" b="1" dirty="0"/>
-              <a:t>до 127 </a:t>
-            </a:r>
-            <a:r>
-              <a:rPr lang="ru-RU" sz="2000" b="1" dirty="0" smtClean="0"/>
-              <a:t>устройств – выступающих ведущими и ведомыми </a:t>
-            </a:r>
-            <a:r>
-              <a:rPr lang="ru-RU" sz="2000" dirty="0" smtClean="0"/>
+              <a:t>до 127 устройств – выступающих ведущими и ведомыми </a:t>
+            </a:r>
+            <a:r>
+              <a:rPr lang="ru-RU" sz="2000" dirty="0"/>
               <a:t>(1024 в некоторых случаях)</a:t>
             </a:r>
           </a:p>
           <a:p>
             <a:r>
-              <a:rPr lang="ru-RU" sz="2000" b="1" dirty="0" smtClean="0"/>
+              <a:rPr lang="ru-RU" sz="2000" b="1" dirty="0"/>
               <a:t>Линия </a:t>
             </a:r>
             <a:r>
-              <a:rPr lang="en-US" sz="2000" b="1" dirty="0" smtClean="0"/>
+              <a:rPr lang="en-US" sz="2000" b="1" dirty="0"/>
               <a:t>SDA – </a:t>
             </a:r>
             <a:r>
-              <a:rPr lang="ru-RU" sz="2000" dirty="0" smtClean="0"/>
+              <a:rPr lang="ru-RU" sz="2000" dirty="0"/>
               <a:t>для передачи данных</a:t>
             </a:r>
           </a:p>
           <a:p>
             <a:r>
-              <a:rPr lang="ru-RU" sz="2000" b="1" dirty="0" smtClean="0"/>
+              <a:rPr lang="ru-RU" sz="2000" b="1" dirty="0"/>
               <a:t>Линия </a:t>
             </a:r>
             <a:r>
-              <a:rPr lang="en-US" sz="2000" b="1" dirty="0" smtClean="0"/>
+              <a:rPr lang="en-US" sz="2000" b="1" dirty="0"/>
               <a:t>SCL – </a:t>
             </a:r>
             <a:r>
-              <a:rPr lang="ru-RU" sz="2000" dirty="0" smtClean="0"/>
+              <a:rPr lang="ru-RU" sz="2000" dirty="0"/>
               <a:t>для передачи тактовых сигналов</a:t>
             </a:r>
           </a:p>
           <a:p>
             <a:r>
-              <a:rPr lang="ru-RU" sz="2000" dirty="0" smtClean="0"/>
+              <a:rPr lang="ru-RU" sz="2000" dirty="0"/>
               <a:t>Скорость работы 100 </a:t>
             </a:r>
             <a:r>
-              <a:rPr lang="ru-RU" sz="2000" dirty="0" err="1" smtClean="0"/>
+              <a:rPr lang="ru-RU" sz="2000" dirty="0" err="1"/>
               <a:t>кБит</a:t>
             </a:r>
             <a:r>
-              <a:rPr lang="ru-RU" sz="2000" dirty="0" smtClean="0"/>
+              <a:rPr lang="ru-RU" sz="2000" dirty="0"/>
               <a:t> (400 </a:t>
             </a:r>
             <a:r>
-              <a:rPr lang="ru-RU" sz="2000" dirty="0" err="1" smtClean="0"/>
+              <a:rPr lang="ru-RU" sz="2000" dirty="0" err="1"/>
               <a:t>кБит</a:t>
             </a:r>
             <a:r>
-              <a:rPr lang="ru-RU" sz="2000" dirty="0" smtClean="0"/>
+              <a:rPr lang="ru-RU" sz="2000" dirty="0"/>
               <a:t> в некоторых случаях)</a:t>
             </a:r>
-            <a:endParaRPr lang="en-US" sz="2000" dirty="0" smtClean="0"/>
-          </a:p>
-          <a:p>
-            <a:r>
-              <a:rPr lang="ru-RU" sz="2000" dirty="0" smtClean="0"/>
+            <a:endParaRPr lang="en-US" sz="2000" dirty="0"/>
+          </a:p>
+          <a:p>
+            <a:r>
+              <a:rPr lang="ru-RU" sz="2000" dirty="0"/>
               <a:t>Используется в бытовой технике, телекоммуникационном оборудовании, и т.д.</a:t>
             </a:r>
-            <a:endParaRPr lang="ru-RU" sz="2000" dirty="0"/>
           </a:p>
         </p:txBody>
       </p:sp>
@@ -19306,13 +18452,6 @@
   <p:clrMapOvr>
     <a:masterClrMapping/>
   </p:clrMapOvr>
-  <p:timing>
-    <p:tnLst>
-      <p:par>
-        <p:cTn id="1" dur="indefinite" restart="never" nodeType="tmRoot"/>
-      </p:par>
-    </p:tnLst>
-  </p:timing>
 </p:sld>
 </file>
 
@@ -19356,26 +18495,25 @@
           <a:lstStyle/>
           <a:p>
             <a:r>
-              <a:rPr lang="ru-RU" sz="3600" b="1" dirty="0" smtClean="0"/>
+              <a:rPr lang="ru-RU" sz="3600" b="1" dirty="0"/>
               <a:t>Шина </a:t>
             </a:r>
             <a:r>
-              <a:rPr lang="en-US" sz="3600" b="1" dirty="0" smtClean="0"/>
+              <a:rPr lang="en-US" sz="3600" b="1" dirty="0"/>
               <a:t>I2</a:t>
             </a:r>
             <a:r>
-              <a:rPr lang="ru-RU" sz="3600" b="1" dirty="0" smtClean="0"/>
+              <a:rPr lang="ru-RU" sz="3600" b="1" dirty="0"/>
               <a:t>С. </a:t>
             </a:r>
             <a:r>
-              <a:rPr lang="ru-RU" sz="3600" b="1" dirty="0" err="1" smtClean="0"/>
+              <a:rPr lang="ru-RU" sz="3600" b="1" dirty="0" err="1"/>
               <a:t>Мультимастерный</a:t>
             </a:r>
             <a:r>
-              <a:rPr lang="ru-RU" sz="3600" b="1" dirty="0" smtClean="0"/>
+              <a:rPr lang="ru-RU" sz="3600" b="1" dirty="0"/>
               <a:t> режим</a:t>
             </a:r>
-            <a:endParaRPr lang="ru-RU" sz="3600" b="1" dirty="0"/>
           </a:p>
         </p:txBody>
       </p:sp>
@@ -19509,19 +18647,7 @@
             </a:pPr>
             <a:r>
               <a:rPr lang="ru-RU" sz="2100" dirty="0"/>
-              <a:t>устройство распознается по </a:t>
-            </a:r>
-            <a:r>
-              <a:rPr lang="ru-RU" sz="2100" dirty="0" smtClean="0"/>
-              <a:t>адресу </a:t>
-            </a:r>
-            <a:r>
-              <a:rPr lang="ru-RU" sz="2100" dirty="0"/>
-              <a:t>и может работать как передатчик или приёмник, в зависимости от </a:t>
-            </a:r>
-            <a:r>
-              <a:rPr lang="ru-RU" sz="2100" dirty="0" smtClean="0"/>
-              <a:t>назначения</a:t>
+              <a:t>устройство распознается по адресу и может работать как передатчик или приёмник, в зависимости от назначения</a:t>
             </a:r>
           </a:p>
           <a:p>
@@ -19532,17 +18658,8 @@
             </a:pPr>
             <a:r>
               <a:rPr lang="ru-RU" sz="2100" dirty="0"/>
-              <a:t>Ведущий - </a:t>
-            </a:r>
-            <a:r>
-              <a:rPr lang="ru-RU" sz="2100" dirty="0" smtClean="0"/>
-              <a:t>устройство</a:t>
-            </a:r>
-            <a:r>
-              <a:rPr lang="ru-RU" sz="2100" dirty="0"/>
-              <a:t>, которое инициирует передачу данных и вырабатывает сигналы синхронизации. </a:t>
-            </a:r>
-            <a:endParaRPr lang="ru-RU" sz="2100" dirty="0" smtClean="0"/>
+              <a:t>Ведущий - устройство, которое инициирует передачу данных и вырабатывает сигналы синхронизации. </a:t>
+            </a:r>
           </a:p>
           <a:p>
             <a:pPr lvl="2">
@@ -19551,16 +18668,8 @@
               </a:spcBef>
             </a:pPr>
             <a:r>
-              <a:rPr lang="ru-RU" sz="2100" dirty="0" smtClean="0"/>
-              <a:t>любое </a:t>
-            </a:r>
-            <a:r>
               <a:rPr lang="ru-RU" sz="2100" dirty="0"/>
-              <a:t>адресуемое устройство считается ведомым по отношению к ведущему</a:t>
-            </a:r>
-            <a:r>
-              <a:rPr lang="ru-RU" sz="2100" dirty="0" smtClean="0"/>
-              <a:t>.</a:t>
+              <a:t>любое адресуемое устройство считается ведомым по отношению к ведущему.</a:t>
             </a:r>
           </a:p>
           <a:p>
@@ -19605,7 +18714,7 @@
                 <a:spcPts val="1200"/>
               </a:spcBef>
             </a:pPr>
-            <a:endParaRPr lang="ru-RU" sz="2100" dirty="0" smtClean="0"/>
+            <a:endParaRPr lang="ru-RU" sz="2100" dirty="0"/>
           </a:p>
           <a:p>
             <a:endParaRPr lang="ru-RU" sz="2000" b="1" dirty="0"/>
@@ -19741,13 +18850,6 @@
   <p:clrMapOvr>
     <a:masterClrMapping/>
   </p:clrMapOvr>
-  <p:timing>
-    <p:tnLst>
-      <p:par>
-        <p:cTn id="1" dur="indefinite" restart="never" nodeType="tmRoot"/>
-      </p:par>
-    </p:tnLst>
-  </p:timing>
 </p:sld>
 </file>
 
@@ -19791,18 +18893,17 @@
           <a:lstStyle/>
           <a:p>
             <a:r>
-              <a:rPr lang="ru-RU" sz="3600" b="1" dirty="0" smtClean="0"/>
+              <a:rPr lang="ru-RU" sz="3600" b="1" dirty="0"/>
               <a:t>Шина </a:t>
             </a:r>
             <a:r>
-              <a:rPr lang="en-US" sz="3600" b="1" dirty="0" smtClean="0"/>
+              <a:rPr lang="en-US" sz="3600" b="1" dirty="0"/>
               <a:t>I2</a:t>
             </a:r>
             <a:r>
-              <a:rPr lang="ru-RU" sz="3600" b="1" dirty="0" smtClean="0"/>
+              <a:rPr lang="ru-RU" sz="3600" b="1" dirty="0"/>
               <a:t>С. Синхронизация устройств</a:t>
             </a:r>
-            <a:endParaRPr lang="ru-RU" sz="3600" b="1" dirty="0"/>
           </a:p>
         </p:txBody>
       </p:sp>
@@ -19911,66 +19012,28 @@
           <a:lstStyle/>
           <a:p>
             <a:r>
-              <a:rPr lang="ru-RU" sz="2200" b="1" dirty="0" smtClean="0"/>
-              <a:t>I2C-устройства </a:t>
-            </a:r>
-            <a:r>
               <a:rPr lang="ru-RU" sz="2200" b="1" dirty="0"/>
-              <a:t>подключаются к шине по правилу монтажного И. </a:t>
-            </a:r>
-            <a:endParaRPr lang="ru-RU" sz="2200" b="1" dirty="0" smtClean="0"/>
+              <a:t>I2C-устройства подключаются к шине по правилу монтажного И. </a:t>
+            </a:r>
           </a:p>
           <a:p>
             <a:pPr lvl="1"/>
             <a:r>
-              <a:rPr lang="ru-RU" sz="2000" dirty="0" smtClean="0"/>
-              <a:t>В </a:t>
-            </a:r>
-            <a:r>
               <a:rPr lang="ru-RU" sz="2000" dirty="0"/>
-              <a:t>исходном состоянии оба сигнала SDA и SCL находятся в высоком состоянии</a:t>
-            </a:r>
-            <a:r>
-              <a:rPr lang="ru-RU" sz="2000" dirty="0" smtClean="0"/>
-              <a:t>.</a:t>
+              <a:t>В исходном состоянии оба сигнала SDA и SCL находятся в высоком состоянии.</a:t>
             </a:r>
           </a:p>
           <a:p>
             <a:pPr lvl="1"/>
             <a:r>
               <a:rPr lang="ru-RU" sz="2000" i="1" dirty="0"/>
-              <a:t>состояние СТАРТ - </a:t>
-            </a:r>
-            <a:r>
-              <a:rPr lang="ru-RU" sz="2000" i="1" dirty="0" smtClean="0"/>
-              <a:t> </a:t>
-            </a:r>
+              <a:t>состояние СТАРТ -  переход сигнала линии SDA из ВЫСОКОГО состояния в НИЗКОЕ при ВЫСОКОМ уровне на линии SCL </a:t>
+            </a:r>
+          </a:p>
+          <a:p>
+            <a:pPr lvl="2"/>
             <a:r>
               <a:rPr lang="ru-RU" sz="2000" i="1" dirty="0"/>
-              <a:t>переход сигнала линии SDA из ВЫСОКОГО </a:t>
-            </a:r>
-            <a:r>
-              <a:rPr lang="ru-RU" sz="2000" i="1" dirty="0" smtClean="0"/>
-              <a:t>состояния </a:t>
-            </a:r>
-            <a:r>
-              <a:rPr lang="ru-RU" sz="2000" i="1" dirty="0"/>
-              <a:t>в </a:t>
-            </a:r>
-            <a:r>
-              <a:rPr lang="ru-RU" sz="2000" i="1" dirty="0" smtClean="0"/>
-              <a:t>НИЗКОЕ </a:t>
-            </a:r>
-            <a:r>
-              <a:rPr lang="ru-RU" sz="2000" i="1" dirty="0"/>
-              <a:t>при ВЫСОКОМ уровне на линии SCL </a:t>
-            </a:r>
-            <a:endParaRPr lang="ru-RU" sz="2000" i="1" dirty="0" smtClean="0"/>
-          </a:p>
-          <a:p>
-            <a:pPr lvl="2"/>
-            <a:r>
-              <a:rPr lang="ru-RU" sz="2000" i="1" dirty="0" smtClean="0"/>
               <a:t>формируется ведущим устройством.</a:t>
             </a:r>
           </a:p>
@@ -19978,19 +19041,7 @@
             <a:pPr lvl="1"/>
             <a:r>
               <a:rPr lang="ru-RU" sz="2000" u="sng" dirty="0"/>
-              <a:t>состояние СТОП - переход </a:t>
-            </a:r>
-            <a:r>
-              <a:rPr lang="ru-RU" sz="2000" u="sng" dirty="0" smtClean="0"/>
-              <a:t>линии </a:t>
-            </a:r>
-            <a:r>
-              <a:rPr lang="ru-RU" sz="2000" u="sng" dirty="0"/>
-              <a:t>SDA из низкого состояния в ВЫСОКОЕ при ВЫСОКОМ состоянии линии SCL</a:t>
-            </a:r>
-            <a:r>
-              <a:rPr lang="ru-RU" sz="2000" u="sng" dirty="0" smtClean="0"/>
-              <a:t>.</a:t>
+              <a:t>состояние СТОП - переход линии SDA из низкого состояния в ВЫСОКОЕ при ВЫСОКОМ состоянии линии SCL.</a:t>
             </a:r>
           </a:p>
           <a:p>
@@ -20003,7 +19054,7 @@
           <a:p>
             <a:pPr lvl="1"/>
             <a:r>
-              <a:rPr lang="ru-RU" sz="2000" dirty="0" smtClean="0">
+              <a:rPr lang="ru-RU" sz="2000" dirty="0">
                 <a:effectLst>
                   <a:outerShdw blurRad="38100" dist="38100" dir="2700000" algn="tl">
                     <a:srgbClr val="000000">
@@ -20150,13 +19201,6 @@
   <p:clrMapOvr>
     <a:masterClrMapping/>
   </p:clrMapOvr>
-  <p:timing>
-    <p:tnLst>
-      <p:par>
-        <p:cTn id="1" dur="indefinite" restart="never" nodeType="tmRoot"/>
-      </p:par>
-    </p:tnLst>
-  </p:timing>
 </p:sld>
 </file>
 
@@ -20200,19 +19244,19 @@
           <a:lstStyle/>
           <a:p>
             <a:r>
-              <a:rPr lang="ru-RU" sz="3600" b="1" dirty="0" smtClean="0"/>
+              <a:rPr lang="ru-RU" sz="3600" b="1" dirty="0"/>
               <a:t>Шина </a:t>
             </a:r>
             <a:r>
-              <a:rPr lang="en-US" sz="3600" b="1" dirty="0" smtClean="0"/>
+              <a:rPr lang="en-US" sz="3600" b="1" dirty="0"/>
               <a:t>I2S</a:t>
             </a:r>
             <a:r>
-              <a:rPr lang="ru-RU" sz="3600" b="1" dirty="0" smtClean="0"/>
+              <a:rPr lang="ru-RU" sz="3600" b="1" dirty="0"/>
               <a:t>. Сравнение с </a:t>
             </a:r>
             <a:r>
-              <a:rPr lang="en-US" sz="3600" b="1" dirty="0" smtClean="0"/>
+              <a:rPr lang="en-US" sz="3600" b="1" dirty="0"/>
               <a:t>SPI</a:t>
             </a:r>
             <a:endParaRPr lang="ru-RU" sz="3600" b="1" dirty="0"/>
@@ -20401,48 +19445,37 @@
                     <a:p>
                       <a:pPr algn="ctr"/>
                       <a:r>
-                        <a:rPr lang="ru-RU" sz="1800" dirty="0" smtClean="0">
-                          <a:effectLst/>
-                          <a:latin typeface="Arial"/>
-                        </a:rPr>
-                        <a:t>простота </a:t>
-                      </a:r>
-                      <a:r>
                         <a:rPr lang="ru-RU" sz="1800" dirty="0">
                           <a:effectLst/>
                           <a:latin typeface="Arial"/>
                         </a:rPr>
-                        <a:t>протокола передачи на физическом уровне </a:t>
+                        <a:t>простота протокола передачи на физическом уровне </a:t>
                       </a:r>
-                      <a:endParaRPr lang="ru-RU" sz="1800" dirty="0" smtClean="0">
-                        <a:effectLst/>
-                        <a:latin typeface="Arial"/>
-                      </a:endParaRPr>
                     </a:p>
                     <a:p>
                       <a:pPr algn="ctr"/>
                       <a:r>
-                        <a:rPr lang="ru-RU" sz="1800" dirty="0" smtClean="0">
+                        <a:rPr lang="ru-RU" sz="1800" dirty="0">
                           <a:effectLst/>
                           <a:latin typeface="Arial"/>
                         </a:rPr>
                         <a:t>Быстродействие выше чем</a:t>
                       </a:r>
                       <a:r>
-                        <a:rPr lang="ru-RU" sz="1800" baseline="0" dirty="0" smtClean="0">
+                        <a:rPr lang="ru-RU" sz="1800" baseline="0" dirty="0">
                           <a:effectLst/>
                           <a:latin typeface="Arial"/>
                         </a:rPr>
                         <a:t> </a:t>
                       </a:r>
                       <a:r>
-                        <a:rPr lang="en-US" sz="1800" baseline="0" dirty="0" smtClean="0">
+                        <a:rPr lang="en-US" sz="1800" baseline="0" dirty="0">
                           <a:effectLst/>
                           <a:latin typeface="Arial"/>
                         </a:rPr>
                         <a:t>I2C</a:t>
                       </a:r>
-                      <a:endParaRPr lang="ru-RU" sz="1800" dirty="0" smtClean="0">
+                      <a:endParaRPr lang="ru-RU" sz="1800" dirty="0">
                         <a:effectLst/>
                         <a:latin typeface="Arial"/>
                       </a:endParaRPr>
@@ -20497,7 +19530,7 @@
                     <a:p>
                       <a:pPr algn="ctr"/>
                       <a:r>
-                        <a:rPr lang="ru-RU" sz="1800" dirty="0" smtClean="0">
+                        <a:rPr lang="ru-RU" sz="1800" dirty="0">
                           <a:effectLst/>
                           <a:latin typeface="Arial"/>
                         </a:rPr>
@@ -20507,18 +19540,11 @@
                     <a:p>
                       <a:pPr algn="ctr"/>
                       <a:r>
-                        <a:rPr lang="ru-RU" sz="1800" dirty="0" smtClean="0">
-                          <a:effectLst/>
-                          <a:latin typeface="Arial"/>
-                        </a:rPr>
-                        <a:t> </a:t>
-                      </a:r>
-                      <a:r>
                         <a:rPr lang="ru-RU" sz="1800" dirty="0">
                           <a:effectLst/>
                           <a:latin typeface="Arial"/>
                         </a:rPr>
-                        <a:t>независимо от количества подключенной к ней микросхем.</a:t>
+                        <a:t> независимо от количества подключенной к ней микросхем.</a:t>
                       </a:r>
                     </a:p>
                   </a:txBody>
@@ -20653,19 +19679,8 @@
                           <a:effectLst/>
                           <a:latin typeface="Arial"/>
                         </a:rPr>
-                        <a:t> </a:t>
+                        <a:t> работы.</a:t>
                       </a:r>
-                      <a:r>
-                        <a:rPr lang="ru-RU" sz="1800" dirty="0" smtClean="0">
-                          <a:effectLst/>
-                          <a:latin typeface="Arial"/>
-                        </a:rPr>
-                        <a:t>работы.</a:t>
-                      </a:r>
-                      <a:endParaRPr lang="ru-RU" sz="1800" dirty="0">
-                        <a:effectLst/>
-                        <a:latin typeface="Arial"/>
-                      </a:endParaRPr>
                     </a:p>
                   </a:txBody>
                   <a:tcPr marL="9525" marR="9525" marT="9525" marB="9525" anchor="ctr">
@@ -20785,33 +19800,8 @@
                           <a:effectLst/>
                           <a:latin typeface="Arial"/>
                         </a:rPr>
-                        <a:t>Протокол I2C является более стандартизованным, поэтому, </a:t>
+                        <a:t>Протокол I2C является более стандартизованным, поэтому, более защищен от проблем несовместимости выбранных устройств.</a:t>
                       </a:r>
-                      <a:r>
-                        <a:rPr lang="ru-RU" sz="1800" dirty="0" smtClean="0">
-                          <a:effectLst/>
-                          <a:latin typeface="Arial"/>
-                        </a:rPr>
-                        <a:t>более </a:t>
-                      </a:r>
-                      <a:r>
-                        <a:rPr lang="ru-RU" sz="1800" dirty="0">
-                          <a:effectLst/>
-                          <a:latin typeface="Arial"/>
-                        </a:rPr>
-                        <a:t>защищен от проблем несовместимости </a:t>
-                      </a:r>
-                      <a:r>
-                        <a:rPr lang="ru-RU" sz="1800" dirty="0" smtClean="0">
-                          <a:effectLst/>
-                          <a:latin typeface="Arial"/>
-                        </a:rPr>
-                        <a:t>выбранных устройств.</a:t>
-                      </a:r>
-                      <a:endParaRPr lang="ru-RU" sz="1800" dirty="0">
-                        <a:effectLst/>
-                        <a:latin typeface="Arial"/>
-                      </a:endParaRPr>
                     </a:p>
                   </a:txBody>
                   <a:tcPr marL="9525" marR="9525" marT="9525" marB="9525" anchor="ctr">
@@ -20876,13 +19866,6 @@
   <p:clrMapOvr>
     <a:masterClrMapping/>
   </p:clrMapOvr>
-  <p:timing>
-    <p:tnLst>
-      <p:par>
-        <p:cTn id="1" dur="indefinite" restart="never" nodeType="tmRoot"/>
-      </p:par>
-    </p:tnLst>
-  </p:timing>
 </p:sld>
 </file>
 
@@ -20926,10 +19909,9 @@
           <a:lstStyle/>
           <a:p>
             <a:r>
-              <a:rPr lang="ru-RU" dirty="0" smtClean="0"/>
+              <a:rPr lang="ru-RU" dirty="0"/>
               <a:t>Промышленные интерфейсы</a:t>
             </a:r>
-            <a:endParaRPr lang="ru-RU" dirty="0"/>
           </a:p>
         </p:txBody>
       </p:sp>
@@ -20961,14 +19943,9 @@
               </a:spcBef>
             </a:pPr>
             <a:r>
-              <a:rPr lang="ru-RU" sz="2200" dirty="0" smtClean="0"/>
-              <a:t>Разрабатываются </a:t>
-            </a:r>
-            <a:r>
               <a:rPr lang="ru-RU" sz="2200" dirty="0"/>
-              <a:t>с учетом особенностей производства и технических систем, </a:t>
-            </a:r>
-            <a:endParaRPr lang="ru-RU" sz="2200" dirty="0" smtClean="0"/>
+              <a:t>Разрабатываются с учетом особенностей производства и технических систем, </a:t>
+            </a:r>
           </a:p>
           <a:p>
             <a:pPr lvl="1">
@@ -20977,7 +19954,7 @@
               </a:spcBef>
             </a:pPr>
             <a:r>
-              <a:rPr lang="ru-RU" sz="2200" dirty="0" smtClean="0"/>
+              <a:rPr lang="ru-RU" sz="2200" dirty="0"/>
               <a:t>промышленные помехи, </a:t>
             </a:r>
           </a:p>
@@ -20988,7 +19965,7 @@
               </a:spcBef>
             </a:pPr>
             <a:r>
-              <a:rPr lang="ru-RU" sz="2200" dirty="0" smtClean="0"/>
+              <a:rPr lang="ru-RU" sz="2200" dirty="0"/>
               <a:t>большие расстояния передачи данных, </a:t>
             </a:r>
           </a:p>
@@ -20999,7 +19976,7 @@
               </a:spcBef>
             </a:pPr>
             <a:r>
-              <a:rPr lang="ru-RU" sz="2200" dirty="0" smtClean="0"/>
+              <a:rPr lang="ru-RU" sz="2200" dirty="0"/>
               <a:t>надежное соединение,</a:t>
             </a:r>
           </a:p>
@@ -21010,12 +19987,8 @@
               </a:spcBef>
             </a:pPr>
             <a:r>
-              <a:rPr lang="ru-RU" sz="2200" dirty="0" smtClean="0"/>
-              <a:t>Иногда быстродействие</a:t>
-            </a:r>
-            <a:r>
-              <a:rPr lang="ru-RU" sz="2200" dirty="0" smtClean="0"/>
-              <a:t>, </a:t>
+              <a:rPr lang="ru-RU" sz="2200" dirty="0"/>
+              <a:t>Иногда быстродействие, </a:t>
             </a:r>
           </a:p>
           <a:p>
@@ -21025,14 +19998,9 @@
               </a:spcBef>
             </a:pPr>
             <a:r>
-              <a:rPr lang="ru-RU" sz="2200" dirty="0" smtClean="0"/>
-              <a:t>простота </a:t>
-            </a:r>
-            <a:r>
-              <a:rPr lang="ru-RU" sz="2200" dirty="0" smtClean="0"/>
-              <a:t>интеграции, низкий порог входа,</a:t>
-            </a:r>
-            <a:endParaRPr lang="ru-RU" sz="2200" dirty="0" smtClean="0"/>
+              <a:rPr lang="ru-RU" sz="2200" dirty="0"/>
+              <a:t>простота интеграции, низкий порог входа,</a:t>
+            </a:r>
           </a:p>
           <a:p>
             <a:pPr lvl="1">
@@ -21041,7 +20009,7 @@
               </a:spcBef>
             </a:pPr>
             <a:r>
-              <a:rPr lang="ru-RU" sz="2200" dirty="0" smtClean="0"/>
+              <a:rPr lang="ru-RU" sz="2200" dirty="0"/>
               <a:t>Возможность создания широких (больших) сетей</a:t>
             </a:r>
           </a:p>
@@ -21052,14 +20020,10 @@
               </a:spcBef>
             </a:pPr>
             <a:r>
-              <a:rPr lang="ru-RU" sz="2200" dirty="0" smtClean="0"/>
-              <a:t>гибкость</a:t>
-            </a:r>
-            <a:r>
-              <a:rPr lang="ru-RU" sz="2200" dirty="0" smtClean="0"/>
-              <a:t>.</a:t>
-            </a:r>
-            <a:endParaRPr lang="en-US" sz="2200" dirty="0" smtClean="0"/>
+              <a:rPr lang="ru-RU" sz="2200" dirty="0"/>
+              <a:t>гибкость.</a:t>
+            </a:r>
+            <a:endParaRPr lang="en-US" sz="2200" dirty="0"/>
           </a:p>
           <a:p>
             <a:pPr lvl="1">
@@ -21068,26 +20032,25 @@
               </a:spcBef>
             </a:pPr>
             <a:r>
-              <a:rPr lang="ru-RU" sz="2200" dirty="0" smtClean="0"/>
+              <a:rPr lang="ru-RU" sz="2200" dirty="0"/>
               <a:t>В промышленности не нужен </a:t>
             </a:r>
             <a:r>
-              <a:rPr lang="en-US" sz="2200" dirty="0" smtClean="0"/>
+              <a:rPr lang="en-US" sz="2200" dirty="0"/>
               <a:t>PnP </a:t>
             </a:r>
             <a:r>
-              <a:rPr lang="ru-RU" sz="2200" dirty="0" smtClean="0"/>
+              <a:rPr lang="ru-RU" sz="2200" dirty="0"/>
               <a:t>(но он может и быть)</a:t>
             </a:r>
             <a:r>
-              <a:rPr lang="en-US" sz="2200" dirty="0" smtClean="0"/>
+              <a:rPr lang="en-US" sz="2200" dirty="0"/>
               <a:t>.</a:t>
             </a:r>
             <a:r>
-              <a:rPr lang="ru-RU" sz="2200" dirty="0" smtClean="0"/>
+              <a:rPr lang="ru-RU" sz="2200" dirty="0"/>
               <a:t> </a:t>
             </a:r>
-            <a:endParaRPr lang="ru-RU" sz="2200" dirty="0"/>
           </a:p>
         </p:txBody>
       </p:sp>
@@ -21101,13 +20064,6 @@
   <p:clrMapOvr>
     <a:masterClrMapping/>
   </p:clrMapOvr>
-  <p:timing>
-    <p:tnLst>
-      <p:par>
-        <p:cTn id="1" dur="indefinite" restart="never" nodeType="tmRoot"/>
-      </p:par>
-    </p:tnLst>
-  </p:timing>
 </p:sld>
 </file>
 
@@ -21151,11 +20107,11 @@
           <a:lstStyle/>
           <a:p>
             <a:r>
-              <a:rPr lang="ru-RU" sz="3200" dirty="0" smtClean="0"/>
+              <a:rPr lang="ru-RU" sz="3200" dirty="0"/>
               <a:t>Промышленные интерфейсы. </a:t>
             </a:r>
             <a:r>
-              <a:rPr lang="en-US" sz="3200" dirty="0" smtClean="0"/>
+              <a:rPr lang="en-US" sz="3200" dirty="0"/>
               <a:t>SDI-12</a:t>
             </a:r>
             <a:endParaRPr lang="ru-RU" sz="3200" dirty="0"/>
@@ -21190,67 +20146,63 @@
             </a:r>
             <a:r>
               <a:rPr lang="en-US" sz="2200" dirty="0"/>
-              <a:t> (Serial Digital Interface at 1200 baud) </a:t>
-            </a:r>
-            <a:r>
-              <a:rPr lang="en-US" sz="2200" dirty="0" smtClean="0"/>
-              <a:t> - </a:t>
-            </a:r>
-            <a:r>
-              <a:rPr lang="ru-RU" sz="2200" dirty="0" smtClean="0"/>
+              <a:t> (Serial Digital Interface at 1200 baud)  - </a:t>
+            </a:r>
+            <a:r>
+              <a:rPr lang="ru-RU" sz="2200" dirty="0"/>
               <a:t>асинхронный последовательный интерфейс </a:t>
             </a:r>
           </a:p>
           <a:p>
             <a:r>
-              <a:rPr lang="ru-RU" sz="2200" dirty="0" smtClean="0"/>
+              <a:rPr lang="ru-RU" sz="2200" dirty="0"/>
               <a:t>Скорость работы 1200 бод</a:t>
             </a:r>
           </a:p>
           <a:p>
             <a:r>
-              <a:rPr lang="ru-RU" sz="2200" dirty="0" smtClean="0"/>
+              <a:rPr lang="ru-RU" sz="2200" dirty="0"/>
               <a:t>Напряжение 12 В (от 9 до 16, ток 0.5 А).</a:t>
             </a:r>
           </a:p>
           <a:p>
             <a:r>
-              <a:rPr lang="ru-RU" sz="2200" dirty="0" smtClean="0"/>
+              <a:rPr lang="ru-RU" sz="2200" dirty="0"/>
               <a:t>Используется для подключения датчиков</a:t>
             </a:r>
           </a:p>
           <a:p>
             <a:r>
-              <a:rPr lang="ru-RU" sz="2200" dirty="0" smtClean="0"/>
+              <a:rPr lang="ru-RU" sz="2200" dirty="0"/>
               <a:t>Конфигурация ведущий-ведомый</a:t>
             </a:r>
           </a:p>
           <a:p>
             <a:r>
-              <a:rPr lang="ru-RU" sz="2200" dirty="0" smtClean="0"/>
+              <a:rPr lang="ru-RU" sz="2200" dirty="0"/>
               <a:t>Каждое устройство имеет свой адрес.</a:t>
             </a:r>
           </a:p>
           <a:p>
             <a:r>
-              <a:rPr lang="ru-RU" sz="2200" dirty="0" smtClean="0"/>
+              <a:rPr lang="ru-RU" sz="2200" dirty="0"/>
               <a:t>Полудуплексный режим </a:t>
             </a:r>
           </a:p>
           <a:p>
             <a:r>
-              <a:rPr lang="ru-RU" sz="2200" dirty="0" smtClean="0"/>
+              <a:rPr lang="ru-RU" sz="2200" dirty="0"/>
               <a:t>До 62 датчиков на линии</a:t>
             </a:r>
           </a:p>
           <a:p>
             <a:r>
-              <a:rPr lang="ru-RU" sz="2200" dirty="0" smtClean="0"/>
+              <a:rPr lang="ru-RU" sz="2200" dirty="0"/>
               <a:t>Один мастер – система сбора данных</a:t>
             </a:r>
           </a:p>
           <a:p>
-            <a:endParaRPr lang="ru-RU" sz="2200" dirty="0" smtClean="0"/>
+            <a:endParaRPr lang="ru-RU" sz="2200" dirty="0"/>
           </a:p>
         </p:txBody>
       </p:sp>
@@ -21437,13 +20389,6 @@
   <p:clrMapOvr>
     <a:masterClrMapping/>
   </p:clrMapOvr>
-  <p:timing>
-    <p:tnLst>
-      <p:par>
-        <p:cTn id="1" dur="indefinite" restart="never" nodeType="tmRoot"/>
-      </p:par>
-    </p:tnLst>
-  </p:timing>
 </p:sld>
 </file>
 
@@ -21487,11 +20432,11 @@
           <a:lstStyle/>
           <a:p>
             <a:r>
-              <a:rPr lang="ru-RU" sz="3200" dirty="0" smtClean="0"/>
+              <a:rPr lang="ru-RU" sz="3200" dirty="0"/>
               <a:t>Промышленные интерфейсы. </a:t>
             </a:r>
             <a:r>
-              <a:rPr lang="en-US" sz="3200" dirty="0" smtClean="0"/>
+              <a:rPr lang="en-US" sz="3200" dirty="0"/>
               <a:t>SDI-12</a:t>
             </a:r>
             <a:endParaRPr lang="ru-RU" sz="3200" dirty="0"/>
@@ -21521,81 +20466,81 @@
           <a:lstStyle/>
           <a:p>
             <a:r>
-              <a:rPr lang="ru-RU" sz="2400" dirty="0" smtClean="0"/>
+              <a:rPr lang="ru-RU" sz="2400" dirty="0"/>
               <a:t>Возможность получения до 999 параметров от каждого сенсора</a:t>
             </a:r>
           </a:p>
           <a:p>
             <a:r>
-              <a:rPr lang="ru-RU" sz="2400" dirty="0" smtClean="0"/>
+              <a:rPr lang="ru-RU" sz="2400" dirty="0"/>
               <a:t>Возможность запроса метаданных (настроек сенсора и </a:t>
             </a:r>
             <a:r>
-              <a:rPr lang="ru-RU" sz="2400" dirty="0" err="1" smtClean="0"/>
+              <a:rPr lang="ru-RU" sz="2400" dirty="0" err="1"/>
               <a:t>тп</a:t>
             </a:r>
             <a:r>
-              <a:rPr lang="ru-RU" sz="2400" dirty="0" smtClean="0"/>
+              <a:rPr lang="ru-RU" sz="2400" dirty="0"/>
               <a:t>)</a:t>
             </a:r>
           </a:p>
           <a:p>
             <a:r>
-              <a:rPr lang="ru-RU" sz="2400" dirty="0" smtClean="0"/>
+              <a:rPr lang="ru-RU" sz="2400" dirty="0"/>
               <a:t>Основной режим </a:t>
             </a:r>
             <a:r>
-              <a:rPr lang="en-US" sz="2400" dirty="0" smtClean="0"/>
+              <a:rPr lang="en-US" sz="2400" dirty="0"/>
               <a:t>ASCII</a:t>
             </a:r>
             <a:r>
-              <a:rPr lang="ru-RU" sz="2400" dirty="0" smtClean="0"/>
+              <a:rPr lang="ru-RU" sz="2400" dirty="0"/>
               <a:t> – 7 бит данных и бит четности</a:t>
             </a:r>
           </a:p>
           <a:p>
             <a:r>
-              <a:rPr lang="ru-RU" sz="2400" dirty="0" smtClean="0"/>
+              <a:rPr lang="ru-RU" sz="2400" dirty="0"/>
               <a:t>Все устройства на линии могут быть в «спящем» режиме, корме тех, которые общаются </a:t>
             </a:r>
           </a:p>
           <a:p>
             <a:pPr lvl="1"/>
             <a:r>
-              <a:rPr lang="ru-RU" sz="2000" dirty="0" smtClean="0"/>
+              <a:rPr lang="ru-RU" sz="2000" dirty="0"/>
               <a:t>Специальный сигнал пробуждения устройств.</a:t>
             </a:r>
           </a:p>
           <a:p>
             <a:r>
-              <a:rPr lang="ru-RU" sz="2400" dirty="0" smtClean="0"/>
+              <a:rPr lang="ru-RU" sz="2400" dirty="0"/>
               <a:t>3 линии</a:t>
             </a:r>
           </a:p>
           <a:p>
             <a:pPr lvl="1"/>
             <a:r>
-              <a:rPr lang="ru-RU" sz="2000" dirty="0" smtClean="0"/>
+              <a:rPr lang="ru-RU" sz="2000" dirty="0"/>
               <a:t>Дата</a:t>
             </a:r>
           </a:p>
           <a:p>
             <a:pPr lvl="1"/>
             <a:r>
-              <a:rPr lang="ru-RU" sz="2000" dirty="0" smtClean="0"/>
+              <a:rPr lang="ru-RU" sz="2000" dirty="0"/>
               <a:t>Питание</a:t>
             </a:r>
           </a:p>
           <a:p>
             <a:pPr lvl="1"/>
             <a:r>
-              <a:rPr lang="ru-RU" sz="2000" dirty="0" smtClean="0"/>
+              <a:rPr lang="ru-RU" sz="2000" dirty="0"/>
               <a:t>земля</a:t>
             </a:r>
           </a:p>
           <a:p>
             <a:pPr lvl="1"/>
-            <a:endParaRPr lang="ru-RU" sz="2000" dirty="0" smtClean="0"/>
+            <a:endParaRPr lang="ru-RU" sz="2000" dirty="0"/>
           </a:p>
         </p:txBody>
       </p:sp>
@@ -21728,13 +20673,6 @@
   <p:clrMapOvr>
     <a:masterClrMapping/>
   </p:clrMapOvr>
-  <p:timing>
-    <p:tnLst>
-      <p:par>
-        <p:cTn id="1" dur="indefinite" restart="never" nodeType="tmRoot"/>
-      </p:par>
-    </p:tnLst>
-  </p:timing>
 </p:sld>
 </file>
 
@@ -21771,10 +20709,9 @@
           <a:lstStyle/>
           <a:p>
             <a:r>
-              <a:rPr lang="ru-RU" dirty="0" smtClean="0"/>
+              <a:rPr lang="ru-RU" dirty="0"/>
               <a:t>Аналоговые и дискретные интерфейсы</a:t>
             </a:r>
-            <a:endParaRPr lang="ru-RU" dirty="0"/>
           </a:p>
         </p:txBody>
       </p:sp>
@@ -21796,15 +20733,15 @@
           <a:lstStyle/>
           <a:p>
             <a:r>
-              <a:rPr lang="ru-RU" b="1" dirty="0" smtClean="0"/>
+              <a:rPr lang="ru-RU" b="1" dirty="0"/>
               <a:t>Лекция </a:t>
             </a:r>
             <a:r>
-              <a:rPr lang="en-US" b="1" dirty="0" smtClean="0"/>
+              <a:rPr lang="en-US" b="1" dirty="0"/>
               <a:t>8</a:t>
             </a:r>
             <a:r>
-              <a:rPr lang="ru-RU" b="1" dirty="0" smtClean="0"/>
+              <a:rPr lang="ru-RU" b="1" dirty="0"/>
               <a:t>. Промышленные интерфейсы</a:t>
             </a:r>
           </a:p>
@@ -21826,13 +20763,6 @@
   <p:clrMapOvr>
     <a:masterClrMapping/>
   </p:clrMapOvr>
-  <p:timing>
-    <p:tnLst>
-      <p:par>
-        <p:cTn id="1" dur="indefinite" restart="never" nodeType="tmRoot"/>
-      </p:par>
-    </p:tnLst>
-  </p:timing>
 </p:sld>
 </file>
 
@@ -21876,10 +20806,9 @@
           <a:lstStyle/>
           <a:p>
             <a:r>
-              <a:rPr lang="ru-RU" sz="3200" dirty="0" smtClean="0"/>
+              <a:rPr lang="ru-RU" sz="3200" dirty="0"/>
               <a:t>Аналоговые интерфейсы</a:t>
             </a:r>
-            <a:endParaRPr lang="ru-RU" sz="3200" dirty="0"/>
           </a:p>
         </p:txBody>
       </p:sp>
@@ -21906,31 +20835,23 @@
           <a:lstStyle/>
           <a:p>
             <a:r>
-              <a:rPr lang="ru-RU" sz="2400" dirty="0" smtClean="0"/>
+              <a:rPr lang="ru-RU" sz="2400" dirty="0"/>
               <a:t>Интерфейс 4-20 </a:t>
             </a:r>
             <a:r>
-              <a:rPr lang="ru-RU" sz="2400" dirty="0" err="1" smtClean="0"/>
+              <a:rPr lang="ru-RU" sz="2400" dirty="0" err="1"/>
               <a:t>ма</a:t>
             </a:r>
             <a:r>
-              <a:rPr lang="ru-RU" sz="2400" dirty="0" smtClean="0"/>
-              <a:t> (</a:t>
-            </a:r>
-            <a:r>
               <a:rPr lang="ru-RU" sz="2400" dirty="0"/>
-              <a:t>лог.</a:t>
-            </a:r>
-            <a:r>
-              <a:rPr lang="ru-RU" sz="2400" dirty="0" smtClean="0"/>
-              <a:t>«0» – 4ма, лог.«1»-20 </a:t>
-            </a:r>
-            <a:r>
-              <a:rPr lang="ru-RU" sz="2400" dirty="0" err="1" smtClean="0"/>
+              <a:t> (лог.«0» – 4ма, лог.«1»-20 </a:t>
+            </a:r>
+            <a:r>
+              <a:rPr lang="ru-RU" sz="2400" dirty="0" err="1"/>
               <a:t>ма</a:t>
             </a:r>
             <a:r>
-              <a:rPr lang="ru-RU" sz="2400" dirty="0" smtClean="0"/>
+              <a:rPr lang="ru-RU" sz="2400" dirty="0"/>
               <a:t>)</a:t>
             </a:r>
           </a:p>
@@ -21938,7 +20859,7 @@
             <a:endParaRPr lang="ru-RU" sz="2400" dirty="0"/>
           </a:p>
           <a:p>
-            <a:endParaRPr lang="ru-RU" sz="2400" dirty="0" smtClean="0"/>
+            <a:endParaRPr lang="ru-RU" sz="2400" dirty="0"/>
           </a:p>
           <a:p>
             <a:endParaRPr lang="ru-RU" sz="2400" dirty="0"/>
@@ -21948,11 +20869,10 @@
               <a:rPr lang="ru-RU" sz="2000" dirty="0"/>
               <a:t>для передачи сигналов от разнообразных датчиков к контроллеру или от контроллера к исполнительным устройствам. </a:t>
             </a:r>
-            <a:endParaRPr lang="ru-RU" sz="2000" dirty="0" smtClean="0"/>
-          </a:p>
-          <a:p>
-            <a:r>
-              <a:rPr lang="ru-RU" sz="2000" dirty="0" smtClean="0"/>
+          </a:p>
+          <a:p>
+            <a:r>
+              <a:rPr lang="ru-RU" sz="2000" dirty="0"/>
               <a:t>Использование 4ма вместо 0 позволяет производить диагностику целостности кабеля</a:t>
             </a:r>
           </a:p>
@@ -21960,25 +20880,25 @@
             <a:endParaRPr lang="ru-RU" sz="2000" dirty="0"/>
           </a:p>
           <a:p>
-            <a:endParaRPr lang="ru-RU" sz="2000" dirty="0" smtClean="0"/>
-          </a:p>
-          <a:p>
-            <a:r>
-              <a:rPr lang="ru-RU" sz="2000" dirty="0" smtClean="0"/>
+            <a:endParaRPr lang="ru-RU" sz="2000" dirty="0"/>
+          </a:p>
+          <a:p>
+            <a:r>
+              <a:rPr lang="ru-RU" sz="2000" dirty="0"/>
               <a:t>Цифровая токовая петля 0-20 </a:t>
             </a:r>
             <a:r>
-              <a:rPr lang="ru-RU" sz="2000" dirty="0" err="1" smtClean="0"/>
+              <a:rPr lang="ru-RU" sz="2000" dirty="0" err="1"/>
               <a:t>ма</a:t>
             </a:r>
             <a:r>
-              <a:rPr lang="ru-RU" sz="2000" dirty="0" smtClean="0"/>
+              <a:rPr lang="ru-RU" sz="2000" dirty="0"/>
               <a:t> </a:t>
             </a:r>
           </a:p>
           <a:p>
             <a:r>
-              <a:rPr lang="ru-RU" sz="2000" dirty="0" smtClean="0"/>
+              <a:rPr lang="ru-RU" sz="2000" dirty="0"/>
               <a:t>(проще)</a:t>
             </a:r>
           </a:p>
@@ -22195,13 +21115,6 @@
   <p:clrMapOvr>
     <a:masterClrMapping/>
   </p:clrMapOvr>
-  <p:timing>
-    <p:tnLst>
-      <p:par>
-        <p:cTn id="1" dur="indefinite" restart="never" nodeType="tmRoot"/>
-      </p:par>
-    </p:tnLst>
-  </p:timing>
 </p:sld>
 </file>
 
@@ -22245,10 +21158,9 @@
           <a:lstStyle/>
           <a:p>
             <a:r>
-              <a:rPr lang="ru-RU" sz="3200" dirty="0" smtClean="0"/>
+              <a:rPr lang="ru-RU" sz="3200" dirty="0"/>
               <a:t>Аналоговые интерфейсы</a:t>
             </a:r>
-            <a:endParaRPr lang="ru-RU" sz="3200" dirty="0"/>
           </a:p>
         </p:txBody>
       </p:sp>
@@ -22275,48 +21187,48 @@
           <a:lstStyle/>
           <a:p>
             <a:r>
-              <a:rPr lang="ru-RU" sz="2000" dirty="0" smtClean="0"/>
+              <a:rPr lang="ru-RU" sz="2000" dirty="0"/>
               <a:t>Интерфейс </a:t>
             </a:r>
             <a:r>
-              <a:rPr lang="en-US" sz="2000" dirty="0" smtClean="0"/>
+              <a:rPr lang="en-US" sz="2000" dirty="0"/>
               <a:t>HART</a:t>
             </a:r>
             <a:r>
-              <a:rPr lang="ru-RU" sz="2000" dirty="0" smtClean="0"/>
+              <a:rPr lang="ru-RU" sz="2000" dirty="0"/>
               <a:t> на основе токовой петли 4-20 – поддержка передачи сообщений </a:t>
             </a:r>
-            <a:endParaRPr lang="en-US" sz="2000" dirty="0" smtClean="0"/>
-          </a:p>
-          <a:p>
             <a:endParaRPr lang="en-US" sz="2000" dirty="0"/>
           </a:p>
           <a:p>
-            <a:endParaRPr lang="en-US" sz="2000" dirty="0" smtClean="0"/>
-          </a:p>
-          <a:p>
             <a:endParaRPr lang="en-US" sz="2000" dirty="0"/>
           </a:p>
           <a:p>
-            <a:endParaRPr lang="en-US" sz="2000" dirty="0" smtClean="0"/>
-          </a:p>
-          <a:p>
             <a:endParaRPr lang="en-US" sz="2000" dirty="0"/>
           </a:p>
           <a:p>
-            <a:endParaRPr lang="en-US" sz="2000" dirty="0" smtClean="0"/>
-          </a:p>
-          <a:p>
             <a:endParaRPr lang="en-US" sz="2000" dirty="0"/>
           </a:p>
           <a:p>
-            <a:r>
-              <a:rPr lang="ru-RU" sz="2000" dirty="0" smtClean="0"/>
+            <a:endParaRPr lang="en-US" sz="2000" dirty="0"/>
+          </a:p>
+          <a:p>
+            <a:endParaRPr lang="en-US" sz="2000" dirty="0"/>
+          </a:p>
+          <a:p>
+            <a:endParaRPr lang="en-US" sz="2000" dirty="0"/>
+          </a:p>
+          <a:p>
+            <a:endParaRPr lang="en-US" sz="2000" dirty="0"/>
+          </a:p>
+          <a:p>
+            <a:r>
+              <a:rPr lang="ru-RU" sz="2000" dirty="0"/>
               <a:t>Открытый коллектор и сухой  коллектор </a:t>
             </a:r>
           </a:p>
           <a:p>
-            <a:endParaRPr lang="ru-RU" sz="2000" dirty="0" smtClean="0"/>
+            <a:endParaRPr lang="ru-RU" sz="2000" dirty="0"/>
           </a:p>
         </p:txBody>
       </p:sp>
@@ -22620,13 +21532,6 @@
   <p:clrMapOvr>
     <a:masterClrMapping/>
   </p:clrMapOvr>
-  <p:timing>
-    <p:tnLst>
-      <p:par>
-        <p:cTn id="1" dur="indefinite" restart="never" nodeType="tmRoot"/>
-      </p:par>
-    </p:tnLst>
-  </p:timing>
 </p:sld>
 </file>
 
@@ -22670,14 +21575,13 @@
           <a:lstStyle/>
           <a:p>
             <a:r>
-              <a:rPr lang="ru-RU" sz="3200" smtClean="0"/>
+              <a:rPr lang="ru-RU" sz="3200"/>
               <a:t>Дискретные </a:t>
             </a:r>
             <a:r>
-              <a:rPr lang="ru-RU" sz="3200" dirty="0" smtClean="0"/>
+              <a:rPr lang="ru-RU" sz="3200" dirty="0"/>
               <a:t>интерфейсы</a:t>
             </a:r>
-            <a:endParaRPr lang="ru-RU" sz="3200" dirty="0"/>
           </a:p>
         </p:txBody>
       </p:sp>
@@ -22707,12 +21611,12 @@
           </a:p>
           <a:p>
             <a:r>
-              <a:rPr lang="ru-RU" sz="2000" dirty="0" smtClean="0"/>
+              <a:rPr lang="ru-RU" sz="2000" dirty="0"/>
               <a:t>Открытый коллектор и сухой  коллектор </a:t>
             </a:r>
           </a:p>
           <a:p>
-            <a:endParaRPr lang="ru-RU" sz="2000" dirty="0" smtClean="0"/>
+            <a:endParaRPr lang="ru-RU" sz="2000" dirty="0"/>
           </a:p>
         </p:txBody>
       </p:sp>
@@ -22975,13 +21879,6 @@
   <p:clrMapOvr>
     <a:masterClrMapping/>
   </p:clrMapOvr>
-  <p:timing>
-    <p:tnLst>
-      <p:par>
-        <p:cTn id="1" dur="indefinite" restart="never" nodeType="tmRoot"/>
-      </p:par>
-    </p:tnLst>
-  </p:timing>
 </p:sld>
 </file>
 
@@ -23025,8 +21922,8 @@
         </p:blipFill>
         <p:spPr bwMode="auto">
           <a:xfrm>
-            <a:off x="6300192" y="4144516"/>
-            <a:ext cx="2713484" cy="2713484"/>
+            <a:off x="6855668" y="4653136"/>
+            <a:ext cx="2230016" cy="2230016"/>
           </a:xfrm>
           <a:prstGeom prst="rect">
             <a:avLst/>
@@ -23066,10 +21963,9 @@
           <a:lstStyle/>
           <a:p>
             <a:r>
-              <a:rPr lang="ru-RU" dirty="0" smtClean="0"/>
+              <a:rPr lang="ru-RU" dirty="0"/>
               <a:t>Промышленные интерфейсы</a:t>
             </a:r>
-            <a:endParaRPr lang="ru-RU" dirty="0"/>
           </a:p>
         </p:txBody>
       </p:sp>
@@ -23085,7 +21981,7 @@
         </p:nvSpPr>
         <p:spPr>
           <a:xfrm>
-            <a:off x="177691" y="846479"/>
+            <a:off x="0" y="835460"/>
             <a:ext cx="8507288" cy="5616624"/>
           </a:xfrm>
         </p:spPr>
@@ -23103,7 +21999,7 @@
               <a:buChar char="•"/>
             </a:pPr>
             <a:r>
-              <a:rPr lang="ru-RU" sz="2200" dirty="0" smtClean="0"/>
+              <a:rPr lang="ru-RU" sz="2200" dirty="0"/>
               <a:t>По типу сигнала:</a:t>
             </a:r>
           </a:p>
@@ -23114,10 +22010,9 @@
               </a:spcBef>
             </a:pPr>
             <a:r>
-              <a:rPr lang="ru-RU" sz="2200" dirty="0" smtClean="0"/>
+              <a:rPr lang="ru-RU" sz="2200" dirty="0"/>
               <a:t>Цифровые </a:t>
             </a:r>
-            <a:endParaRPr lang="ru-RU" sz="2200" dirty="0"/>
           </a:p>
           <a:p>
             <a:pPr marL="1200150" lvl="3" indent="-342900">
@@ -23126,31 +22021,31 @@
               </a:spcBef>
             </a:pPr>
             <a:r>
-              <a:rPr lang="en-US" sz="2200" dirty="0" smtClean="0"/>
+              <a:rPr lang="en-US" sz="2200" dirty="0"/>
               <a:t>UART, CAN, SPI, I2C, </a:t>
             </a:r>
             <a:r>
-              <a:rPr lang="ru-RU" sz="2200" dirty="0" smtClean="0"/>
+              <a:rPr lang="ru-RU" sz="2200" dirty="0"/>
               <a:t> </a:t>
             </a:r>
             <a:r>
-              <a:rPr lang="en-US" sz="2200" dirty="0" err="1" smtClean="0"/>
+              <a:rPr lang="en-US" sz="2200" dirty="0" err="1"/>
               <a:t>EtherNet</a:t>
             </a:r>
             <a:r>
-              <a:rPr lang="en-US" sz="2200" dirty="0" smtClean="0"/>
+              <a:rPr lang="en-US" sz="2200" dirty="0"/>
               <a:t> </a:t>
             </a:r>
             <a:r>
-              <a:rPr lang="ru-RU" sz="2200" dirty="0" smtClean="0"/>
+              <a:rPr lang="ru-RU" sz="2200" dirty="0"/>
               <a:t>и</a:t>
             </a:r>
             <a:r>
-              <a:rPr lang="en-US" sz="2200" dirty="0" smtClean="0"/>
+              <a:rPr lang="en-US" sz="2200" dirty="0"/>
               <a:t> </a:t>
             </a:r>
             <a:r>
-              <a:rPr lang="ru-RU" sz="2200" dirty="0" smtClean="0"/>
+              <a:rPr lang="ru-RU" sz="2200" dirty="0"/>
               <a:t>т.д. </a:t>
             </a:r>
           </a:p>
@@ -23161,12 +22056,8 @@
               </a:spcBef>
             </a:pPr>
             <a:r>
-              <a:rPr lang="ru-RU" sz="2200" dirty="0" err="1" smtClean="0"/>
-              <a:t>высокоскорстные</a:t>
-            </a:r>
-            <a:r>
-              <a:rPr lang="ru-RU" sz="2200" dirty="0" smtClean="0"/>
-              <a:t>, служат для передачи больших массивов данных на большие расстояния </a:t>
+              <a:rPr lang="ru-RU" sz="2200" dirty="0"/>
+              <a:t>высокоскоростные, служат для передачи больших массивов данных на большие расстояния </a:t>
             </a:r>
           </a:p>
           <a:p>
@@ -23176,7 +22067,7 @@
               </a:spcBef>
             </a:pPr>
             <a:r>
-              <a:rPr lang="ru-RU" sz="2200" dirty="0" smtClean="0"/>
+              <a:rPr lang="ru-RU" sz="2200" dirty="0"/>
               <a:t>Аналоговые</a:t>
             </a:r>
           </a:p>
@@ -23187,23 +22078,23 @@
               </a:spcBef>
             </a:pPr>
             <a:r>
-              <a:rPr lang="ru-RU" sz="2200" dirty="0" smtClean="0"/>
+              <a:rPr lang="ru-RU" sz="2200" dirty="0"/>
               <a:t>токовая петля, </a:t>
             </a:r>
             <a:r>
-              <a:rPr lang="en-US" sz="2200" dirty="0" smtClean="0"/>
+              <a:rPr lang="en-US" sz="2200" dirty="0"/>
               <a:t>HART</a:t>
             </a:r>
             <a:r>
-              <a:rPr lang="ru-RU" sz="2200" dirty="0" smtClean="0"/>
+              <a:rPr lang="ru-RU" sz="2200" dirty="0"/>
               <a:t>,</a:t>
             </a:r>
             <a:r>
-              <a:rPr lang="en-US" sz="2200" dirty="0" smtClean="0"/>
+              <a:rPr lang="en-US" sz="2200" dirty="0"/>
               <a:t> </a:t>
             </a:r>
             <a:r>
-              <a:rPr lang="ru-RU" sz="2200" dirty="0" smtClean="0"/>
+              <a:rPr lang="ru-RU" sz="2200" dirty="0"/>
               <a:t>4-20мА и т.д. </a:t>
             </a:r>
           </a:p>
@@ -23214,7 +22105,7 @@
               </a:spcBef>
             </a:pPr>
             <a:r>
-              <a:rPr lang="ru-RU" sz="2200" dirty="0" smtClean="0"/>
+              <a:rPr lang="ru-RU" sz="2200" dirty="0"/>
               <a:t>Простота подключения и интерпретации результатов</a:t>
             </a:r>
           </a:p>
@@ -23225,7 +22116,7 @@
               </a:spcBef>
             </a:pPr>
             <a:r>
-              <a:rPr lang="ru-RU" sz="2200" dirty="0" smtClean="0"/>
+              <a:rPr lang="ru-RU" sz="2200" dirty="0"/>
               <a:t>Дискретные </a:t>
             </a:r>
           </a:p>
@@ -23236,7 +22127,7 @@
               </a:spcBef>
             </a:pPr>
             <a:r>
-              <a:rPr lang="ru-RU" sz="2200" dirty="0" smtClean="0"/>
+              <a:rPr lang="ru-RU" sz="2200" dirty="0"/>
               <a:t>открытый коллектор, импульсные интерфейсы</a:t>
             </a:r>
           </a:p>
@@ -23247,7 +22138,7 @@
               </a:spcBef>
             </a:pPr>
             <a:r>
-              <a:rPr lang="ru-RU" sz="2200" dirty="0" smtClean="0"/>
+              <a:rPr lang="ru-RU" sz="2200" dirty="0"/>
               <a:t>Простота подключения, надежность, ограниченность передачи информации</a:t>
             </a:r>
           </a:p>
@@ -23258,7 +22149,7 @@
               </a:spcBef>
             </a:pPr>
             <a:r>
-              <a:rPr lang="ru-RU" sz="2200" dirty="0" smtClean="0"/>
+              <a:rPr lang="ru-RU" sz="2200" dirty="0"/>
               <a:t> данные вида да/нет либо передача информации по длительности импульса </a:t>
             </a:r>
           </a:p>
@@ -23274,13 +22165,6 @@
   <p:clrMapOvr>
     <a:masterClrMapping/>
   </p:clrMapOvr>
-  <p:timing>
-    <p:tnLst>
-      <p:par>
-        <p:cTn id="1" dur="indefinite" restart="never" nodeType="tmRoot"/>
-      </p:par>
-    </p:tnLst>
-  </p:timing>
 </p:sld>
 </file>
 
@@ -23325,7 +22209,7 @@
           <a:p>
             <a:pPr lvl="1" algn="ctr"/>
             <a:r>
-              <a:rPr lang="ru-RU" sz="2400" b="1" dirty="0" smtClean="0"/>
+              <a:rPr lang="ru-RU" sz="2400" b="1" dirty="0"/>
               <a:t>Интерфейсы микроконтроллеров и АСУ</a:t>
             </a:r>
             <a:endParaRPr lang="ru-RU" sz="2800" b="1" dirty="0"/>
@@ -23403,7 +22287,7 @@
               <a:tabLst/>
             </a:pPr>
             <a:r>
-              <a:rPr kumimoji="0" lang="ru-RU" altLang="ru-RU" sz="1200" b="0" i="0" u="none" strike="noStrike" cap="none" normalizeH="0" baseline="0" smtClean="0">
+              <a:rPr kumimoji="0" lang="ru-RU" altLang="ru-RU" sz="1200" b="0" i="0" u="none" strike="noStrike" cap="none" normalizeH="0" baseline="0">
                 <a:ln>
                   <a:noFill/>
                 </a:ln>
@@ -23417,7 +22301,7 @@
               </a:rPr>
               <a:t> .</a:t>
             </a:r>
-            <a:endParaRPr kumimoji="0" lang="ru-RU" altLang="ru-RU" sz="1800" b="0" i="0" u="none" strike="noStrike" cap="none" normalizeH="0" baseline="0" smtClean="0">
+            <a:endParaRPr kumimoji="0" lang="ru-RU" altLang="ru-RU" sz="1800" b="0" i="0" u="none" strike="noStrike" cap="none" normalizeH="0" baseline="0">
               <a:ln>
                 <a:noFill/>
               </a:ln>
@@ -23558,7 +22442,7 @@
           <a:p>
             <a:pPr algn="ctr"/>
             <a:r>
-              <a:rPr lang="en-US" dirty="0" smtClean="0"/>
+              <a:rPr lang="en-US" dirty="0"/>
               <a:t>USART</a:t>
             </a:r>
             <a:endParaRPr lang="ru-RU" dirty="0"/>
@@ -23600,7 +22484,7 @@
           <a:p>
             <a:pPr algn="ctr"/>
             <a:r>
-              <a:rPr lang="en-US" dirty="0" smtClean="0"/>
+              <a:rPr lang="en-US" dirty="0"/>
               <a:t>I2C</a:t>
             </a:r>
             <a:endParaRPr lang="ru-RU" dirty="0"/>
@@ -23642,7 +22526,7 @@
           <a:p>
             <a:pPr algn="ctr"/>
             <a:r>
-              <a:rPr lang="en-US" dirty="0" smtClean="0"/>
+              <a:rPr lang="en-US" dirty="0"/>
               <a:t>CAN</a:t>
             </a:r>
             <a:endParaRPr lang="ru-RU" dirty="0"/>
@@ -23684,7 +22568,7 @@
           <a:p>
             <a:pPr algn="ctr"/>
             <a:r>
-              <a:rPr lang="en-US" dirty="0" smtClean="0"/>
+              <a:rPr lang="en-US" dirty="0"/>
               <a:t>SPI</a:t>
             </a:r>
             <a:endParaRPr lang="ru-RU" dirty="0"/>
@@ -23726,7 +22610,7 @@
           <a:p>
             <a:pPr algn="ctr"/>
             <a:r>
-              <a:rPr lang="en-US" dirty="0" smtClean="0"/>
+              <a:rPr lang="en-US" dirty="0"/>
               <a:t>GPIO</a:t>
             </a:r>
             <a:endParaRPr lang="ru-RU" dirty="0"/>
@@ -23768,7 +22652,7 @@
           <a:p>
             <a:pPr algn="ctr"/>
             <a:r>
-              <a:rPr lang="en-US" dirty="0" smtClean="0"/>
+              <a:rPr lang="en-US" dirty="0"/>
               <a:t>USB</a:t>
             </a:r>
             <a:endParaRPr lang="ru-RU" dirty="0"/>
@@ -23810,7 +22694,7 @@
           <a:p>
             <a:pPr algn="ctr"/>
             <a:r>
-              <a:rPr lang="en-US" dirty="0" smtClean="0"/>
+              <a:rPr lang="en-US" dirty="0"/>
               <a:t>JTAG</a:t>
             </a:r>
             <a:endParaRPr lang="ru-RU" dirty="0"/>
@@ -23852,7 +22736,7 @@
           <a:p>
             <a:pPr algn="ctr"/>
             <a:r>
-              <a:rPr lang="en-US" dirty="0" smtClean="0"/>
+              <a:rPr lang="en-US" dirty="0"/>
               <a:t>SWD</a:t>
             </a:r>
             <a:endParaRPr lang="ru-RU" dirty="0"/>
@@ -23894,7 +22778,7 @@
           <a:p>
             <a:pPr algn="ctr"/>
             <a:r>
-              <a:rPr lang="en-US" dirty="0" smtClean="0"/>
+              <a:rPr lang="en-US" dirty="0"/>
               <a:t>IrDA</a:t>
             </a:r>
             <a:endParaRPr lang="ru-RU" dirty="0"/>
@@ -23936,7 +22820,7 @@
           <a:p>
             <a:pPr algn="ctr"/>
             <a:r>
-              <a:rPr lang="en-US" dirty="0" smtClean="0"/>
+              <a:rPr lang="en-US" dirty="0"/>
               <a:t>WIFI</a:t>
             </a:r>
             <a:endParaRPr lang="ru-RU" dirty="0"/>
@@ -23978,7 +22862,7 @@
           <a:p>
             <a:pPr algn="ctr"/>
             <a:r>
-              <a:rPr lang="en-US" sz="1200" dirty="0" smtClean="0"/>
+              <a:rPr lang="en-US" sz="1200" dirty="0"/>
               <a:t>Bluetooth</a:t>
             </a:r>
             <a:endParaRPr lang="ru-RU" sz="1200" dirty="0"/>
@@ -24020,7 +22904,7 @@
           <a:p>
             <a:pPr algn="ctr"/>
             <a:r>
-              <a:rPr lang="en-US" sz="1150" dirty="0" smtClean="0"/>
+              <a:rPr lang="en-US" sz="1150" dirty="0"/>
               <a:t>SDIO/MMC</a:t>
             </a:r>
             <a:endParaRPr lang="ru-RU" sz="1150" dirty="0"/>
@@ -24062,7 +22946,7 @@
           <a:p>
             <a:pPr algn="ctr"/>
             <a:r>
-              <a:rPr lang="en-US" dirty="0" smtClean="0"/>
+              <a:rPr lang="en-US" dirty="0"/>
               <a:t>LVDS</a:t>
             </a:r>
             <a:endParaRPr lang="ru-RU" dirty="0"/>
@@ -24104,7 +22988,7 @@
           <a:p>
             <a:pPr algn="ctr"/>
             <a:r>
-              <a:rPr lang="en-US" dirty="0" smtClean="0"/>
+              <a:rPr lang="en-US" dirty="0"/>
               <a:t>Ethernet</a:t>
             </a:r>
             <a:endParaRPr lang="ru-RU" dirty="0"/>
@@ -24121,13 +23005,6 @@
   <p:clrMapOvr>
     <a:masterClrMapping/>
   </p:clrMapOvr>
-  <p:timing>
-    <p:tnLst>
-      <p:par>
-        <p:cTn id="1" dur="indefinite" restart="never" nodeType="tmRoot"/>
-      </p:par>
-    </p:tnLst>
-  </p:timing>
 </p:sld>
 </file>
 
@@ -24172,7 +23049,7 @@
           <a:p>
             <a:pPr lvl="1" algn="ctr"/>
             <a:r>
-              <a:rPr lang="ru-RU" sz="2400" b="1" dirty="0" smtClean="0"/>
+              <a:rPr lang="ru-RU" sz="2400" b="1" dirty="0"/>
               <a:t>Интерфейсы микроконтроллеров</a:t>
             </a:r>
             <a:endParaRPr lang="ru-RU" sz="2800" b="1" dirty="0"/>
@@ -24250,7 +23127,7 @@
               <a:tabLst/>
             </a:pPr>
             <a:r>
-              <a:rPr kumimoji="0" lang="ru-RU" altLang="ru-RU" sz="1200" b="0" i="0" u="none" strike="noStrike" cap="none" normalizeH="0" baseline="0" smtClean="0">
+              <a:rPr kumimoji="0" lang="ru-RU" altLang="ru-RU" sz="1200" b="0" i="0" u="none" strike="noStrike" cap="none" normalizeH="0" baseline="0">
                 <a:ln>
                   <a:noFill/>
                 </a:ln>
@@ -24264,7 +23141,7 @@
               </a:rPr>
               <a:t> .</a:t>
             </a:r>
-            <a:endParaRPr kumimoji="0" lang="ru-RU" altLang="ru-RU" sz="1800" b="0" i="0" u="none" strike="noStrike" cap="none" normalizeH="0" baseline="0" smtClean="0">
+            <a:endParaRPr kumimoji="0" lang="ru-RU" altLang="ru-RU" sz="1800" b="0" i="0" u="none" strike="noStrike" cap="none" normalizeH="0" baseline="0">
               <a:ln>
                 <a:noFill/>
               </a:ln>
@@ -24367,13 +23244,6 @@
   <p:clrMapOvr>
     <a:masterClrMapping/>
   </p:clrMapOvr>
-  <p:timing>
-    <p:tnLst>
-      <p:par>
-        <p:cTn id="1" dur="indefinite" restart="never" nodeType="tmRoot"/>
-      </p:par>
-    </p:tnLst>
-  </p:timing>
 </p:sld>
 </file>
 
@@ -24418,7 +23288,7 @@
           <a:p>
             <a:pPr lvl="1" algn="ctr"/>
             <a:r>
-              <a:rPr lang="ru-RU" sz="2400" b="1" dirty="0" smtClean="0"/>
+              <a:rPr lang="ru-RU" sz="2400" b="1" dirty="0"/>
               <a:t>Интерфейсы АСУ</a:t>
             </a:r>
             <a:endParaRPr lang="ru-RU" sz="2800" b="1" dirty="0"/>
@@ -24496,7 +23366,7 @@
               <a:tabLst/>
             </a:pPr>
             <a:r>
-              <a:rPr kumimoji="0" lang="ru-RU" altLang="ru-RU" sz="1200" b="0" i="0" u="none" strike="noStrike" cap="none" normalizeH="0" baseline="0" smtClean="0">
+              <a:rPr kumimoji="0" lang="ru-RU" altLang="ru-RU" sz="1200" b="0" i="0" u="none" strike="noStrike" cap="none" normalizeH="0" baseline="0">
                 <a:ln>
                   <a:noFill/>
                 </a:ln>
@@ -24510,7 +23380,7 @@
               </a:rPr>
               <a:t> .</a:t>
             </a:r>
-            <a:endParaRPr kumimoji="0" lang="ru-RU" altLang="ru-RU" sz="1800" b="0" i="0" u="none" strike="noStrike" cap="none" normalizeH="0" baseline="0" smtClean="0">
+            <a:endParaRPr kumimoji="0" lang="ru-RU" altLang="ru-RU" sz="1800" b="0" i="0" u="none" strike="noStrike" cap="none" normalizeH="0" baseline="0">
               <a:ln>
                 <a:noFill/>
               </a:ln>
@@ -24600,13 +23470,6 @@
   <p:clrMapOvr>
     <a:masterClrMapping/>
   </p:clrMapOvr>
-  <p:timing>
-    <p:tnLst>
-      <p:par>
-        <p:cTn id="1" dur="indefinite" restart="never" nodeType="tmRoot"/>
-      </p:par>
-    </p:tnLst>
-  </p:timing>
 </p:sld>
 </file>
 
@@ -24643,26 +23506,26 @@
           <a:lstStyle/>
           <a:p>
             <a:r>
-              <a:rPr lang="ru-RU" dirty="0" smtClean="0"/>
+              <a:rPr lang="ru-RU" dirty="0"/>
               <a:t>Интерфейсы типа </a:t>
             </a:r>
             <a:r>
-              <a:rPr lang="en-US" dirty="0" smtClean="0"/>
+              <a:rPr lang="en-US" dirty="0"/>
               <a:t>USART</a:t>
             </a:r>
             <a:br>
-              <a:rPr lang="en-US" dirty="0" smtClean="0"/>
+              <a:rPr lang="en-US" dirty="0"/>
             </a:br>
             <a:r>
-              <a:rPr lang="en-US" dirty="0" smtClean="0"/>
+              <a:rPr lang="en-US" dirty="0"/>
               <a:t>(</a:t>
             </a:r>
             <a:r>
-              <a:rPr lang="en-US" dirty="0" err="1" smtClean="0"/>
+              <a:rPr lang="en-US" dirty="0" err="1"/>
               <a:t>ComPort</a:t>
             </a:r>
             <a:r>
-              <a:rPr lang="en-US" dirty="0" smtClean="0"/>
+              <a:rPr lang="en-US" dirty="0"/>
               <a:t>)</a:t>
             </a:r>
             <a:endParaRPr lang="ru-RU" dirty="0"/>
@@ -24687,15 +23550,15 @@
           <a:lstStyle/>
           <a:p>
             <a:r>
-              <a:rPr lang="ru-RU" b="1" dirty="0" smtClean="0"/>
+              <a:rPr lang="ru-RU" b="1" dirty="0"/>
               <a:t>Лекция </a:t>
             </a:r>
             <a:r>
-              <a:rPr lang="en-US" b="1" dirty="0" smtClean="0"/>
+              <a:rPr lang="en-US" b="1" dirty="0"/>
               <a:t>8</a:t>
             </a:r>
             <a:r>
-              <a:rPr lang="ru-RU" b="1" dirty="0" smtClean="0"/>
+              <a:rPr lang="ru-RU" b="1" dirty="0"/>
               <a:t>. Промышленные интерфейсы</a:t>
             </a:r>
           </a:p>
@@ -24717,13 +23580,6 @@
   <p:clrMapOvr>
     <a:masterClrMapping/>
   </p:clrMapOvr>
-  <p:timing>
-    <p:tnLst>
-      <p:par>
-        <p:cTn id="1" dur="indefinite" restart="never" nodeType="tmRoot"/>
-      </p:par>
-    </p:tnLst>
-  </p:timing>
 </p:sld>
 </file>
 
